--- a/[FastCampus] 8주차_강의자료_김경원박사.pptx
+++ b/[FastCampus] 8주차_강의자료_김경원박사.pptx
@@ -5,61 +5,47 @@
     <p:sldMasterId id="2147483648" r:id="rId1"/>
   </p:sldMasterIdLst>
   <p:notesMasterIdLst>
-    <p:notesMasterId r:id="rId43"/>
+    <p:notesMasterId r:id="rId29"/>
   </p:notesMasterIdLst>
   <p:handoutMasterIdLst>
-    <p:handoutMasterId r:id="rId44"/>
+    <p:handoutMasterId r:id="rId30"/>
   </p:handoutMasterIdLst>
   <p:sldIdLst>
     <p:sldId id="1063" r:id="rId2"/>
-    <p:sldId id="1248" r:id="rId3"/>
-    <p:sldId id="1103" r:id="rId4"/>
-    <p:sldId id="1224" r:id="rId5"/>
-    <p:sldId id="1210" r:id="rId6"/>
-    <p:sldId id="1217" r:id="rId7"/>
-    <p:sldId id="1218" r:id="rId8"/>
-    <p:sldId id="1219" r:id="rId9"/>
-    <p:sldId id="1220" r:id="rId10"/>
-    <p:sldId id="1221" r:id="rId11"/>
-    <p:sldId id="1222" r:id="rId12"/>
-    <p:sldId id="1234" r:id="rId13"/>
-    <p:sldId id="1223" r:id="rId14"/>
-    <p:sldId id="1225" r:id="rId15"/>
-    <p:sldId id="1226" r:id="rId16"/>
-    <p:sldId id="1227" r:id="rId17"/>
-    <p:sldId id="1228" r:id="rId18"/>
-    <p:sldId id="1229" r:id="rId19"/>
-    <p:sldId id="1230" r:id="rId20"/>
-    <p:sldId id="1231" r:id="rId21"/>
-    <p:sldId id="1232" r:id="rId22"/>
-    <p:sldId id="1233" r:id="rId23"/>
-    <p:sldId id="1235" r:id="rId24"/>
-    <p:sldId id="1236" r:id="rId25"/>
-    <p:sldId id="1249" r:id="rId26"/>
-    <p:sldId id="1237" r:id="rId27"/>
-    <p:sldId id="1250" r:id="rId28"/>
-    <p:sldId id="1238" r:id="rId29"/>
-    <p:sldId id="1239" r:id="rId30"/>
-    <p:sldId id="1240" r:id="rId31"/>
-    <p:sldId id="1241" r:id="rId32"/>
-    <p:sldId id="1251" r:id="rId33"/>
-    <p:sldId id="1252" r:id="rId34"/>
-    <p:sldId id="1242" r:id="rId35"/>
-    <p:sldId id="1243" r:id="rId36"/>
-    <p:sldId id="1244" r:id="rId37"/>
-    <p:sldId id="1245" r:id="rId38"/>
-    <p:sldId id="1246" r:id="rId39"/>
-    <p:sldId id="1247" r:id="rId40"/>
-    <p:sldId id="1193" r:id="rId41"/>
-    <p:sldId id="1062" r:id="rId42"/>
+    <p:sldId id="1230" r:id="rId3"/>
+    <p:sldId id="1232" r:id="rId4"/>
+    <p:sldId id="1219" r:id="rId5"/>
+    <p:sldId id="1220" r:id="rId6"/>
+    <p:sldId id="1221" r:id="rId7"/>
+    <p:sldId id="1222" r:id="rId8"/>
+    <p:sldId id="1224" r:id="rId9"/>
+    <p:sldId id="1223" r:id="rId10"/>
+    <p:sldId id="1204" r:id="rId11"/>
+    <p:sldId id="1231" r:id="rId12"/>
+    <p:sldId id="1208" r:id="rId13"/>
+    <p:sldId id="1205" r:id="rId14"/>
+    <p:sldId id="1206" r:id="rId15"/>
+    <p:sldId id="1207" r:id="rId16"/>
+    <p:sldId id="1209" r:id="rId17"/>
+    <p:sldId id="1225" r:id="rId18"/>
+    <p:sldId id="1226" r:id="rId19"/>
+    <p:sldId id="1227" r:id="rId20"/>
+    <p:sldId id="1228" r:id="rId21"/>
+    <p:sldId id="1210" r:id="rId22"/>
+    <p:sldId id="1211" r:id="rId23"/>
+    <p:sldId id="1216" r:id="rId24"/>
+    <p:sldId id="1212" r:id="rId25"/>
+    <p:sldId id="1213" r:id="rId26"/>
+    <p:sldId id="1229" r:id="rId27"/>
+    <p:sldId id="1062" r:id="rId28"/>
   </p:sldIdLst>
   <p:sldSz cx="12160250" cy="6840538"/>
   <p:notesSz cx="9874250" cy="6797675"/>
   <p:embeddedFontLst>
     <p:embeddedFont>
       <p:font typeface="맑은 고딕" panose="020B0503020000020004" pitchFamily="50" charset="-127"/>
-      <p:regular r:id="rId45"/>
-      <p:bold r:id="rId46"/>
+      <p:regular r:id="rId31"/>
+      <p:bold r:id="rId32"/>
     </p:embeddedFont>
   </p:embeddedFontLst>
   <p:defaultTextStyle>
@@ -272,7 +258,7 @@
           <a:p>
             <a:fld id="{FC718EE8-BF93-4A17-BED5-FC99EECA5FC7}" type="datetimeFigureOut">
               <a:rPr lang="ko-KR" altLang="en-US" smtClean="0"/>
-              <a:t>2020-01-04</a:t>
+              <a:t>2020-06-08</a:t>
             </a:fld>
             <a:endParaRPr lang="ko-KR" altLang="en-US"/>
           </a:p>
@@ -437,7 +423,7 @@
           <a:p>
             <a:fld id="{6101F873-BA02-446B-9127-C4DE4310B943}" type="datetimeFigureOut">
               <a:rPr lang="ko-KR" altLang="en-US" smtClean="0"/>
-              <a:t>2020-01-04</a:t>
+              <a:t>2020-06-08</a:t>
             </a:fld>
             <a:endParaRPr lang="ko-KR" altLang="en-US"/>
           </a:p>
@@ -1027,7 +1013,7 @@
           <a:p>
             <a:fld id="{89B5E594-86C5-4F1D-8812-38DF40064943}" type="datetime1">
               <a:rPr lang="ko-KR" altLang="en-US" smtClean="0"/>
-              <a:t>2020-01-04</a:t>
+              <a:t>2020-06-08</a:t>
             </a:fld>
             <a:endParaRPr lang="ko-KR" altLang="en-US"/>
           </a:p>
@@ -1235,7 +1221,7 @@
           <a:p>
             <a:fld id="{05C0B17C-522D-4CD8-8139-01EDEBAB2AF6}" type="datetime1">
               <a:rPr lang="ko-KR" altLang="en-US" smtClean="0"/>
-              <a:t>2020-01-04</a:t>
+              <a:t>2020-06-08</a:t>
             </a:fld>
             <a:endParaRPr lang="ko-KR" altLang="en-US"/>
           </a:p>
@@ -1413,7 +1399,7 @@
           <a:p>
             <a:fld id="{7345261C-38F3-40E7-AAA6-CE27B727AA65}" type="datetime1">
               <a:rPr lang="ko-KR" altLang="en-US" smtClean="0"/>
-              <a:t>2020-01-04</a:t>
+              <a:t>2020-06-08</a:t>
             </a:fld>
             <a:endParaRPr lang="ko-KR" altLang="en-US"/>
           </a:p>
@@ -1581,7 +1567,7 @@
           <a:p>
             <a:fld id="{A8472951-AD8C-47B8-8787-30E2F4BFA1EA}" type="datetime1">
               <a:rPr lang="ko-KR" altLang="en-US" smtClean="0"/>
-              <a:t>2020-01-04</a:t>
+              <a:t>2020-06-08</a:t>
             </a:fld>
             <a:endParaRPr lang="ko-KR" altLang="en-US"/>
           </a:p>
@@ -1836,7 +1822,7 @@
           <a:p>
             <a:fld id="{8BCB1BBF-13D1-46E6-8B8B-C9F26A0BAD91}" type="datetime1">
               <a:rPr lang="ko-KR" altLang="en-US" smtClean="0"/>
-              <a:t>2020-01-04</a:t>
+              <a:t>2020-06-08</a:t>
             </a:fld>
             <a:endParaRPr lang="ko-KR" altLang="en-US"/>
           </a:p>
@@ -2121,7 +2107,7 @@
           <a:p>
             <a:fld id="{B16FDC3D-FD6A-49DF-B101-11717D57279F}" type="datetime1">
               <a:rPr lang="ko-KR" altLang="en-US" smtClean="0"/>
-              <a:t>2020-01-04</a:t>
+              <a:t>2020-06-08</a:t>
             </a:fld>
             <a:endParaRPr lang="ko-KR" altLang="en-US"/>
           </a:p>
@@ -2540,7 +2526,7 @@
           <a:p>
             <a:fld id="{42D411A2-FD90-4A19-98A8-25197A66BC26}" type="datetime1">
               <a:rPr lang="ko-KR" altLang="en-US" smtClean="0"/>
-              <a:t>2020-01-04</a:t>
+              <a:t>2020-06-08</a:t>
             </a:fld>
             <a:endParaRPr lang="ko-KR" altLang="en-US"/>
           </a:p>
@@ -2657,7 +2643,7 @@
           <a:p>
             <a:fld id="{F6E6B532-6471-449A-9A2F-4428556C2F98}" type="datetime1">
               <a:rPr lang="ko-KR" altLang="en-US" smtClean="0"/>
-              <a:t>2020-01-04</a:t>
+              <a:t>2020-06-08</a:t>
             </a:fld>
             <a:endParaRPr lang="ko-KR" altLang="en-US"/>
           </a:p>
@@ -2752,7 +2738,7 @@
           <a:p>
             <a:fld id="{45A9E13B-856D-4562-A86D-A2B6F7BF810F}" type="datetime1">
               <a:rPr lang="ko-KR" altLang="en-US" smtClean="0"/>
-              <a:t>2020-01-04</a:t>
+              <a:t>2020-06-08</a:t>
             </a:fld>
             <a:endParaRPr lang="ko-KR" altLang="en-US"/>
           </a:p>
@@ -3027,7 +3013,7 @@
           <a:p>
             <a:fld id="{A672FB3A-7E9E-4380-9381-6FCA87FBB41A}" type="datetime1">
               <a:rPr lang="ko-KR" altLang="en-US" smtClean="0"/>
-              <a:t>2020-01-04</a:t>
+              <a:t>2020-06-08</a:t>
             </a:fld>
             <a:endParaRPr lang="ko-KR" altLang="en-US"/>
           </a:p>
@@ -3279,7 +3265,7 @@
           <a:p>
             <a:fld id="{3948CCBA-1514-4E9E-888A-807450F810B0}" type="datetime1">
               <a:rPr lang="ko-KR" altLang="en-US" smtClean="0"/>
-              <a:t>2020-01-04</a:t>
+              <a:t>2020-06-08</a:t>
             </a:fld>
             <a:endParaRPr lang="ko-KR" altLang="en-US"/>
           </a:p>
@@ -3492,7 +3478,7 @@
           <a:p>
             <a:fld id="{170EDEE7-370E-499F-B978-ABF387098974}" type="datetime1">
               <a:rPr lang="ko-KR" altLang="en-US" smtClean="0"/>
-              <a:t>2020-01-04</a:t>
+              <a:t>2020-06-08</a:t>
             </a:fld>
             <a:endParaRPr lang="ko-KR" altLang="en-US" dirty="0"/>
           </a:p>
@@ -3911,7 +3897,7 @@
           <p:cNvPr id="5" name="TextBox 4">
             <a:extLst>
               <a:ext uri="{FF2B5EF4-FFF2-40B4-BE49-F238E27FC236}">
-                <a16:creationId xmlns:a16="http://schemas.microsoft.com/office/drawing/2014/main" id="{364AB666-1C38-44E0-8161-BB4146B403E6}"/>
+                <a16:creationId xmlns:a16="http://schemas.microsoft.com/office/drawing/2014/main" id="{26CF68C2-AE2A-42F0-832D-578D0A6D2AA5}"/>
               </a:ext>
             </a:extLst>
           </p:cNvPr>
@@ -4033,7 +4019,7 @@
           <p:cNvPr id="6" name="TextBox 5">
             <a:extLst>
               <a:ext uri="{FF2B5EF4-FFF2-40B4-BE49-F238E27FC236}">
-                <a16:creationId xmlns:a16="http://schemas.microsoft.com/office/drawing/2014/main" id="{DC18E95D-4A81-4D4A-8FBA-53BACA1DEB3E}"/>
+                <a16:creationId xmlns:a16="http://schemas.microsoft.com/office/drawing/2014/main" id="{65BCCDEA-877E-4727-A3BE-499587AE3D64}"/>
               </a:ext>
             </a:extLst>
           </p:cNvPr>
@@ -4138,7 +4124,7 @@
                 <a:latin typeface="Noto Sans CJK KR Black" pitchFamily="34" charset="-127"/>
                 <a:ea typeface="Noto Sans CJK KR Black" pitchFamily="34" charset="-127"/>
               </a:rPr>
-              <a:t>1. </a:t>
+              <a:t>2. </a:t>
             </a:r>
             <a:r>
               <a:rPr lang="ko-KR" altLang="en-US" sz="4400" dirty="0">
@@ -4151,7 +4137,7 @@
                 <a:latin typeface="Noto Sans CJK KR Black" pitchFamily="34" charset="-127"/>
                 <a:ea typeface="Noto Sans CJK KR Black" pitchFamily="34" charset="-127"/>
               </a:rPr>
-              <a:t>비선형 시계열 알고리즘</a:t>
+              <a:t>시계열 알고리즘</a:t>
             </a:r>
             <a:endParaRPr lang="ko-KR" altLang="en-US" sz="4400" dirty="0">
               <a:solidFill>
@@ -4190,10 +4176,10 @@
       </p:sp>
       <p:pic>
         <p:nvPicPr>
-          <p:cNvPr id="2" name="그림 1">
+          <p:cNvPr id="4" name="그림 3">
             <a:extLst>
               <a:ext uri="{FF2B5EF4-FFF2-40B4-BE49-F238E27FC236}">
-                <a16:creationId xmlns:a16="http://schemas.microsoft.com/office/drawing/2014/main" id="{C4CF07F9-1E23-4471-A1F6-BFEAC7BBA873}"/>
+                <a16:creationId xmlns:a16="http://schemas.microsoft.com/office/drawing/2014/main" id="{BCC50408-961B-4F36-A0B8-5E511BEFEAC1}"/>
               </a:ext>
             </a:extLst>
           </p:cNvPr>
@@ -4210,8 +4196,8 @@
         </p:blipFill>
         <p:spPr>
           <a:xfrm>
-            <a:off x="2417762" y="2196133"/>
-            <a:ext cx="7324725" cy="3133725"/>
+            <a:off x="1922462" y="1965774"/>
+            <a:ext cx="8315325" cy="3990975"/>
           </a:xfrm>
           <a:prstGeom prst="rect">
             <a:avLst/>
@@ -4221,7 +4207,7 @@
     </p:spTree>
     <p:extLst>
       <p:ext uri="{BB962C8B-B14F-4D97-AF65-F5344CB8AC3E}">
-        <p14:creationId xmlns:p14="http://schemas.microsoft.com/office/powerpoint/2010/main" val="84199450"/>
+        <p14:creationId xmlns:p14="http://schemas.microsoft.com/office/powerpoint/2010/main" val="283221814"/>
       </p:ext>
     </p:extLst>
   </p:cSld>
@@ -4266,7 +4252,7 @@
         </p:spPr>
         <p:txBody>
           <a:bodyPr>
-            <a:normAutofit fontScale="90000"/>
+            <a:normAutofit/>
           </a:bodyPr>
           <a:lstStyle/>
           <a:p>
@@ -4282,33 +4268,8 @@
                 <a:latin typeface="Noto Sans CJK KR Black" pitchFamily="34" charset="-127"/>
                 <a:ea typeface="Noto Sans CJK KR Black" pitchFamily="34" charset="-127"/>
               </a:rPr>
-              <a:t>1. </a:t>
-            </a:r>
-            <a:r>
-              <a:rPr lang="ko-KR" altLang="en-US" sz="4400" dirty="0">
-                <a:solidFill>
-                  <a:schemeClr val="tx1">
-                    <a:lumMod val="75000"/>
-                    <a:lumOff val="25000"/>
-                  </a:schemeClr>
-                </a:solidFill>
-                <a:latin typeface="Noto Sans CJK KR Black" pitchFamily="34" charset="-127"/>
-                <a:ea typeface="Noto Sans CJK KR Black" pitchFamily="34" charset="-127"/>
-              </a:rPr>
-              <a:t>비선형 </a:t>
-            </a:r>
-            <a:br>
-              <a:rPr lang="en-US" altLang="ko-KR" sz="4400" dirty="0">
-                <a:solidFill>
-                  <a:schemeClr val="tx1">
-                    <a:lumMod val="75000"/>
-                    <a:lumOff val="25000"/>
-                  </a:schemeClr>
-                </a:solidFill>
-                <a:latin typeface="Noto Sans CJK KR Black" pitchFamily="34" charset="-127"/>
-                <a:ea typeface="Noto Sans CJK KR Black" pitchFamily="34" charset="-127"/>
-              </a:rPr>
-            </a:br>
+              <a:t>2. </a:t>
+            </a:r>
             <a:r>
               <a:rPr lang="ko-KR" altLang="en-US" sz="4400" dirty="0">
                 <a:solidFill>
@@ -4362,7 +4323,7 @@
           <p:cNvPr id="2" name="그림 1">
             <a:extLst>
               <a:ext uri="{FF2B5EF4-FFF2-40B4-BE49-F238E27FC236}">
-                <a16:creationId xmlns:a16="http://schemas.microsoft.com/office/drawing/2014/main" id="{60BADCE4-556E-44EC-8FA4-5AE13BFC32C5}"/>
+                <a16:creationId xmlns:a16="http://schemas.microsoft.com/office/drawing/2014/main" id="{C1B67AC1-2FA1-4363-85E8-514C9B336657}"/>
               </a:ext>
             </a:extLst>
           </p:cNvPr>
@@ -4379,8 +4340,8 @@
         </p:blipFill>
         <p:spPr>
           <a:xfrm>
-            <a:off x="5072013" y="0"/>
-            <a:ext cx="6569960" cy="6840538"/>
+            <a:off x="1360487" y="2052117"/>
+            <a:ext cx="9439275" cy="3600450"/>
           </a:xfrm>
           <a:prstGeom prst="rect">
             <a:avLst/>
@@ -4390,7 +4351,7 @@
     </p:spTree>
     <p:extLst>
       <p:ext uri="{BB962C8B-B14F-4D97-AF65-F5344CB8AC3E}">
-        <p14:creationId xmlns:p14="http://schemas.microsoft.com/office/powerpoint/2010/main" val="2423279365"/>
+        <p14:creationId xmlns:p14="http://schemas.microsoft.com/office/powerpoint/2010/main" val="2312771449"/>
       </p:ext>
     </p:extLst>
   </p:cSld>
@@ -4451,7 +4412,7 @@
                 <a:latin typeface="Noto Sans CJK KR Black" pitchFamily="34" charset="-127"/>
                 <a:ea typeface="Noto Sans CJK KR Black" pitchFamily="34" charset="-127"/>
               </a:rPr>
-              <a:t>1. </a:t>
+              <a:t>2. </a:t>
             </a:r>
             <a:r>
               <a:rPr lang="ko-KR" altLang="en-US" sz="4400" dirty="0">
@@ -4464,7 +4425,7 @@
                 <a:latin typeface="Noto Sans CJK KR Black" pitchFamily="34" charset="-127"/>
                 <a:ea typeface="Noto Sans CJK KR Black" pitchFamily="34" charset="-127"/>
               </a:rPr>
-              <a:t>비선형 시계열 알고리즘</a:t>
+              <a:t>시계열 알고리즘</a:t>
             </a:r>
             <a:endParaRPr lang="ko-KR" altLang="en-US" sz="4400" dirty="0">
               <a:solidFill>
@@ -4506,7 +4467,7 @@
           <p:cNvPr id="2" name="그림 1">
             <a:extLst>
               <a:ext uri="{FF2B5EF4-FFF2-40B4-BE49-F238E27FC236}">
-                <a16:creationId xmlns:a16="http://schemas.microsoft.com/office/drawing/2014/main" id="{AF0D0A65-7FFC-497B-9EB6-B25D49DFF792}"/>
+                <a16:creationId xmlns:a16="http://schemas.microsoft.com/office/drawing/2014/main" id="{87D39FCD-94C8-4B24-80A3-3CC63A7774DD}"/>
               </a:ext>
             </a:extLst>
           </p:cNvPr>
@@ -4523,8 +4484,8 @@
         </p:blipFill>
         <p:spPr>
           <a:xfrm>
-            <a:off x="2327275" y="2039144"/>
-            <a:ext cx="7505700" cy="2762250"/>
+            <a:off x="1893887" y="1692077"/>
+            <a:ext cx="8372475" cy="4733925"/>
           </a:xfrm>
           <a:prstGeom prst="rect">
             <a:avLst/>
@@ -4534,7 +4495,7 @@
     </p:spTree>
     <p:extLst>
       <p:ext uri="{BB962C8B-B14F-4D97-AF65-F5344CB8AC3E}">
-        <p14:creationId xmlns:p14="http://schemas.microsoft.com/office/powerpoint/2010/main" val="2746922557"/>
+        <p14:creationId xmlns:p14="http://schemas.microsoft.com/office/powerpoint/2010/main" val="4031268737"/>
       </p:ext>
     </p:extLst>
   </p:cSld>
@@ -4579,13 +4540,13 @@
         </p:spPr>
         <p:txBody>
           <a:bodyPr>
-            <a:noAutofit/>
+            <a:normAutofit/>
           </a:bodyPr>
           <a:lstStyle/>
           <a:p>
             <a:pPr algn="l"/>
             <a:r>
-              <a:rPr lang="en-US" altLang="ko-KR" sz="3600" dirty="0">
+              <a:rPr lang="en-US" altLang="ko-KR" sz="4400" dirty="0">
                 <a:solidFill>
                   <a:schemeClr val="tx1">
                     <a:lumMod val="75000"/>
@@ -4595,10 +4556,10 @@
                 <a:latin typeface="Noto Sans CJK KR Black" pitchFamily="34" charset="-127"/>
                 <a:ea typeface="Noto Sans CJK KR Black" pitchFamily="34" charset="-127"/>
               </a:rPr>
-              <a:t>1. </a:t>
-            </a:r>
-            <a:r>
-              <a:rPr lang="ko-KR" altLang="en-US" sz="3600" dirty="0">
+              <a:t>2. </a:t>
+            </a:r>
+            <a:r>
+              <a:rPr lang="ko-KR" altLang="en-US" sz="4400" dirty="0">
                 <a:solidFill>
                   <a:schemeClr val="tx1">
                     <a:lumMod val="75000"/>
@@ -4608,34 +4569,9 @@
                 <a:latin typeface="Noto Sans CJK KR Black" pitchFamily="34" charset="-127"/>
                 <a:ea typeface="Noto Sans CJK KR Black" pitchFamily="34" charset="-127"/>
               </a:rPr>
-              <a:t>비선형 </a:t>
-            </a:r>
-            <a:br>
-              <a:rPr lang="en-US" altLang="ko-KR" sz="3600" dirty="0">
-                <a:solidFill>
-                  <a:schemeClr val="tx1">
-                    <a:lumMod val="75000"/>
-                    <a:lumOff val="25000"/>
-                  </a:schemeClr>
-                </a:solidFill>
-                <a:latin typeface="Noto Sans CJK KR Black" pitchFamily="34" charset="-127"/>
-                <a:ea typeface="Noto Sans CJK KR Black" pitchFamily="34" charset="-127"/>
-              </a:rPr>
-            </a:br>
-            <a:r>
-              <a:rPr lang="ko-KR" altLang="en-US" sz="3600" dirty="0">
-                <a:solidFill>
-                  <a:schemeClr val="tx1">
-                    <a:lumMod val="75000"/>
-                    <a:lumOff val="25000"/>
-                  </a:schemeClr>
-                </a:solidFill>
-                <a:latin typeface="Noto Sans CJK KR Black" pitchFamily="34" charset="-127"/>
-                <a:ea typeface="Noto Sans CJK KR Black" pitchFamily="34" charset="-127"/>
-              </a:rPr>
               <a:t>시계열 알고리즘</a:t>
             </a:r>
-            <a:endParaRPr lang="ko-KR" altLang="en-US" sz="3600" dirty="0">
+            <a:endParaRPr lang="ko-KR" altLang="en-US" sz="4400" dirty="0">
               <a:solidFill>
                 <a:schemeClr val="tx1">
                   <a:lumMod val="75000"/>
@@ -4675,7 +4611,7 @@
           <p:cNvPr id="2" name="그림 1">
             <a:extLst>
               <a:ext uri="{FF2B5EF4-FFF2-40B4-BE49-F238E27FC236}">
-                <a16:creationId xmlns:a16="http://schemas.microsoft.com/office/drawing/2014/main" id="{B11D8933-3D14-4279-A07A-561F280A5BA7}"/>
+                <a16:creationId xmlns:a16="http://schemas.microsoft.com/office/drawing/2014/main" id="{052BAC70-1FB4-456A-8C07-D186B27780D7}"/>
               </a:ext>
             </a:extLst>
           </p:cNvPr>
@@ -4692,8 +4628,8 @@
         </p:blipFill>
         <p:spPr>
           <a:xfrm>
-            <a:off x="4063901" y="472281"/>
-            <a:ext cx="7686675" cy="5895975"/>
+            <a:off x="1722437" y="1935626"/>
+            <a:ext cx="8715375" cy="4352925"/>
           </a:xfrm>
           <a:prstGeom prst="rect">
             <a:avLst/>
@@ -4703,7 +4639,7 @@
     </p:spTree>
     <p:extLst>
       <p:ext uri="{BB962C8B-B14F-4D97-AF65-F5344CB8AC3E}">
-        <p14:creationId xmlns:p14="http://schemas.microsoft.com/office/powerpoint/2010/main" val="1487143004"/>
+        <p14:creationId xmlns:p14="http://schemas.microsoft.com/office/powerpoint/2010/main" val="330327131"/>
       </p:ext>
     </p:extLst>
   </p:cSld>
@@ -4748,7 +4684,7 @@
         </p:spPr>
         <p:txBody>
           <a:bodyPr>
-            <a:normAutofit fontScale="90000"/>
+            <a:normAutofit/>
           </a:bodyPr>
           <a:lstStyle/>
           <a:p>
@@ -4764,33 +4700,8 @@
                 <a:latin typeface="Noto Sans CJK KR Black" pitchFamily="34" charset="-127"/>
                 <a:ea typeface="Noto Sans CJK KR Black" pitchFamily="34" charset="-127"/>
               </a:rPr>
-              <a:t>1. </a:t>
-            </a:r>
-            <a:r>
-              <a:rPr lang="ko-KR" altLang="en-US" sz="4400" dirty="0">
-                <a:solidFill>
-                  <a:schemeClr val="tx1">
-                    <a:lumMod val="75000"/>
-                    <a:lumOff val="25000"/>
-                  </a:schemeClr>
-                </a:solidFill>
-                <a:latin typeface="Noto Sans CJK KR Black" pitchFamily="34" charset="-127"/>
-                <a:ea typeface="Noto Sans CJK KR Black" pitchFamily="34" charset="-127"/>
-              </a:rPr>
-              <a:t>비선형 </a:t>
-            </a:r>
-            <a:br>
-              <a:rPr lang="en-US" altLang="ko-KR" sz="4400" dirty="0">
-                <a:solidFill>
-                  <a:schemeClr val="tx1">
-                    <a:lumMod val="75000"/>
-                    <a:lumOff val="25000"/>
-                  </a:schemeClr>
-                </a:solidFill>
-                <a:latin typeface="Noto Sans CJK KR Black" pitchFamily="34" charset="-127"/>
-                <a:ea typeface="Noto Sans CJK KR Black" pitchFamily="34" charset="-127"/>
-              </a:rPr>
-            </a:br>
+              <a:t>2. </a:t>
+            </a:r>
             <a:r>
               <a:rPr lang="ko-KR" altLang="en-US" sz="4400" dirty="0">
                 <a:solidFill>
@@ -4841,10 +4752,10 @@
       </p:sp>
       <p:pic>
         <p:nvPicPr>
-          <p:cNvPr id="2" name="그림 1">
+          <p:cNvPr id="4" name="그림 3">
             <a:extLst>
               <a:ext uri="{FF2B5EF4-FFF2-40B4-BE49-F238E27FC236}">
-                <a16:creationId xmlns:a16="http://schemas.microsoft.com/office/drawing/2014/main" id="{561E3FEC-2A55-4607-B1E3-250FD0636397}"/>
+                <a16:creationId xmlns:a16="http://schemas.microsoft.com/office/drawing/2014/main" id="{3C90F62D-AA9E-4425-92BA-798591DD6729}"/>
               </a:ext>
             </a:extLst>
           </p:cNvPr>
@@ -4861,8 +4772,8 @@
         </p:blipFill>
         <p:spPr>
           <a:xfrm>
-            <a:off x="5288037" y="0"/>
-            <a:ext cx="6401711" cy="6840538"/>
+            <a:off x="2022475" y="1922964"/>
+            <a:ext cx="8115300" cy="4391025"/>
           </a:xfrm>
           <a:prstGeom prst="rect">
             <a:avLst/>
@@ -4872,7 +4783,7 @@
     </p:spTree>
     <p:extLst>
       <p:ext uri="{BB962C8B-B14F-4D97-AF65-F5344CB8AC3E}">
-        <p14:creationId xmlns:p14="http://schemas.microsoft.com/office/powerpoint/2010/main" val="521608456"/>
+        <p14:creationId xmlns:p14="http://schemas.microsoft.com/office/powerpoint/2010/main" val="2495167973"/>
       </p:ext>
     </p:extLst>
   </p:cSld>
@@ -4933,7 +4844,7 @@
                 <a:latin typeface="Noto Sans CJK KR Black" pitchFamily="34" charset="-127"/>
                 <a:ea typeface="Noto Sans CJK KR Black" pitchFamily="34" charset="-127"/>
               </a:rPr>
-              <a:t>1. </a:t>
+              <a:t>2. </a:t>
             </a:r>
             <a:r>
               <a:rPr lang="ko-KR" altLang="en-US" sz="4400" dirty="0">
@@ -4946,7 +4857,7 @@
                 <a:latin typeface="Noto Sans CJK KR Black" pitchFamily="34" charset="-127"/>
                 <a:ea typeface="Noto Sans CJK KR Black" pitchFamily="34" charset="-127"/>
               </a:rPr>
-              <a:t>비선형 시계열 알고리즘</a:t>
+              <a:t>시계열 알고리즘</a:t>
             </a:r>
             <a:endParaRPr lang="ko-KR" altLang="en-US" sz="4400" dirty="0">
               <a:solidFill>
@@ -4988,7 +4899,7 @@
           <p:cNvPr id="2" name="그림 1">
             <a:extLst>
               <a:ext uri="{FF2B5EF4-FFF2-40B4-BE49-F238E27FC236}">
-                <a16:creationId xmlns:a16="http://schemas.microsoft.com/office/drawing/2014/main" id="{3F231408-1984-4E81-AFFF-C1F6A76097E5}"/>
+                <a16:creationId xmlns:a16="http://schemas.microsoft.com/office/drawing/2014/main" id="{AA295CA9-2E58-47A3-8568-74F5B573365E}"/>
               </a:ext>
             </a:extLst>
           </p:cNvPr>
@@ -5005,8 +4916,8 @@
         </p:blipFill>
         <p:spPr>
           <a:xfrm>
-            <a:off x="2603500" y="1692077"/>
-            <a:ext cx="6953250" cy="4543425"/>
+            <a:off x="2265362" y="1544545"/>
+            <a:ext cx="7629525" cy="5010150"/>
           </a:xfrm>
           <a:prstGeom prst="rect">
             <a:avLst/>
@@ -5016,7 +4927,7 @@
     </p:spTree>
     <p:extLst>
       <p:ext uri="{BB962C8B-B14F-4D97-AF65-F5344CB8AC3E}">
-        <p14:creationId xmlns:p14="http://schemas.microsoft.com/office/powerpoint/2010/main" val="2601544755"/>
+        <p14:creationId xmlns:p14="http://schemas.microsoft.com/office/powerpoint/2010/main" val="1765806923"/>
       </p:ext>
     </p:extLst>
   </p:cSld>
@@ -5061,7 +4972,7 @@
         </p:spPr>
         <p:txBody>
           <a:bodyPr>
-            <a:normAutofit/>
+            <a:normAutofit fontScale="90000"/>
           </a:bodyPr>
           <a:lstStyle/>
           <a:p>
@@ -5077,7 +4988,7 @@
                 <a:latin typeface="Noto Sans CJK KR Black" pitchFamily="34" charset="-127"/>
                 <a:ea typeface="Noto Sans CJK KR Black" pitchFamily="34" charset="-127"/>
               </a:rPr>
-              <a:t>1. </a:t>
+              <a:t>2. </a:t>
             </a:r>
             <a:r>
               <a:rPr lang="ko-KR" altLang="en-US" sz="4400" dirty="0">
@@ -5090,7 +5001,32 @@
                 <a:latin typeface="Noto Sans CJK KR Black" pitchFamily="34" charset="-127"/>
                 <a:ea typeface="Noto Sans CJK KR Black" pitchFamily="34" charset="-127"/>
               </a:rPr>
-              <a:t>비선형 시계열 알고리즘</a:t>
+              <a:t>시계열</a:t>
+            </a:r>
+            <a:br>
+              <a:rPr lang="en-US" altLang="ko-KR" sz="4400" dirty="0">
+                <a:solidFill>
+                  <a:schemeClr val="tx1">
+                    <a:lumMod val="75000"/>
+                    <a:lumOff val="25000"/>
+                  </a:schemeClr>
+                </a:solidFill>
+                <a:latin typeface="Noto Sans CJK KR Black" pitchFamily="34" charset="-127"/>
+                <a:ea typeface="Noto Sans CJK KR Black" pitchFamily="34" charset="-127"/>
+              </a:rPr>
+            </a:br>
+            <a:r>
+              <a:rPr lang="ko-KR" altLang="en-US" sz="4400" dirty="0">
+                <a:solidFill>
+                  <a:schemeClr val="tx1">
+                    <a:lumMod val="75000"/>
+                    <a:lumOff val="25000"/>
+                  </a:schemeClr>
+                </a:solidFill>
+                <a:latin typeface="Noto Sans CJK KR Black" pitchFamily="34" charset="-127"/>
+                <a:ea typeface="Noto Sans CJK KR Black" pitchFamily="34" charset="-127"/>
+              </a:rPr>
+              <a:t> 알고리즘</a:t>
             </a:r>
             <a:endParaRPr lang="ko-KR" altLang="en-US" sz="4400" dirty="0">
               <a:solidFill>
@@ -5132,7 +5068,7 @@
           <p:cNvPr id="2" name="그림 1">
             <a:extLst>
               <a:ext uri="{FF2B5EF4-FFF2-40B4-BE49-F238E27FC236}">
-                <a16:creationId xmlns:a16="http://schemas.microsoft.com/office/drawing/2014/main" id="{E2FBE3BC-84C1-4DFF-AAD0-1FE835755AFA}"/>
+                <a16:creationId xmlns:a16="http://schemas.microsoft.com/office/drawing/2014/main" id="{03484797-8DD9-40EE-A361-8007536FD597}"/>
               </a:ext>
             </a:extLst>
           </p:cNvPr>
@@ -5149,8 +5085,8 @@
         </p:blipFill>
         <p:spPr>
           <a:xfrm>
-            <a:off x="2284412" y="1751100"/>
-            <a:ext cx="7591425" cy="4562475"/>
+            <a:off x="3489661" y="250268"/>
+            <a:ext cx="8086725" cy="6486525"/>
           </a:xfrm>
           <a:prstGeom prst="rect">
             <a:avLst/>
@@ -5160,7 +5096,7 @@
     </p:spTree>
     <p:extLst>
       <p:ext uri="{BB962C8B-B14F-4D97-AF65-F5344CB8AC3E}">
-        <p14:creationId xmlns:p14="http://schemas.microsoft.com/office/powerpoint/2010/main" val="1686735651"/>
+        <p14:creationId xmlns:p14="http://schemas.microsoft.com/office/powerpoint/2010/main" val="289151988"/>
       </p:ext>
     </p:extLst>
   </p:cSld>
@@ -5205,7 +5141,7 @@
         </p:spPr>
         <p:txBody>
           <a:bodyPr>
-            <a:normAutofit/>
+            <a:normAutofit fontScale="90000"/>
           </a:bodyPr>
           <a:lstStyle/>
           <a:p>
@@ -5221,7 +5157,7 @@
                 <a:latin typeface="Noto Sans CJK KR Black" pitchFamily="34" charset="-127"/>
                 <a:ea typeface="Noto Sans CJK KR Black" pitchFamily="34" charset="-127"/>
               </a:rPr>
-              <a:t>1. </a:t>
+              <a:t>2. </a:t>
             </a:r>
             <a:r>
               <a:rPr lang="ko-KR" altLang="en-US" sz="4400" dirty="0">
@@ -5234,7 +5170,32 @@
                 <a:latin typeface="Noto Sans CJK KR Black" pitchFamily="34" charset="-127"/>
                 <a:ea typeface="Noto Sans CJK KR Black" pitchFamily="34" charset="-127"/>
               </a:rPr>
-              <a:t>비선형 시계열 알고리즘</a:t>
+              <a:t>시계열</a:t>
+            </a:r>
+            <a:br>
+              <a:rPr lang="en-US" altLang="ko-KR" sz="4400" dirty="0">
+                <a:solidFill>
+                  <a:schemeClr val="tx1">
+                    <a:lumMod val="75000"/>
+                    <a:lumOff val="25000"/>
+                  </a:schemeClr>
+                </a:solidFill>
+                <a:latin typeface="Noto Sans CJK KR Black" pitchFamily="34" charset="-127"/>
+                <a:ea typeface="Noto Sans CJK KR Black" pitchFamily="34" charset="-127"/>
+              </a:rPr>
+            </a:br>
+            <a:r>
+              <a:rPr lang="ko-KR" altLang="en-US" sz="4400" dirty="0">
+                <a:solidFill>
+                  <a:schemeClr val="tx1">
+                    <a:lumMod val="75000"/>
+                    <a:lumOff val="25000"/>
+                  </a:schemeClr>
+                </a:solidFill>
+                <a:latin typeface="Noto Sans CJK KR Black" pitchFamily="34" charset="-127"/>
+                <a:ea typeface="Noto Sans CJK KR Black" pitchFamily="34" charset="-127"/>
+              </a:rPr>
+              <a:t> 알고리즘</a:t>
             </a:r>
             <a:endParaRPr lang="ko-KR" altLang="en-US" sz="4400" dirty="0">
               <a:solidFill>
@@ -5273,10 +5234,10 @@
       </p:sp>
       <p:pic>
         <p:nvPicPr>
-          <p:cNvPr id="2" name="그림 1">
+          <p:cNvPr id="4" name="그림 3">
             <a:extLst>
               <a:ext uri="{FF2B5EF4-FFF2-40B4-BE49-F238E27FC236}">
-                <a16:creationId xmlns:a16="http://schemas.microsoft.com/office/drawing/2014/main" id="{F3DC1CBA-D634-4BF5-B5A4-FBBA7FF22C39}"/>
+                <a16:creationId xmlns:a16="http://schemas.microsoft.com/office/drawing/2014/main" id="{F0FE7305-0A94-42C9-B84B-D96AA1807E91}"/>
               </a:ext>
             </a:extLst>
           </p:cNvPr>
@@ -5293,8 +5254,8 @@
         </p:blipFill>
         <p:spPr>
           <a:xfrm>
-            <a:off x="2274887" y="1970038"/>
-            <a:ext cx="7610475" cy="4410075"/>
+            <a:off x="3127797" y="710406"/>
+            <a:ext cx="8191500" cy="5419725"/>
           </a:xfrm>
           <a:prstGeom prst="rect">
             <a:avLst/>
@@ -5304,7 +5265,7 @@
     </p:spTree>
     <p:extLst>
       <p:ext uri="{BB962C8B-B14F-4D97-AF65-F5344CB8AC3E}">
-        <p14:creationId xmlns:p14="http://schemas.microsoft.com/office/powerpoint/2010/main" val="2132963593"/>
+        <p14:creationId xmlns:p14="http://schemas.microsoft.com/office/powerpoint/2010/main" val="1275345114"/>
       </p:ext>
     </p:extLst>
   </p:cSld>
@@ -5349,7 +5310,7 @@
         </p:spPr>
         <p:txBody>
           <a:bodyPr>
-            <a:normAutofit/>
+            <a:normAutofit fontScale="90000"/>
           </a:bodyPr>
           <a:lstStyle/>
           <a:p>
@@ -5365,7 +5326,7 @@
                 <a:latin typeface="Noto Sans CJK KR Black" pitchFamily="34" charset="-127"/>
                 <a:ea typeface="Noto Sans CJK KR Black" pitchFamily="34" charset="-127"/>
               </a:rPr>
-              <a:t>1. </a:t>
+              <a:t>2. </a:t>
             </a:r>
             <a:r>
               <a:rPr lang="ko-KR" altLang="en-US" sz="4400" dirty="0">
@@ -5378,7 +5339,32 @@
                 <a:latin typeface="Noto Sans CJK KR Black" pitchFamily="34" charset="-127"/>
                 <a:ea typeface="Noto Sans CJK KR Black" pitchFamily="34" charset="-127"/>
               </a:rPr>
-              <a:t>비선형 시계열 알고리즘</a:t>
+              <a:t>시계열</a:t>
+            </a:r>
+            <a:br>
+              <a:rPr lang="en-US" altLang="ko-KR" sz="4400" dirty="0">
+                <a:solidFill>
+                  <a:schemeClr val="tx1">
+                    <a:lumMod val="75000"/>
+                    <a:lumOff val="25000"/>
+                  </a:schemeClr>
+                </a:solidFill>
+                <a:latin typeface="Noto Sans CJK KR Black" pitchFamily="34" charset="-127"/>
+                <a:ea typeface="Noto Sans CJK KR Black" pitchFamily="34" charset="-127"/>
+              </a:rPr>
+            </a:br>
+            <a:r>
+              <a:rPr lang="ko-KR" altLang="en-US" sz="4400" dirty="0">
+                <a:solidFill>
+                  <a:schemeClr val="tx1">
+                    <a:lumMod val="75000"/>
+                    <a:lumOff val="25000"/>
+                  </a:schemeClr>
+                </a:solidFill>
+                <a:latin typeface="Noto Sans CJK KR Black" pitchFamily="34" charset="-127"/>
+                <a:ea typeface="Noto Sans CJK KR Black" pitchFamily="34" charset="-127"/>
+              </a:rPr>
+              <a:t> 알고리즘</a:t>
             </a:r>
             <a:endParaRPr lang="ko-KR" altLang="en-US" sz="4400" dirty="0">
               <a:solidFill>
@@ -5420,7 +5406,7 @@
           <p:cNvPr id="2" name="그림 1">
             <a:extLst>
               <a:ext uri="{FF2B5EF4-FFF2-40B4-BE49-F238E27FC236}">
-                <a16:creationId xmlns:a16="http://schemas.microsoft.com/office/drawing/2014/main" id="{771F46B8-07FC-4DC0-BE0E-549DCFA67023}"/>
+                <a16:creationId xmlns:a16="http://schemas.microsoft.com/office/drawing/2014/main" id="{1971BE0D-5480-4A84-BC53-E2D085F0E338}"/>
               </a:ext>
             </a:extLst>
           </p:cNvPr>
@@ -5437,8 +5423,8 @@
         </p:blipFill>
         <p:spPr>
           <a:xfrm>
-            <a:off x="2189162" y="1977231"/>
-            <a:ext cx="7781925" cy="2886075"/>
+            <a:off x="3415829" y="691356"/>
+            <a:ext cx="7972425" cy="5457825"/>
           </a:xfrm>
           <a:prstGeom prst="rect">
             <a:avLst/>
@@ -5448,7 +5434,7 @@
     </p:spTree>
     <p:extLst>
       <p:ext uri="{BB962C8B-B14F-4D97-AF65-F5344CB8AC3E}">
-        <p14:creationId xmlns:p14="http://schemas.microsoft.com/office/powerpoint/2010/main" val="2990668820"/>
+        <p14:creationId xmlns:p14="http://schemas.microsoft.com/office/powerpoint/2010/main" val="232908003"/>
       </p:ext>
     </p:extLst>
   </p:cSld>
@@ -5509,7 +5495,7 @@
                 <a:latin typeface="Noto Sans CJK KR Black" pitchFamily="34" charset="-127"/>
                 <a:ea typeface="Noto Sans CJK KR Black" pitchFamily="34" charset="-127"/>
               </a:rPr>
-              <a:t>1. </a:t>
+              <a:t>2. </a:t>
             </a:r>
             <a:r>
               <a:rPr lang="ko-KR" altLang="en-US" sz="4400" dirty="0">
@@ -5522,7 +5508,7 @@
                 <a:latin typeface="Noto Sans CJK KR Black" pitchFamily="34" charset="-127"/>
                 <a:ea typeface="Noto Sans CJK KR Black" pitchFamily="34" charset="-127"/>
               </a:rPr>
-              <a:t>비선형 </a:t>
+              <a:t>시계열</a:t>
             </a:r>
             <a:br>
               <a:rPr lang="en-US" altLang="ko-KR" sz="4400" dirty="0">
@@ -5547,7 +5533,7 @@
                 <a:latin typeface="Noto Sans CJK KR Black" pitchFamily="34" charset="-127"/>
                 <a:ea typeface="Noto Sans CJK KR Black" pitchFamily="34" charset="-127"/>
               </a:rPr>
-              <a:t>시계열 알고리즘</a:t>
+              <a:t> 알고리즘</a:t>
             </a:r>
             <a:endParaRPr lang="ko-KR" altLang="en-US" sz="4400" dirty="0">
               <a:solidFill>
@@ -5589,7 +5575,7 @@
           <p:cNvPr id="2" name="그림 1">
             <a:extLst>
               <a:ext uri="{FF2B5EF4-FFF2-40B4-BE49-F238E27FC236}">
-                <a16:creationId xmlns:a16="http://schemas.microsoft.com/office/drawing/2014/main" id="{CE86FCB7-AA24-4A9D-8AFD-63BBFD1D8490}"/>
+                <a16:creationId xmlns:a16="http://schemas.microsoft.com/office/drawing/2014/main" id="{5C1FF3F2-7BA7-4375-A261-2179837E2730}"/>
               </a:ext>
             </a:extLst>
           </p:cNvPr>
@@ -5606,8 +5592,8 @@
         </p:blipFill>
         <p:spPr>
           <a:xfrm>
-            <a:off x="4502668" y="243681"/>
-            <a:ext cx="7477125" cy="6353175"/>
+            <a:off x="3608384" y="738249"/>
+            <a:ext cx="7943850" cy="5467350"/>
           </a:xfrm>
           <a:prstGeom prst="rect">
             <a:avLst/>
@@ -5617,7 +5603,7 @@
     </p:spTree>
     <p:extLst>
       <p:ext uri="{BB962C8B-B14F-4D97-AF65-F5344CB8AC3E}">
-        <p14:creationId xmlns:p14="http://schemas.microsoft.com/office/powerpoint/2010/main" val="1832597202"/>
+        <p14:creationId xmlns:p14="http://schemas.microsoft.com/office/powerpoint/2010/main" val="475516823"/>
       </p:ext>
     </p:extLst>
   </p:cSld>
@@ -5654,6 +5640,36 @@
           <a:chExt cx="0" cy="0"/>
         </a:xfrm>
       </p:grpSpPr>
+      <p:pic>
+        <p:nvPicPr>
+          <p:cNvPr id="8" name="그림 7">
+            <a:extLst>
+              <a:ext uri="{FF2B5EF4-FFF2-40B4-BE49-F238E27FC236}">
+                <a16:creationId xmlns:a16="http://schemas.microsoft.com/office/drawing/2014/main" id="{797134A8-D5C8-4EFB-80B0-508A88D1D99D}"/>
+              </a:ext>
+            </a:extLst>
+          </p:cNvPr>
+          <p:cNvPicPr>
+            <a:picLocks noChangeAspect="1"/>
+          </p:cNvPicPr>
+          <p:nvPr/>
+        </p:nvPicPr>
+        <p:blipFill>
+          <a:blip r:embed="rId3"/>
+          <a:stretch>
+            <a:fillRect/>
+          </a:stretch>
+        </p:blipFill>
+        <p:spPr>
+          <a:xfrm>
+            <a:off x="6692208" y="0"/>
+            <a:ext cx="5462930" cy="6840538"/>
+          </a:xfrm>
+          <a:prstGeom prst="rect">
+            <a:avLst/>
+          </a:prstGeom>
+        </p:spPr>
+      </p:pic>
       <p:sp>
         <p:nvSpPr>
           <p:cNvPr id="5" name="슬라이드 번호 개체 틀 3">
@@ -5796,12 +5812,19 @@
               <a:defRPr/>
             </a:pPr>
             <a:r>
-              <a:rPr lang="en-US" altLang="ko-KR" sz="4400" dirty="0">
+              <a:rPr kumimoji="0" lang="en-US" altLang="ko-KR" sz="4400" b="0" i="0" u="none" strike="noStrike" kern="1200" cap="none" spc="0" normalizeH="0" baseline="0" noProof="0" dirty="0">
+                <a:ln>
+                  <a:noFill/>
+                </a:ln>
                 <a:solidFill>
                   <a:prstClr val="white"/>
                 </a:solidFill>
+                <a:effectLst/>
+                <a:uLnTx/>
+                <a:uFillTx/>
                 <a:latin typeface="Noto Sans CJK KR Black" panose="020B0A00000000000000" pitchFamily="34" charset="-127"/>
                 <a:ea typeface="Noto Sans CJK KR Black" panose="020B0A00000000000000" pitchFamily="34" charset="-127"/>
+                <a:cs typeface="+mn-cs"/>
               </a:rPr>
               <a:t>8</a:t>
             </a:r>
@@ -6017,48 +6040,12 @@
           </a:p>
         </p:txBody>
       </p:sp>
-      <p:pic>
-        <p:nvPicPr>
-          <p:cNvPr id="3" name="그림 2">
+      <p:sp>
+        <p:nvSpPr>
+          <p:cNvPr id="9" name="TextBox 8">
             <a:extLst>
               <a:ext uri="{FF2B5EF4-FFF2-40B4-BE49-F238E27FC236}">
-                <a16:creationId xmlns:a16="http://schemas.microsoft.com/office/drawing/2014/main" id="{B28E21CB-C8A1-4CAF-9592-DF5B9164442D}"/>
-              </a:ext>
-            </a:extLst>
-          </p:cNvPr>
-          <p:cNvPicPr>
-            <a:picLocks noChangeAspect="1"/>
-          </p:cNvPicPr>
-          <p:nvPr/>
-        </p:nvPicPr>
-        <p:blipFill>
-          <a:blip r:embed="rId3">
-            <a:extLst>
-              <a:ext uri="{28A0092B-C50C-407E-A947-70E740481C1C}">
-                <a14:useLocalDpi xmlns:a14="http://schemas.microsoft.com/office/drawing/2010/main" val="0"/>
-              </a:ext>
-            </a:extLst>
-          </a:blip>
-          <a:stretch>
-            <a:fillRect/>
-          </a:stretch>
-        </p:blipFill>
-        <p:spPr>
-          <a:xfrm>
-            <a:off x="5509976" y="0"/>
-            <a:ext cx="6690829" cy="6840538"/>
-          </a:xfrm>
-          <a:prstGeom prst="rect">
-            <a:avLst/>
-          </a:prstGeom>
-        </p:spPr>
-      </p:pic>
-      <p:sp>
-        <p:nvSpPr>
-          <p:cNvPr id="4" name="TextBox 3">
-            <a:extLst>
-              <a:ext uri="{FF2B5EF4-FFF2-40B4-BE49-F238E27FC236}">
-                <a16:creationId xmlns:a16="http://schemas.microsoft.com/office/drawing/2014/main" id="{CA2685AD-645E-46B4-A56D-609A7F21A7F6}"/>
+                <a16:creationId xmlns:a16="http://schemas.microsoft.com/office/drawing/2014/main" id="{93690D9D-9CB1-4661-9AAB-84B0C7E4C0DF}"/>
               </a:ext>
             </a:extLst>
           </p:cNvPr>
@@ -6067,8 +6054,8 @@
         </p:nvSpPr>
         <p:spPr>
           <a:xfrm>
-            <a:off x="8839421" y="3708301"/>
-            <a:ext cx="3240360" cy="3139321"/>
+            <a:off x="6697320" y="5732542"/>
+            <a:ext cx="5462930" cy="1107996"/>
           </a:xfrm>
           <a:prstGeom prst="rect">
             <a:avLst/>
@@ -6076,7 +6063,7 @@
           <a:noFill/>
           <a:ln w="38100">
             <a:solidFill>
-              <a:srgbClr val="FF0000"/>
+              <a:srgbClr val="C00000"/>
             </a:solidFill>
           </a:ln>
         </p:spPr>
@@ -6086,340 +6073,13 @@
           </a:bodyPr>
           <a:lstStyle/>
           <a:p>
-            <a:pPr marL="0" marR="0" lvl="0" indent="0" algn="l" defTabSz="1107796" rtl="0" eaLnBrk="1" fontAlgn="auto" latinLnBrk="1" hangingPunct="1">
-              <a:lnSpc>
-                <a:spcPct val="100000"/>
-              </a:lnSpc>
-              <a:spcBef>
-                <a:spcPts val="0"/>
-              </a:spcBef>
-              <a:spcAft>
-                <a:spcPts val="0"/>
-              </a:spcAft>
-              <a:buClrTx/>
-              <a:buSzTx/>
-              <a:buFontTx/>
-              <a:buNone/>
-              <a:tabLst/>
-              <a:defRPr/>
-            </a:pPr>
-            <a:endParaRPr kumimoji="0" lang="en-US" altLang="ko-KR" sz="2200" b="0" i="0" u="none" strike="noStrike" kern="1200" cap="none" spc="0" normalizeH="0" baseline="0" noProof="0" dirty="0">
-              <a:ln>
-                <a:noFill/>
-              </a:ln>
-              <a:solidFill>
-                <a:prstClr val="black"/>
-              </a:solidFill>
-              <a:effectLst/>
-              <a:uLnTx/>
-              <a:uFillTx/>
-              <a:latin typeface="맑은 고딕"/>
-              <a:ea typeface="맑은 고딕" panose="020B0503020000020004" pitchFamily="50" charset="-127"/>
-              <a:cs typeface="+mn-cs"/>
-            </a:endParaRPr>
-          </a:p>
-          <a:p>
-            <a:pPr marL="0" marR="0" lvl="0" indent="0" algn="l" defTabSz="1107796" rtl="0" eaLnBrk="1" fontAlgn="auto" latinLnBrk="1" hangingPunct="1">
-              <a:lnSpc>
-                <a:spcPct val="100000"/>
-              </a:lnSpc>
-              <a:spcBef>
-                <a:spcPts val="0"/>
-              </a:spcBef>
-              <a:spcAft>
-                <a:spcPts val="0"/>
-              </a:spcAft>
-              <a:buClrTx/>
-              <a:buSzTx/>
-              <a:buFontTx/>
-              <a:buNone/>
-              <a:tabLst/>
-              <a:defRPr/>
-            </a:pPr>
-            <a:endParaRPr lang="en-US" altLang="ko-KR" dirty="0">
-              <a:solidFill>
-                <a:prstClr val="black"/>
-              </a:solidFill>
-              <a:latin typeface="맑은 고딕"/>
-              <a:ea typeface="맑은 고딕" panose="020B0503020000020004" pitchFamily="50" charset="-127"/>
-            </a:endParaRPr>
-          </a:p>
-          <a:p>
-            <a:pPr marL="0" marR="0" lvl="0" indent="0" algn="l" defTabSz="1107796" rtl="0" eaLnBrk="1" fontAlgn="auto" latinLnBrk="1" hangingPunct="1">
-              <a:lnSpc>
-                <a:spcPct val="100000"/>
-              </a:lnSpc>
-              <a:spcBef>
-                <a:spcPts val="0"/>
-              </a:spcBef>
-              <a:spcAft>
-                <a:spcPts val="0"/>
-              </a:spcAft>
-              <a:buClrTx/>
-              <a:buSzTx/>
-              <a:buFontTx/>
-              <a:buNone/>
-              <a:tabLst/>
-              <a:defRPr/>
-            </a:pPr>
-            <a:endParaRPr kumimoji="0" lang="en-US" altLang="ko-KR" sz="2200" b="0" i="0" u="none" strike="noStrike" kern="1200" cap="none" spc="0" normalizeH="0" baseline="0" noProof="0" dirty="0">
-              <a:ln>
-                <a:noFill/>
-              </a:ln>
-              <a:solidFill>
-                <a:prstClr val="black"/>
-              </a:solidFill>
-              <a:effectLst/>
-              <a:uLnTx/>
-              <a:uFillTx/>
-              <a:latin typeface="맑은 고딕"/>
-              <a:ea typeface="맑은 고딕" panose="020B0503020000020004" pitchFamily="50" charset="-127"/>
-              <a:cs typeface="+mn-cs"/>
-            </a:endParaRPr>
-          </a:p>
-          <a:p>
-            <a:pPr marL="0" marR="0" lvl="0" indent="0" algn="l" defTabSz="1107796" rtl="0" eaLnBrk="1" fontAlgn="auto" latinLnBrk="1" hangingPunct="1">
-              <a:lnSpc>
-                <a:spcPct val="100000"/>
-              </a:lnSpc>
-              <a:spcBef>
-                <a:spcPts val="0"/>
-              </a:spcBef>
-              <a:spcAft>
-                <a:spcPts val="0"/>
-              </a:spcAft>
-              <a:buClrTx/>
-              <a:buSzTx/>
-              <a:buFontTx/>
-              <a:buNone/>
-              <a:tabLst/>
-              <a:defRPr/>
-            </a:pPr>
-            <a:endParaRPr lang="en-US" altLang="ko-KR" dirty="0">
-              <a:solidFill>
-                <a:prstClr val="black"/>
-              </a:solidFill>
-              <a:latin typeface="맑은 고딕"/>
-              <a:ea typeface="맑은 고딕" panose="020B0503020000020004" pitchFamily="50" charset="-127"/>
-            </a:endParaRPr>
-          </a:p>
-          <a:p>
-            <a:pPr marL="0" marR="0" lvl="0" indent="0" algn="l" defTabSz="1107796" rtl="0" eaLnBrk="1" fontAlgn="auto" latinLnBrk="1" hangingPunct="1">
-              <a:lnSpc>
-                <a:spcPct val="100000"/>
-              </a:lnSpc>
-              <a:spcBef>
-                <a:spcPts val="0"/>
-              </a:spcBef>
-              <a:spcAft>
-                <a:spcPts val="0"/>
-              </a:spcAft>
-              <a:buClrTx/>
-              <a:buSzTx/>
-              <a:buFontTx/>
-              <a:buNone/>
-              <a:tabLst/>
-              <a:defRPr/>
-            </a:pPr>
-            <a:endParaRPr kumimoji="0" lang="en-US" altLang="ko-KR" sz="2200" b="0" i="0" u="none" strike="noStrike" kern="1200" cap="none" spc="0" normalizeH="0" baseline="0" noProof="0" dirty="0">
-              <a:ln>
-                <a:noFill/>
-              </a:ln>
-              <a:solidFill>
-                <a:prstClr val="black"/>
-              </a:solidFill>
-              <a:effectLst/>
-              <a:uLnTx/>
-              <a:uFillTx/>
-              <a:latin typeface="맑은 고딕"/>
-              <a:ea typeface="맑은 고딕" panose="020B0503020000020004" pitchFamily="50" charset="-127"/>
-              <a:cs typeface="+mn-cs"/>
-            </a:endParaRPr>
-          </a:p>
-          <a:p>
-            <a:pPr marL="0" marR="0" lvl="0" indent="0" algn="l" defTabSz="1107796" rtl="0" eaLnBrk="1" fontAlgn="auto" latinLnBrk="1" hangingPunct="1">
-              <a:lnSpc>
-                <a:spcPct val="100000"/>
-              </a:lnSpc>
-              <a:spcBef>
-                <a:spcPts val="0"/>
-              </a:spcBef>
-              <a:spcAft>
-                <a:spcPts val="0"/>
-              </a:spcAft>
-              <a:buClrTx/>
-              <a:buSzTx/>
-              <a:buFontTx/>
-              <a:buNone/>
-              <a:tabLst/>
-              <a:defRPr/>
-            </a:pPr>
-            <a:endParaRPr lang="en-US" altLang="ko-KR" dirty="0">
-              <a:solidFill>
-                <a:prstClr val="black"/>
-              </a:solidFill>
-              <a:latin typeface="맑은 고딕"/>
-              <a:ea typeface="맑은 고딕" panose="020B0503020000020004" pitchFamily="50" charset="-127"/>
-            </a:endParaRPr>
-          </a:p>
-          <a:p>
-            <a:pPr marL="0" marR="0" lvl="0" indent="0" algn="l" defTabSz="1107796" rtl="0" eaLnBrk="1" fontAlgn="auto" latinLnBrk="1" hangingPunct="1">
-              <a:lnSpc>
-                <a:spcPct val="100000"/>
-              </a:lnSpc>
-              <a:spcBef>
-                <a:spcPts val="0"/>
-              </a:spcBef>
-              <a:spcAft>
-                <a:spcPts val="0"/>
-              </a:spcAft>
-              <a:buClrTx/>
-              <a:buSzTx/>
-              <a:buFontTx/>
-              <a:buNone/>
-              <a:tabLst/>
-              <a:defRPr/>
-            </a:pPr>
-            <a:endParaRPr kumimoji="0" lang="en-US" altLang="ko-KR" sz="2200" b="0" i="0" u="none" strike="noStrike" kern="1200" cap="none" spc="0" normalizeH="0" baseline="0" noProof="0" dirty="0">
-              <a:ln>
-                <a:noFill/>
-              </a:ln>
-              <a:solidFill>
-                <a:prstClr val="black"/>
-              </a:solidFill>
-              <a:effectLst/>
-              <a:uLnTx/>
-              <a:uFillTx/>
-              <a:latin typeface="맑은 고딕"/>
-              <a:ea typeface="맑은 고딕" panose="020B0503020000020004" pitchFamily="50" charset="-127"/>
-              <a:cs typeface="+mn-cs"/>
-            </a:endParaRPr>
-          </a:p>
-          <a:p>
-            <a:pPr marL="0" marR="0" lvl="0" indent="0" algn="l" defTabSz="1107796" rtl="0" eaLnBrk="1" fontAlgn="auto" latinLnBrk="1" hangingPunct="1">
-              <a:lnSpc>
-                <a:spcPct val="100000"/>
-              </a:lnSpc>
-              <a:spcBef>
-                <a:spcPts val="0"/>
-              </a:spcBef>
-              <a:spcAft>
-                <a:spcPts val="0"/>
-              </a:spcAft>
-              <a:buClrTx/>
-              <a:buSzTx/>
-              <a:buFontTx/>
-              <a:buNone/>
-              <a:tabLst/>
-              <a:defRPr/>
-            </a:pPr>
-            <a:endParaRPr lang="en-US" altLang="ko-KR" dirty="0">
-              <a:solidFill>
-                <a:prstClr val="black"/>
-              </a:solidFill>
-              <a:latin typeface="맑은 고딕"/>
-              <a:ea typeface="맑은 고딕" panose="020B0503020000020004" pitchFamily="50" charset="-127"/>
-            </a:endParaRPr>
-          </a:p>
-          <a:p>
-            <a:pPr marL="0" marR="0" lvl="0" indent="0" algn="l" defTabSz="1107796" rtl="0" eaLnBrk="1" fontAlgn="auto" latinLnBrk="1" hangingPunct="1">
-              <a:lnSpc>
-                <a:spcPct val="100000"/>
-              </a:lnSpc>
-              <a:spcBef>
-                <a:spcPts val="0"/>
-              </a:spcBef>
-              <a:spcAft>
-                <a:spcPts val="0"/>
-              </a:spcAft>
-              <a:buClrTx/>
-              <a:buSzTx/>
-              <a:buFontTx/>
-              <a:buNone/>
-              <a:tabLst/>
-              <a:defRPr/>
-            </a:pPr>
-            <a:endParaRPr kumimoji="0" lang="ko-KR" altLang="en-US" sz="2200" b="0" i="0" u="none" strike="noStrike" kern="1200" cap="none" spc="0" normalizeH="0" baseline="0" noProof="0" dirty="0">
-              <a:ln>
-                <a:noFill/>
-              </a:ln>
-              <a:solidFill>
-                <a:prstClr val="black"/>
-              </a:solidFill>
-              <a:effectLst/>
-              <a:uLnTx/>
-              <a:uFillTx/>
-              <a:latin typeface="맑은 고딕"/>
-              <a:ea typeface="맑은 고딕" panose="020B0503020000020004" pitchFamily="50" charset="-127"/>
-              <a:cs typeface="+mn-cs"/>
-            </a:endParaRPr>
-          </a:p>
-        </p:txBody>
-      </p:sp>
-      <p:sp>
-        <p:nvSpPr>
-          <p:cNvPr id="2" name="TextBox 1">
-            <a:extLst>
-              <a:ext uri="{FF2B5EF4-FFF2-40B4-BE49-F238E27FC236}">
-                <a16:creationId xmlns:a16="http://schemas.microsoft.com/office/drawing/2014/main" id="{DFBBB71B-7ED5-452D-8227-709D161A0F80}"/>
-              </a:ext>
-            </a:extLst>
-          </p:cNvPr>
-          <p:cNvSpPr txBox="1"/>
-          <p:nvPr/>
-        </p:nvSpPr>
-        <p:spPr>
-          <a:xfrm>
-            <a:off x="5576069" y="3852317"/>
-            <a:ext cx="3142328" cy="2708434"/>
-          </a:xfrm>
-          <a:prstGeom prst="rect">
-            <a:avLst/>
-          </a:prstGeom>
-          <a:noFill/>
-          <a:ln w="38100">
-            <a:solidFill>
-              <a:srgbClr val="FF0000"/>
-            </a:solidFill>
-          </a:ln>
-        </p:spPr>
-        <p:txBody>
-          <a:bodyPr wrap="square" rtlCol="0">
-            <a:spAutoFit/>
-          </a:bodyPr>
-          <a:lstStyle/>
-          <a:p>
-            <a:pPr marL="0" marR="0" lvl="0" indent="0" algn="l" defTabSz="1107796" rtl="0" eaLnBrk="1" fontAlgn="auto" latinLnBrk="1" hangingPunct="1">
-              <a:lnSpc>
-                <a:spcPct val="100000"/>
-              </a:lnSpc>
-              <a:spcBef>
-                <a:spcPts val="0"/>
-              </a:spcBef>
-              <a:spcAft>
-                <a:spcPts val="0"/>
-              </a:spcAft>
-              <a:buClrTx/>
-              <a:buSzTx/>
-              <a:buFontTx/>
-              <a:buNone/>
-              <a:tabLst/>
-              <a:defRPr/>
-            </a:pPr>
-            <a:endParaRPr kumimoji="0" lang="ko-KR" altLang="en-US" sz="2200" b="0" i="0" u="none" strike="noStrike" kern="1200" cap="none" spc="0" normalizeH="0" baseline="0" noProof="0" dirty="0">
-              <a:ln>
-                <a:noFill/>
-              </a:ln>
-              <a:solidFill>
-                <a:prstClr val="black"/>
-              </a:solidFill>
-              <a:effectLst/>
-              <a:uLnTx/>
-              <a:uFillTx/>
-              <a:latin typeface="맑은 고딕"/>
-              <a:ea typeface="맑은 고딕" panose="020B0503020000020004" pitchFamily="50" charset="-127"/>
-              <a:cs typeface="+mn-cs"/>
-            </a:endParaRPr>
+            <a:endParaRPr lang="en-US" altLang="ko-KR" dirty="0"/>
+          </a:p>
+          <a:p>
+            <a:endParaRPr lang="en-US" altLang="ko-KR" dirty="0"/>
+          </a:p>
+          <a:p>
+            <a:endParaRPr lang="ko-KR" altLang="en-US" dirty="0"/>
           </a:p>
         </p:txBody>
       </p:sp>
@@ -6471,7 +6131,7 @@
         </p:spPr>
         <p:txBody>
           <a:bodyPr>
-            <a:normAutofit/>
+            <a:normAutofit fontScale="90000"/>
           </a:bodyPr>
           <a:lstStyle/>
           <a:p>
@@ -6487,7 +6147,7 @@
                 <a:latin typeface="Noto Sans CJK KR Black" pitchFamily="34" charset="-127"/>
                 <a:ea typeface="Noto Sans CJK KR Black" pitchFamily="34" charset="-127"/>
               </a:rPr>
-              <a:t>1. </a:t>
+              <a:t>2. </a:t>
             </a:r>
             <a:r>
               <a:rPr lang="ko-KR" altLang="en-US" sz="4400" dirty="0">
@@ -6500,7 +6160,32 @@
                 <a:latin typeface="Noto Sans CJK KR Black" pitchFamily="34" charset="-127"/>
                 <a:ea typeface="Noto Sans CJK KR Black" pitchFamily="34" charset="-127"/>
               </a:rPr>
-              <a:t>비선형 시계열 알고리즘</a:t>
+              <a:t>시계열</a:t>
+            </a:r>
+            <a:br>
+              <a:rPr lang="en-US" altLang="ko-KR" sz="4400" dirty="0">
+                <a:solidFill>
+                  <a:schemeClr val="tx1">
+                    <a:lumMod val="75000"/>
+                    <a:lumOff val="25000"/>
+                  </a:schemeClr>
+                </a:solidFill>
+                <a:latin typeface="Noto Sans CJK KR Black" pitchFamily="34" charset="-127"/>
+                <a:ea typeface="Noto Sans CJK KR Black" pitchFamily="34" charset="-127"/>
+              </a:rPr>
+            </a:br>
+            <a:r>
+              <a:rPr lang="ko-KR" altLang="en-US" sz="4400" dirty="0">
+                <a:solidFill>
+                  <a:schemeClr val="tx1">
+                    <a:lumMod val="75000"/>
+                    <a:lumOff val="25000"/>
+                  </a:schemeClr>
+                </a:solidFill>
+                <a:latin typeface="Noto Sans CJK KR Black" pitchFamily="34" charset="-127"/>
+                <a:ea typeface="Noto Sans CJK KR Black" pitchFamily="34" charset="-127"/>
+              </a:rPr>
+              <a:t> 알고리즘</a:t>
             </a:r>
             <a:endParaRPr lang="ko-KR" altLang="en-US" sz="4400" dirty="0">
               <a:solidFill>
@@ -6539,10 +6224,10 @@
       </p:sp>
       <p:pic>
         <p:nvPicPr>
-          <p:cNvPr id="2" name="그림 1">
+          <p:cNvPr id="4" name="그림 3">
             <a:extLst>
               <a:ext uri="{FF2B5EF4-FFF2-40B4-BE49-F238E27FC236}">
-                <a16:creationId xmlns:a16="http://schemas.microsoft.com/office/drawing/2014/main" id="{9DC347AF-F364-4D64-8C6C-C79868ACBA5C}"/>
+                <a16:creationId xmlns:a16="http://schemas.microsoft.com/office/drawing/2014/main" id="{143A1FBB-6C8B-4004-960C-68C995FB1A51}"/>
               </a:ext>
             </a:extLst>
           </p:cNvPr>
@@ -6559,8 +6244,8 @@
         </p:blipFill>
         <p:spPr>
           <a:xfrm>
-            <a:off x="3074987" y="1661163"/>
-            <a:ext cx="6010275" cy="4800600"/>
+            <a:off x="3487837" y="1548061"/>
+            <a:ext cx="7943850" cy="3886200"/>
           </a:xfrm>
           <a:prstGeom prst="rect">
             <a:avLst/>
@@ -6570,7 +6255,7 @@
     </p:spTree>
     <p:extLst>
       <p:ext uri="{BB962C8B-B14F-4D97-AF65-F5344CB8AC3E}">
-        <p14:creationId xmlns:p14="http://schemas.microsoft.com/office/powerpoint/2010/main" val="1266160104"/>
+        <p14:creationId xmlns:p14="http://schemas.microsoft.com/office/powerpoint/2010/main" val="678321718"/>
       </p:ext>
     </p:extLst>
   </p:cSld>
@@ -6631,7 +6316,7 @@
                 <a:latin typeface="Noto Sans CJK KR Black" pitchFamily="34" charset="-127"/>
                 <a:ea typeface="Noto Sans CJK KR Black" pitchFamily="34" charset="-127"/>
               </a:rPr>
-              <a:t>1. </a:t>
+              <a:t>2. </a:t>
             </a:r>
             <a:r>
               <a:rPr lang="ko-KR" altLang="en-US" sz="4400" dirty="0">
@@ -6644,7 +6329,7 @@
                 <a:latin typeface="Noto Sans CJK KR Black" pitchFamily="34" charset="-127"/>
                 <a:ea typeface="Noto Sans CJK KR Black" pitchFamily="34" charset="-127"/>
               </a:rPr>
-              <a:t>비선형 시계열 알고리즘</a:t>
+              <a:t>시계열 알고리즘</a:t>
             </a:r>
             <a:endParaRPr lang="ko-KR" altLang="en-US" sz="4400" dirty="0">
               <a:solidFill>
@@ -6686,7 +6371,7 @@
           <p:cNvPr id="2" name="그림 1">
             <a:extLst>
               <a:ext uri="{FF2B5EF4-FFF2-40B4-BE49-F238E27FC236}">
-                <a16:creationId xmlns:a16="http://schemas.microsoft.com/office/drawing/2014/main" id="{CD1F1CC4-746C-4D6A-A8AF-79C55B864194}"/>
+                <a16:creationId xmlns:a16="http://schemas.microsoft.com/office/drawing/2014/main" id="{1350564C-93F1-4004-A2A6-27327880CC47}"/>
               </a:ext>
             </a:extLst>
           </p:cNvPr>
@@ -6703,8 +6388,8 @@
         </p:blipFill>
         <p:spPr>
           <a:xfrm>
-            <a:off x="2236787" y="1544345"/>
-            <a:ext cx="7686675" cy="5267325"/>
+            <a:off x="2189162" y="1630270"/>
+            <a:ext cx="7781925" cy="4924425"/>
           </a:xfrm>
           <a:prstGeom prst="rect">
             <a:avLst/>
@@ -6714,7 +6399,7 @@
     </p:spTree>
     <p:extLst>
       <p:ext uri="{BB962C8B-B14F-4D97-AF65-F5344CB8AC3E}">
-        <p14:creationId xmlns:p14="http://schemas.microsoft.com/office/powerpoint/2010/main" val="2182581454"/>
+        <p14:creationId xmlns:p14="http://schemas.microsoft.com/office/powerpoint/2010/main" val="139457658"/>
       </p:ext>
     </p:extLst>
   </p:cSld>
@@ -6759,7 +6444,7 @@
         </p:spPr>
         <p:txBody>
           <a:bodyPr>
-            <a:normAutofit/>
+            <a:normAutofit fontScale="90000"/>
           </a:bodyPr>
           <a:lstStyle/>
           <a:p>
@@ -6775,7 +6460,7 @@
                 <a:latin typeface="Noto Sans CJK KR Black" pitchFamily="34" charset="-127"/>
                 <a:ea typeface="Noto Sans CJK KR Black" pitchFamily="34" charset="-127"/>
               </a:rPr>
-              <a:t>1. </a:t>
+              <a:t>2. </a:t>
             </a:r>
             <a:r>
               <a:rPr lang="ko-KR" altLang="en-US" sz="4400" dirty="0">
@@ -6788,7 +6473,32 @@
                 <a:latin typeface="Noto Sans CJK KR Black" pitchFamily="34" charset="-127"/>
                 <a:ea typeface="Noto Sans CJK KR Black" pitchFamily="34" charset="-127"/>
               </a:rPr>
-              <a:t>비선형 시계열 알고리즘</a:t>
+              <a:t>시계열 </a:t>
+            </a:r>
+            <a:br>
+              <a:rPr lang="en-US" altLang="ko-KR" sz="4400" dirty="0">
+                <a:solidFill>
+                  <a:schemeClr val="tx1">
+                    <a:lumMod val="75000"/>
+                    <a:lumOff val="25000"/>
+                  </a:schemeClr>
+                </a:solidFill>
+                <a:latin typeface="Noto Sans CJK KR Black" pitchFamily="34" charset="-127"/>
+                <a:ea typeface="Noto Sans CJK KR Black" pitchFamily="34" charset="-127"/>
+              </a:rPr>
+            </a:br>
+            <a:r>
+              <a:rPr lang="ko-KR" altLang="en-US" sz="4400" dirty="0">
+                <a:solidFill>
+                  <a:schemeClr val="tx1">
+                    <a:lumMod val="75000"/>
+                    <a:lumOff val="25000"/>
+                  </a:schemeClr>
+                </a:solidFill>
+                <a:latin typeface="Noto Sans CJK KR Black" pitchFamily="34" charset="-127"/>
+                <a:ea typeface="Noto Sans CJK KR Black" pitchFamily="34" charset="-127"/>
+              </a:rPr>
+              <a:t>알고리즘</a:t>
             </a:r>
             <a:endParaRPr lang="ko-KR" altLang="en-US" sz="4400" dirty="0">
               <a:solidFill>
@@ -6827,10 +6537,10 @@
       </p:sp>
       <p:pic>
         <p:nvPicPr>
-          <p:cNvPr id="2" name="그림 1">
+          <p:cNvPr id="4" name="그림 3">
             <a:extLst>
               <a:ext uri="{FF2B5EF4-FFF2-40B4-BE49-F238E27FC236}">
-                <a16:creationId xmlns:a16="http://schemas.microsoft.com/office/drawing/2014/main" id="{19743928-249A-4EBD-BA51-4B639D247CBC}"/>
+                <a16:creationId xmlns:a16="http://schemas.microsoft.com/office/drawing/2014/main" id="{D099A6EB-AD31-484A-BB52-98EB0BDBD96B}"/>
               </a:ext>
             </a:extLst>
           </p:cNvPr>
@@ -6847,8 +6557,8 @@
         </p:blipFill>
         <p:spPr>
           <a:xfrm>
-            <a:off x="2341562" y="2052117"/>
-            <a:ext cx="7477125" cy="3733800"/>
+            <a:off x="3559845" y="0"/>
+            <a:ext cx="7417832" cy="6840538"/>
           </a:xfrm>
           <a:prstGeom prst="rect">
             <a:avLst/>
@@ -6858,7 +6568,7 @@
     </p:spTree>
     <p:extLst>
       <p:ext uri="{BB962C8B-B14F-4D97-AF65-F5344CB8AC3E}">
-        <p14:creationId xmlns:p14="http://schemas.microsoft.com/office/powerpoint/2010/main" val="1811992289"/>
+        <p14:creationId xmlns:p14="http://schemas.microsoft.com/office/powerpoint/2010/main" val="3849477025"/>
       </p:ext>
     </p:extLst>
   </p:cSld>
@@ -6903,7 +6613,7 @@
         </p:spPr>
         <p:txBody>
           <a:bodyPr>
-            <a:normAutofit fontScale="90000"/>
+            <a:normAutofit/>
           </a:bodyPr>
           <a:lstStyle/>
           <a:p>
@@ -6919,33 +6629,8 @@
                 <a:latin typeface="Noto Sans CJK KR Black" pitchFamily="34" charset="-127"/>
                 <a:ea typeface="Noto Sans CJK KR Black" pitchFamily="34" charset="-127"/>
               </a:rPr>
-              <a:t>1. </a:t>
-            </a:r>
-            <a:r>
-              <a:rPr lang="ko-KR" altLang="en-US" sz="4400" dirty="0">
-                <a:solidFill>
-                  <a:schemeClr val="tx1">
-                    <a:lumMod val="75000"/>
-                    <a:lumOff val="25000"/>
-                  </a:schemeClr>
-                </a:solidFill>
-                <a:latin typeface="Noto Sans CJK KR Black" pitchFamily="34" charset="-127"/>
-                <a:ea typeface="Noto Sans CJK KR Black" pitchFamily="34" charset="-127"/>
-              </a:rPr>
-              <a:t>비선형 </a:t>
-            </a:r>
-            <a:br>
-              <a:rPr lang="en-US" altLang="ko-KR" sz="4400" dirty="0">
-                <a:solidFill>
-                  <a:schemeClr val="tx1">
-                    <a:lumMod val="75000"/>
-                    <a:lumOff val="25000"/>
-                  </a:schemeClr>
-                </a:solidFill>
-                <a:latin typeface="Noto Sans CJK KR Black" pitchFamily="34" charset="-127"/>
-                <a:ea typeface="Noto Sans CJK KR Black" pitchFamily="34" charset="-127"/>
-              </a:rPr>
-            </a:br>
+              <a:t>2. </a:t>
+            </a:r>
             <a:r>
               <a:rPr lang="ko-KR" altLang="en-US" sz="4400" dirty="0">
                 <a:solidFill>
@@ -6999,7 +6684,7 @@
           <p:cNvPr id="2" name="그림 1">
             <a:extLst>
               <a:ext uri="{FF2B5EF4-FFF2-40B4-BE49-F238E27FC236}">
-                <a16:creationId xmlns:a16="http://schemas.microsoft.com/office/drawing/2014/main" id="{EE941B2A-3C16-4843-893B-887AC459B65E}"/>
+                <a16:creationId xmlns:a16="http://schemas.microsoft.com/office/drawing/2014/main" id="{42E031B4-AED5-4F28-B798-755905D6A16C}"/>
               </a:ext>
             </a:extLst>
           </p:cNvPr>
@@ -7016,8 +6701,8 @@
         </p:blipFill>
         <p:spPr>
           <a:xfrm>
-            <a:off x="4423941" y="0"/>
-            <a:ext cx="7259152" cy="6840538"/>
+            <a:off x="3017837" y="2415381"/>
+            <a:ext cx="6124575" cy="2009775"/>
           </a:xfrm>
           <a:prstGeom prst="rect">
             <a:avLst/>
@@ -7027,7 +6712,7 @@
     </p:spTree>
     <p:extLst>
       <p:ext uri="{BB962C8B-B14F-4D97-AF65-F5344CB8AC3E}">
-        <p14:creationId xmlns:p14="http://schemas.microsoft.com/office/powerpoint/2010/main" val="3220252322"/>
+        <p14:creationId xmlns:p14="http://schemas.microsoft.com/office/powerpoint/2010/main" val="2029480034"/>
       </p:ext>
     </p:extLst>
   </p:cSld>
@@ -7088,7 +6773,7 @@
                 <a:latin typeface="Noto Sans CJK KR Black" pitchFamily="34" charset="-127"/>
                 <a:ea typeface="Noto Sans CJK KR Black" pitchFamily="34" charset="-127"/>
               </a:rPr>
-              <a:t>1. </a:t>
+              <a:t>2. </a:t>
             </a:r>
             <a:r>
               <a:rPr lang="ko-KR" altLang="en-US" sz="4400" dirty="0">
@@ -7101,7 +6786,7 @@
                 <a:latin typeface="Noto Sans CJK KR Black" pitchFamily="34" charset="-127"/>
                 <a:ea typeface="Noto Sans CJK KR Black" pitchFamily="34" charset="-127"/>
               </a:rPr>
-              <a:t>비선형 </a:t>
+              <a:t>시계열 </a:t>
             </a:r>
             <a:br>
               <a:rPr lang="en-US" altLang="ko-KR" sz="4400" dirty="0">
@@ -7126,7 +6811,7 @@
                 <a:latin typeface="Noto Sans CJK KR Black" pitchFamily="34" charset="-127"/>
                 <a:ea typeface="Noto Sans CJK KR Black" pitchFamily="34" charset="-127"/>
               </a:rPr>
-              <a:t>시계열 알고리즘</a:t>
+              <a:t>알고리즘</a:t>
             </a:r>
             <a:endParaRPr lang="ko-KR" altLang="en-US" sz="4400" dirty="0">
               <a:solidFill>
@@ -7168,7 +6853,7 @@
           <p:cNvPr id="2" name="그림 1">
             <a:extLst>
               <a:ext uri="{FF2B5EF4-FFF2-40B4-BE49-F238E27FC236}">
-                <a16:creationId xmlns:a16="http://schemas.microsoft.com/office/drawing/2014/main" id="{51C9B62D-B75B-4F4A-9F49-070DDF7C94A2}"/>
+                <a16:creationId xmlns:a16="http://schemas.microsoft.com/office/drawing/2014/main" id="{C5A13D97-8316-4377-A686-50846B0C9CBB}"/>
               </a:ext>
             </a:extLst>
           </p:cNvPr>
@@ -7185,8 +6870,8 @@
         </p:blipFill>
         <p:spPr>
           <a:xfrm>
-            <a:off x="4567957" y="0"/>
-            <a:ext cx="6601119" cy="6840538"/>
+            <a:off x="3991893" y="0"/>
+            <a:ext cx="7294682" cy="6840538"/>
           </a:xfrm>
           <a:prstGeom prst="rect">
             <a:avLst/>
@@ -7196,7 +6881,7 @@
     </p:spTree>
     <p:extLst>
       <p:ext uri="{BB962C8B-B14F-4D97-AF65-F5344CB8AC3E}">
-        <p14:creationId xmlns:p14="http://schemas.microsoft.com/office/powerpoint/2010/main" val="4249616724"/>
+        <p14:creationId xmlns:p14="http://schemas.microsoft.com/office/powerpoint/2010/main" val="3878497761"/>
       </p:ext>
     </p:extLst>
   </p:cSld>
@@ -7241,7 +6926,7 @@
         </p:spPr>
         <p:txBody>
           <a:bodyPr>
-            <a:normAutofit fontScale="90000"/>
+            <a:normAutofit/>
           </a:bodyPr>
           <a:lstStyle/>
           <a:p>
@@ -7257,33 +6942,8 @@
                 <a:latin typeface="Noto Sans CJK KR Black" pitchFamily="34" charset="-127"/>
                 <a:ea typeface="Noto Sans CJK KR Black" pitchFamily="34" charset="-127"/>
               </a:rPr>
-              <a:t>1. </a:t>
-            </a:r>
-            <a:r>
-              <a:rPr lang="ko-KR" altLang="en-US" sz="4400" dirty="0">
-                <a:solidFill>
-                  <a:schemeClr val="tx1">
-                    <a:lumMod val="75000"/>
-                    <a:lumOff val="25000"/>
-                  </a:schemeClr>
-                </a:solidFill>
-                <a:latin typeface="Noto Sans CJK KR Black" pitchFamily="34" charset="-127"/>
-                <a:ea typeface="Noto Sans CJK KR Black" pitchFamily="34" charset="-127"/>
-              </a:rPr>
-              <a:t>비선형 </a:t>
-            </a:r>
-            <a:br>
-              <a:rPr lang="en-US" altLang="ko-KR" sz="4400" dirty="0">
-                <a:solidFill>
-                  <a:schemeClr val="tx1">
-                    <a:lumMod val="75000"/>
-                    <a:lumOff val="25000"/>
-                  </a:schemeClr>
-                </a:solidFill>
-                <a:latin typeface="Noto Sans CJK KR Black" pitchFamily="34" charset="-127"/>
-                <a:ea typeface="Noto Sans CJK KR Black" pitchFamily="34" charset="-127"/>
-              </a:rPr>
-            </a:br>
+              <a:t>2. </a:t>
+            </a:r>
             <a:r>
               <a:rPr lang="ko-KR" altLang="en-US" sz="4400" dirty="0">
                 <a:solidFill>
@@ -7334,10 +6994,10 @@
       </p:sp>
       <p:pic>
         <p:nvPicPr>
-          <p:cNvPr id="4" name="그림 3">
+          <p:cNvPr id="2" name="그림 1">
             <a:extLst>
               <a:ext uri="{FF2B5EF4-FFF2-40B4-BE49-F238E27FC236}">
-                <a16:creationId xmlns:a16="http://schemas.microsoft.com/office/drawing/2014/main" id="{3047B322-3BD5-4BE8-8875-F21BF0A1C872}"/>
+                <a16:creationId xmlns:a16="http://schemas.microsoft.com/office/drawing/2014/main" id="{C3A90D5B-BA11-46A9-954E-3DAE3144A55E}"/>
               </a:ext>
             </a:extLst>
           </p:cNvPr>
@@ -7354,8 +7014,8 @@
         </p:blipFill>
         <p:spPr>
           <a:xfrm>
-            <a:off x="2713037" y="2289262"/>
-            <a:ext cx="6734175" cy="3486150"/>
+            <a:off x="5373524" y="0"/>
+            <a:ext cx="5205851" cy="6840538"/>
           </a:xfrm>
           <a:prstGeom prst="rect">
             <a:avLst/>
@@ -7365,7 +7025,7 @@
     </p:spTree>
     <p:extLst>
       <p:ext uri="{BB962C8B-B14F-4D97-AF65-F5344CB8AC3E}">
-        <p14:creationId xmlns:p14="http://schemas.microsoft.com/office/powerpoint/2010/main" val="1715250108"/>
+        <p14:creationId xmlns:p14="http://schemas.microsoft.com/office/powerpoint/2010/main" val="2604908883"/>
       </p:ext>
     </p:extLst>
   </p:cSld>
@@ -7404,2585 +7064,6 @@
         </p:nvSpPr>
         <p:spPr>
           <a:xfrm>
-            <a:off x="608016" y="551987"/>
-            <a:ext cx="10944225" cy="1140090"/>
-          </a:xfrm>
-        </p:spPr>
-        <p:txBody>
-          <a:bodyPr>
-            <a:normAutofit/>
-          </a:bodyPr>
-          <a:lstStyle/>
-          <a:p>
-            <a:pPr algn="l"/>
-            <a:r>
-              <a:rPr lang="en-US" altLang="ko-KR" sz="4400" dirty="0">
-                <a:solidFill>
-                  <a:schemeClr val="tx1">
-                    <a:lumMod val="75000"/>
-                    <a:lumOff val="25000"/>
-                  </a:schemeClr>
-                </a:solidFill>
-                <a:latin typeface="Noto Sans CJK KR Black" pitchFamily="34" charset="-127"/>
-                <a:ea typeface="Noto Sans CJK KR Black" pitchFamily="34" charset="-127"/>
-              </a:rPr>
-              <a:t>1. </a:t>
-            </a:r>
-            <a:r>
-              <a:rPr lang="ko-KR" altLang="en-US" sz="4400" dirty="0">
-                <a:solidFill>
-                  <a:schemeClr val="tx1">
-                    <a:lumMod val="75000"/>
-                    <a:lumOff val="25000"/>
-                  </a:schemeClr>
-                </a:solidFill>
-                <a:latin typeface="Noto Sans CJK KR Black" pitchFamily="34" charset="-127"/>
-                <a:ea typeface="Noto Sans CJK KR Black" pitchFamily="34" charset="-127"/>
-              </a:rPr>
-              <a:t>비선형 시계열 알고리즘</a:t>
-            </a:r>
-            <a:endParaRPr lang="ko-KR" altLang="en-US" sz="4400" dirty="0">
-              <a:solidFill>
-                <a:schemeClr val="tx1">
-                  <a:lumMod val="75000"/>
-                  <a:lumOff val="25000"/>
-                </a:schemeClr>
-              </a:solidFill>
-            </a:endParaRPr>
-          </a:p>
-        </p:txBody>
-      </p:sp>
-      <p:sp>
-        <p:nvSpPr>
-          <p:cNvPr id="3" name="슬라이드 번호 개체 틀 2"/>
-          <p:cNvSpPr>
-            <a:spLocks noGrp="1"/>
-          </p:cNvSpPr>
-          <p:nvPr>
-            <p:ph type="sldNum" sz="quarter" idx="12"/>
-          </p:nvPr>
-        </p:nvSpPr>
-        <p:spPr/>
-        <p:txBody>
-          <a:bodyPr/>
-          <a:lstStyle/>
-          <a:p>
-            <a:fld id="{6DDAE2C3-1A0B-474A-8CE8-AE55B8D9D4B1}" type="slidenum">
-              <a:rPr lang="ko-KR" altLang="en-US" smtClean="0"/>
-              <a:pPr/>
-              <a:t>26</a:t>
-            </a:fld>
-            <a:endParaRPr lang="ko-KR" altLang="en-US" dirty="0"/>
-          </a:p>
-        </p:txBody>
-      </p:sp>
-      <p:pic>
-        <p:nvPicPr>
-          <p:cNvPr id="2" name="그림 1">
-            <a:extLst>
-              <a:ext uri="{FF2B5EF4-FFF2-40B4-BE49-F238E27FC236}">
-                <a16:creationId xmlns:a16="http://schemas.microsoft.com/office/drawing/2014/main" id="{5A6C99E8-84A8-411E-9550-CD069DEC1246}"/>
-              </a:ext>
-            </a:extLst>
-          </p:cNvPr>
-          <p:cNvPicPr>
-            <a:picLocks noChangeAspect="1"/>
-          </p:cNvPicPr>
-          <p:nvPr/>
-        </p:nvPicPr>
-        <p:blipFill>
-          <a:blip r:embed="rId2"/>
-          <a:stretch>
-            <a:fillRect/>
-          </a:stretch>
-        </p:blipFill>
-        <p:spPr>
-          <a:xfrm>
-            <a:off x="2436812" y="1908101"/>
-            <a:ext cx="7286625" cy="3933825"/>
-          </a:xfrm>
-          <a:prstGeom prst="rect">
-            <a:avLst/>
-          </a:prstGeom>
-        </p:spPr>
-      </p:pic>
-    </p:spTree>
-    <p:extLst>
-      <p:ext uri="{BB962C8B-B14F-4D97-AF65-F5344CB8AC3E}">
-        <p14:creationId xmlns:p14="http://schemas.microsoft.com/office/powerpoint/2010/main" val="1581352796"/>
-      </p:ext>
-    </p:extLst>
-  </p:cSld>
-  <p:clrMapOvr>
-    <a:masterClrMapping/>
-  </p:clrMapOvr>
-</p:sld>
-</file>
-
-<file path=ppt/slides/slide27.xml><?xml version="1.0" encoding="utf-8"?>
-<p:sld xmlns:a="http://schemas.openxmlformats.org/drawingml/2006/main" xmlns:r="http://schemas.openxmlformats.org/officeDocument/2006/relationships" xmlns:p="http://schemas.openxmlformats.org/presentationml/2006/main">
-  <p:cSld>
-    <p:spTree>
-      <p:nvGrpSpPr>
-        <p:cNvPr id="1" name=""/>
-        <p:cNvGrpSpPr/>
-        <p:nvPr/>
-      </p:nvGrpSpPr>
-      <p:grpSpPr>
-        <a:xfrm>
-          <a:off x="0" y="0"/>
-          <a:ext cx="0" cy="0"/>
-          <a:chOff x="0" y="0"/>
-          <a:chExt cx="0" cy="0"/>
-        </a:xfrm>
-      </p:grpSpPr>
-      <p:sp>
-        <p:nvSpPr>
-          <p:cNvPr id="5" name="제목 4"/>
-          <p:cNvSpPr>
-            <a:spLocks noGrp="1"/>
-          </p:cNvSpPr>
-          <p:nvPr>
-            <p:ph type="title"/>
-          </p:nvPr>
-        </p:nvSpPr>
-        <p:spPr>
-          <a:xfrm>
-            <a:off x="608016" y="551987"/>
-            <a:ext cx="10944225" cy="1140090"/>
-          </a:xfrm>
-        </p:spPr>
-        <p:txBody>
-          <a:bodyPr>
-            <a:normAutofit fontScale="90000"/>
-          </a:bodyPr>
-          <a:lstStyle/>
-          <a:p>
-            <a:pPr algn="l"/>
-            <a:r>
-              <a:rPr lang="en-US" altLang="ko-KR" sz="4400" dirty="0">
-                <a:solidFill>
-                  <a:schemeClr val="tx1">
-                    <a:lumMod val="75000"/>
-                    <a:lumOff val="25000"/>
-                  </a:schemeClr>
-                </a:solidFill>
-                <a:latin typeface="Noto Sans CJK KR Black" pitchFamily="34" charset="-127"/>
-                <a:ea typeface="Noto Sans CJK KR Black" pitchFamily="34" charset="-127"/>
-              </a:rPr>
-              <a:t>1. </a:t>
-            </a:r>
-            <a:r>
-              <a:rPr lang="ko-KR" altLang="en-US" sz="4400" dirty="0">
-                <a:solidFill>
-                  <a:schemeClr val="tx1">
-                    <a:lumMod val="75000"/>
-                    <a:lumOff val="25000"/>
-                  </a:schemeClr>
-                </a:solidFill>
-                <a:latin typeface="Noto Sans CJK KR Black" pitchFamily="34" charset="-127"/>
-                <a:ea typeface="Noto Sans CJK KR Black" pitchFamily="34" charset="-127"/>
-              </a:rPr>
-              <a:t>비선형 </a:t>
-            </a:r>
-            <a:br>
-              <a:rPr lang="en-US" altLang="ko-KR" sz="4400" dirty="0">
-                <a:solidFill>
-                  <a:schemeClr val="tx1">
-                    <a:lumMod val="75000"/>
-                    <a:lumOff val="25000"/>
-                  </a:schemeClr>
-                </a:solidFill>
-                <a:latin typeface="Noto Sans CJK KR Black" pitchFamily="34" charset="-127"/>
-                <a:ea typeface="Noto Sans CJK KR Black" pitchFamily="34" charset="-127"/>
-              </a:rPr>
-            </a:br>
-            <a:r>
-              <a:rPr lang="ko-KR" altLang="en-US" sz="4400" dirty="0">
-                <a:solidFill>
-                  <a:schemeClr val="tx1">
-                    <a:lumMod val="75000"/>
-                    <a:lumOff val="25000"/>
-                  </a:schemeClr>
-                </a:solidFill>
-                <a:latin typeface="Noto Sans CJK KR Black" pitchFamily="34" charset="-127"/>
-                <a:ea typeface="Noto Sans CJK KR Black" pitchFamily="34" charset="-127"/>
-              </a:rPr>
-              <a:t>시계열 알고리즘</a:t>
-            </a:r>
-            <a:endParaRPr lang="ko-KR" altLang="en-US" sz="4400" dirty="0">
-              <a:solidFill>
-                <a:schemeClr val="tx1">
-                  <a:lumMod val="75000"/>
-                  <a:lumOff val="25000"/>
-                </a:schemeClr>
-              </a:solidFill>
-            </a:endParaRPr>
-          </a:p>
-        </p:txBody>
-      </p:sp>
-      <p:sp>
-        <p:nvSpPr>
-          <p:cNvPr id="3" name="슬라이드 번호 개체 틀 2"/>
-          <p:cNvSpPr>
-            <a:spLocks noGrp="1"/>
-          </p:cNvSpPr>
-          <p:nvPr>
-            <p:ph type="sldNum" sz="quarter" idx="12"/>
-          </p:nvPr>
-        </p:nvSpPr>
-        <p:spPr/>
-        <p:txBody>
-          <a:bodyPr/>
-          <a:lstStyle/>
-          <a:p>
-            <a:fld id="{6DDAE2C3-1A0B-474A-8CE8-AE55B8D9D4B1}" type="slidenum">
-              <a:rPr lang="ko-KR" altLang="en-US" smtClean="0"/>
-              <a:pPr/>
-              <a:t>27</a:t>
-            </a:fld>
-            <a:endParaRPr lang="ko-KR" altLang="en-US" dirty="0"/>
-          </a:p>
-        </p:txBody>
-      </p:sp>
-      <p:pic>
-        <p:nvPicPr>
-          <p:cNvPr id="4" name="그림 3">
-            <a:extLst>
-              <a:ext uri="{FF2B5EF4-FFF2-40B4-BE49-F238E27FC236}">
-                <a16:creationId xmlns:a16="http://schemas.microsoft.com/office/drawing/2014/main" id="{89891518-F107-4127-A802-20C6BFF551DE}"/>
-              </a:ext>
-            </a:extLst>
-          </p:cNvPr>
-          <p:cNvPicPr>
-            <a:picLocks noChangeAspect="1"/>
-          </p:cNvPicPr>
-          <p:nvPr/>
-        </p:nvPicPr>
-        <p:blipFill>
-          <a:blip r:embed="rId2"/>
-          <a:stretch>
-            <a:fillRect/>
-          </a:stretch>
-        </p:blipFill>
-        <p:spPr>
-          <a:xfrm>
-            <a:off x="4639965" y="0"/>
-            <a:ext cx="7055649" cy="6840538"/>
-          </a:xfrm>
-          <a:prstGeom prst="rect">
-            <a:avLst/>
-          </a:prstGeom>
-        </p:spPr>
-      </p:pic>
-    </p:spTree>
-    <p:extLst>
-      <p:ext uri="{BB962C8B-B14F-4D97-AF65-F5344CB8AC3E}">
-        <p14:creationId xmlns:p14="http://schemas.microsoft.com/office/powerpoint/2010/main" val="700418281"/>
-      </p:ext>
-    </p:extLst>
-  </p:cSld>
-  <p:clrMapOvr>
-    <a:masterClrMapping/>
-  </p:clrMapOvr>
-</p:sld>
-</file>
-
-<file path=ppt/slides/slide28.xml><?xml version="1.0" encoding="utf-8"?>
-<p:sld xmlns:a="http://schemas.openxmlformats.org/drawingml/2006/main" xmlns:r="http://schemas.openxmlformats.org/officeDocument/2006/relationships" xmlns:p="http://schemas.openxmlformats.org/presentationml/2006/main">
-  <p:cSld>
-    <p:spTree>
-      <p:nvGrpSpPr>
-        <p:cNvPr id="1" name=""/>
-        <p:cNvGrpSpPr/>
-        <p:nvPr/>
-      </p:nvGrpSpPr>
-      <p:grpSpPr>
-        <a:xfrm>
-          <a:off x="0" y="0"/>
-          <a:ext cx="0" cy="0"/>
-          <a:chOff x="0" y="0"/>
-          <a:chExt cx="0" cy="0"/>
-        </a:xfrm>
-      </p:grpSpPr>
-      <p:sp>
-        <p:nvSpPr>
-          <p:cNvPr id="5" name="제목 4"/>
-          <p:cNvSpPr>
-            <a:spLocks noGrp="1"/>
-          </p:cNvSpPr>
-          <p:nvPr>
-            <p:ph type="title"/>
-          </p:nvPr>
-        </p:nvSpPr>
-        <p:spPr>
-          <a:xfrm>
-            <a:off x="608016" y="551987"/>
-            <a:ext cx="10944225" cy="1140090"/>
-          </a:xfrm>
-        </p:spPr>
-        <p:txBody>
-          <a:bodyPr>
-            <a:normAutofit/>
-          </a:bodyPr>
-          <a:lstStyle/>
-          <a:p>
-            <a:pPr algn="l"/>
-            <a:r>
-              <a:rPr lang="en-US" altLang="ko-KR" sz="4400" dirty="0">
-                <a:solidFill>
-                  <a:schemeClr val="tx1">
-                    <a:lumMod val="75000"/>
-                    <a:lumOff val="25000"/>
-                  </a:schemeClr>
-                </a:solidFill>
-                <a:latin typeface="Noto Sans CJK KR Black" pitchFamily="34" charset="-127"/>
-                <a:ea typeface="Noto Sans CJK KR Black" pitchFamily="34" charset="-127"/>
-              </a:rPr>
-              <a:t>1. </a:t>
-            </a:r>
-            <a:r>
-              <a:rPr lang="ko-KR" altLang="en-US" sz="4400" dirty="0">
-                <a:solidFill>
-                  <a:schemeClr val="tx1">
-                    <a:lumMod val="75000"/>
-                    <a:lumOff val="25000"/>
-                  </a:schemeClr>
-                </a:solidFill>
-                <a:latin typeface="Noto Sans CJK KR Black" pitchFamily="34" charset="-127"/>
-                <a:ea typeface="Noto Sans CJK KR Black" pitchFamily="34" charset="-127"/>
-              </a:rPr>
-              <a:t>비선형 시계열 알고리즘</a:t>
-            </a:r>
-            <a:endParaRPr lang="ko-KR" altLang="en-US" sz="4400" dirty="0">
-              <a:solidFill>
-                <a:schemeClr val="tx1">
-                  <a:lumMod val="75000"/>
-                  <a:lumOff val="25000"/>
-                </a:schemeClr>
-              </a:solidFill>
-            </a:endParaRPr>
-          </a:p>
-        </p:txBody>
-      </p:sp>
-      <p:sp>
-        <p:nvSpPr>
-          <p:cNvPr id="3" name="슬라이드 번호 개체 틀 2"/>
-          <p:cNvSpPr>
-            <a:spLocks noGrp="1"/>
-          </p:cNvSpPr>
-          <p:nvPr>
-            <p:ph type="sldNum" sz="quarter" idx="12"/>
-          </p:nvPr>
-        </p:nvSpPr>
-        <p:spPr/>
-        <p:txBody>
-          <a:bodyPr/>
-          <a:lstStyle/>
-          <a:p>
-            <a:fld id="{6DDAE2C3-1A0B-474A-8CE8-AE55B8D9D4B1}" type="slidenum">
-              <a:rPr lang="ko-KR" altLang="en-US" smtClean="0"/>
-              <a:pPr/>
-              <a:t>28</a:t>
-            </a:fld>
-            <a:endParaRPr lang="ko-KR" altLang="en-US" dirty="0"/>
-          </a:p>
-        </p:txBody>
-      </p:sp>
-      <p:pic>
-        <p:nvPicPr>
-          <p:cNvPr id="2" name="그림 1">
-            <a:extLst>
-              <a:ext uri="{FF2B5EF4-FFF2-40B4-BE49-F238E27FC236}">
-                <a16:creationId xmlns:a16="http://schemas.microsoft.com/office/drawing/2014/main" id="{CC7BC657-5431-491D-BBE8-824046DE1BE9}"/>
-              </a:ext>
-            </a:extLst>
-          </p:cNvPr>
-          <p:cNvPicPr>
-            <a:picLocks noChangeAspect="1"/>
-          </p:cNvPicPr>
-          <p:nvPr/>
-        </p:nvPicPr>
-        <p:blipFill>
-          <a:blip r:embed="rId2"/>
-          <a:stretch>
-            <a:fillRect/>
-          </a:stretch>
-        </p:blipFill>
-        <p:spPr>
-          <a:xfrm>
-            <a:off x="2451100" y="2052117"/>
-            <a:ext cx="7258050" cy="3162300"/>
-          </a:xfrm>
-          <a:prstGeom prst="rect">
-            <a:avLst/>
-          </a:prstGeom>
-        </p:spPr>
-      </p:pic>
-    </p:spTree>
-    <p:extLst>
-      <p:ext uri="{BB962C8B-B14F-4D97-AF65-F5344CB8AC3E}">
-        <p14:creationId xmlns:p14="http://schemas.microsoft.com/office/powerpoint/2010/main" val="3932177623"/>
-      </p:ext>
-    </p:extLst>
-  </p:cSld>
-  <p:clrMapOvr>
-    <a:masterClrMapping/>
-  </p:clrMapOvr>
-</p:sld>
-</file>
-
-<file path=ppt/slides/slide29.xml><?xml version="1.0" encoding="utf-8"?>
-<p:sld xmlns:a="http://schemas.openxmlformats.org/drawingml/2006/main" xmlns:r="http://schemas.openxmlformats.org/officeDocument/2006/relationships" xmlns:p="http://schemas.openxmlformats.org/presentationml/2006/main">
-  <p:cSld>
-    <p:spTree>
-      <p:nvGrpSpPr>
-        <p:cNvPr id="1" name=""/>
-        <p:cNvGrpSpPr/>
-        <p:nvPr/>
-      </p:nvGrpSpPr>
-      <p:grpSpPr>
-        <a:xfrm>
-          <a:off x="0" y="0"/>
-          <a:ext cx="0" cy="0"/>
-          <a:chOff x="0" y="0"/>
-          <a:chExt cx="0" cy="0"/>
-        </a:xfrm>
-      </p:grpSpPr>
-      <p:sp>
-        <p:nvSpPr>
-          <p:cNvPr id="5" name="제목 4"/>
-          <p:cNvSpPr>
-            <a:spLocks noGrp="1"/>
-          </p:cNvSpPr>
-          <p:nvPr>
-            <p:ph type="title"/>
-          </p:nvPr>
-        </p:nvSpPr>
-        <p:spPr>
-          <a:xfrm>
-            <a:off x="608016" y="551987"/>
-            <a:ext cx="10944225" cy="1140090"/>
-          </a:xfrm>
-        </p:spPr>
-        <p:txBody>
-          <a:bodyPr>
-            <a:normAutofit/>
-          </a:bodyPr>
-          <a:lstStyle/>
-          <a:p>
-            <a:pPr algn="l"/>
-            <a:r>
-              <a:rPr lang="en-US" altLang="ko-KR" sz="4400" dirty="0">
-                <a:solidFill>
-                  <a:schemeClr val="tx1">
-                    <a:lumMod val="75000"/>
-                    <a:lumOff val="25000"/>
-                  </a:schemeClr>
-                </a:solidFill>
-                <a:latin typeface="Noto Sans CJK KR Black" pitchFamily="34" charset="-127"/>
-                <a:ea typeface="Noto Sans CJK KR Black" pitchFamily="34" charset="-127"/>
-              </a:rPr>
-              <a:t>2. </a:t>
-            </a:r>
-            <a:r>
-              <a:rPr lang="ko-KR" altLang="en-US" sz="4400" dirty="0" err="1">
-                <a:solidFill>
-                  <a:schemeClr val="tx1">
-                    <a:lumMod val="75000"/>
-                    <a:lumOff val="25000"/>
-                  </a:schemeClr>
-                </a:solidFill>
-                <a:latin typeface="Noto Sans CJK KR Black" pitchFamily="34" charset="-127"/>
-                <a:ea typeface="Noto Sans CJK KR Black" pitchFamily="34" charset="-127"/>
-              </a:rPr>
-              <a:t>다변량</a:t>
-            </a:r>
-            <a:r>
-              <a:rPr lang="ko-KR" altLang="en-US" sz="4400" dirty="0">
-                <a:solidFill>
-                  <a:schemeClr val="tx1">
-                    <a:lumMod val="75000"/>
-                    <a:lumOff val="25000"/>
-                  </a:schemeClr>
-                </a:solidFill>
-                <a:latin typeface="Noto Sans CJK KR Black" pitchFamily="34" charset="-127"/>
-                <a:ea typeface="Noto Sans CJK KR Black" pitchFamily="34" charset="-127"/>
-              </a:rPr>
-              <a:t> 시계열 알고리즘</a:t>
-            </a:r>
-            <a:endParaRPr lang="ko-KR" altLang="en-US" sz="4400" dirty="0">
-              <a:solidFill>
-                <a:schemeClr val="tx1">
-                  <a:lumMod val="75000"/>
-                  <a:lumOff val="25000"/>
-                </a:schemeClr>
-              </a:solidFill>
-            </a:endParaRPr>
-          </a:p>
-        </p:txBody>
-      </p:sp>
-      <p:sp>
-        <p:nvSpPr>
-          <p:cNvPr id="3" name="슬라이드 번호 개체 틀 2"/>
-          <p:cNvSpPr>
-            <a:spLocks noGrp="1"/>
-          </p:cNvSpPr>
-          <p:nvPr>
-            <p:ph type="sldNum" sz="quarter" idx="12"/>
-          </p:nvPr>
-        </p:nvSpPr>
-        <p:spPr/>
-        <p:txBody>
-          <a:bodyPr/>
-          <a:lstStyle/>
-          <a:p>
-            <a:fld id="{6DDAE2C3-1A0B-474A-8CE8-AE55B8D9D4B1}" type="slidenum">
-              <a:rPr lang="ko-KR" altLang="en-US" smtClean="0"/>
-              <a:pPr/>
-              <a:t>29</a:t>
-            </a:fld>
-            <a:endParaRPr lang="ko-KR" altLang="en-US" dirty="0"/>
-          </a:p>
-        </p:txBody>
-      </p:sp>
-      <p:pic>
-        <p:nvPicPr>
-          <p:cNvPr id="2" name="그림 1">
-            <a:extLst>
-              <a:ext uri="{FF2B5EF4-FFF2-40B4-BE49-F238E27FC236}">
-                <a16:creationId xmlns:a16="http://schemas.microsoft.com/office/drawing/2014/main" id="{2A5C9009-AE75-455B-A1F9-703D04600047}"/>
-              </a:ext>
-            </a:extLst>
-          </p:cNvPr>
-          <p:cNvPicPr>
-            <a:picLocks noChangeAspect="1"/>
-          </p:cNvPicPr>
-          <p:nvPr/>
-        </p:nvPicPr>
-        <p:blipFill>
-          <a:blip r:embed="rId2"/>
-          <a:stretch>
-            <a:fillRect/>
-          </a:stretch>
-        </p:blipFill>
-        <p:spPr>
-          <a:xfrm>
-            <a:off x="2703512" y="1980109"/>
-            <a:ext cx="6753225" cy="3524250"/>
-          </a:xfrm>
-          <a:prstGeom prst="rect">
-            <a:avLst/>
-          </a:prstGeom>
-        </p:spPr>
-      </p:pic>
-    </p:spTree>
-    <p:extLst>
-      <p:ext uri="{BB962C8B-B14F-4D97-AF65-F5344CB8AC3E}">
-        <p14:creationId xmlns:p14="http://schemas.microsoft.com/office/powerpoint/2010/main" val="403896383"/>
-      </p:ext>
-    </p:extLst>
-  </p:cSld>
-  <p:clrMapOvr>
-    <a:masterClrMapping/>
-  </p:clrMapOvr>
-</p:sld>
-</file>
-
-<file path=ppt/slides/slide3.xml><?xml version="1.0" encoding="utf-8"?>
-<p:sld xmlns:a="http://schemas.openxmlformats.org/drawingml/2006/main" xmlns:r="http://schemas.openxmlformats.org/officeDocument/2006/relationships" xmlns:p="http://schemas.openxmlformats.org/presentationml/2006/main">
-  <p:cSld>
-    <p:spTree>
-      <p:nvGrpSpPr>
-        <p:cNvPr id="1" name=""/>
-        <p:cNvGrpSpPr/>
-        <p:nvPr/>
-      </p:nvGrpSpPr>
-      <p:grpSpPr>
-        <a:xfrm>
-          <a:off x="0" y="0"/>
-          <a:ext cx="0" cy="0"/>
-          <a:chOff x="0" y="0"/>
-          <a:chExt cx="0" cy="0"/>
-        </a:xfrm>
-      </p:grpSpPr>
-      <p:sp>
-        <p:nvSpPr>
-          <p:cNvPr id="15" name="슬라이드 번호 개체 틀 14"/>
-          <p:cNvSpPr>
-            <a:spLocks noGrp="1"/>
-          </p:cNvSpPr>
-          <p:nvPr>
-            <p:ph type="sldNum" sz="quarter" idx="12"/>
-          </p:nvPr>
-        </p:nvSpPr>
-        <p:spPr/>
-        <p:txBody>
-          <a:bodyPr/>
-          <a:lstStyle/>
-          <a:p>
-            <a:fld id="{6DDAE2C3-1A0B-474A-8CE8-AE55B8D9D4B1}" type="slidenum">
-              <a:rPr lang="ko-KR" altLang="en-US" smtClean="0"/>
-              <a:pPr/>
-              <a:t>3</a:t>
-            </a:fld>
-            <a:endParaRPr lang="ko-KR" altLang="en-US" dirty="0"/>
-          </a:p>
-        </p:txBody>
-      </p:sp>
-      <p:pic>
-        <p:nvPicPr>
-          <p:cNvPr id="7" name="그림 6">
-            <a:extLst>
-              <a:ext uri="{FF2B5EF4-FFF2-40B4-BE49-F238E27FC236}">
-                <a16:creationId xmlns:a16="http://schemas.microsoft.com/office/drawing/2014/main" id="{6E8D5FA4-ABD2-4B1C-ACC2-B8C623ED3AD3}"/>
-              </a:ext>
-            </a:extLst>
-          </p:cNvPr>
-          <p:cNvPicPr>
-            <a:picLocks noChangeAspect="1"/>
-          </p:cNvPicPr>
-          <p:nvPr/>
-        </p:nvPicPr>
-        <p:blipFill>
-          <a:blip r:embed="rId2"/>
-          <a:stretch>
-            <a:fillRect/>
-          </a:stretch>
-        </p:blipFill>
-        <p:spPr>
-          <a:xfrm>
-            <a:off x="2191693" y="971997"/>
-            <a:ext cx="3533775" cy="5286375"/>
-          </a:xfrm>
-          <a:prstGeom prst="rect">
-            <a:avLst/>
-          </a:prstGeom>
-        </p:spPr>
-      </p:pic>
-      <p:pic>
-        <p:nvPicPr>
-          <p:cNvPr id="8" name="그림 7">
-            <a:extLst>
-              <a:ext uri="{FF2B5EF4-FFF2-40B4-BE49-F238E27FC236}">
-                <a16:creationId xmlns:a16="http://schemas.microsoft.com/office/drawing/2014/main" id="{737B9843-6A2D-4A9A-AC4A-3D219AA2ECFC}"/>
-              </a:ext>
-            </a:extLst>
-          </p:cNvPr>
-          <p:cNvPicPr>
-            <a:picLocks noChangeAspect="1"/>
-          </p:cNvPicPr>
-          <p:nvPr/>
-        </p:nvPicPr>
-        <p:blipFill>
-          <a:blip r:embed="rId3"/>
-          <a:stretch>
-            <a:fillRect/>
-          </a:stretch>
-        </p:blipFill>
-        <p:spPr>
-          <a:xfrm>
-            <a:off x="6584181" y="1514921"/>
-            <a:ext cx="3800475" cy="4200525"/>
-          </a:xfrm>
-          <a:prstGeom prst="rect">
-            <a:avLst/>
-          </a:prstGeom>
-        </p:spPr>
-      </p:pic>
-    </p:spTree>
-    <p:extLst>
-      <p:ext uri="{BB962C8B-B14F-4D97-AF65-F5344CB8AC3E}">
-        <p14:creationId xmlns:p14="http://schemas.microsoft.com/office/powerpoint/2010/main" val="2877754834"/>
-      </p:ext>
-    </p:extLst>
-  </p:cSld>
-  <p:clrMapOvr>
-    <a:masterClrMapping/>
-  </p:clrMapOvr>
-</p:sld>
-</file>
-
-<file path=ppt/slides/slide30.xml><?xml version="1.0" encoding="utf-8"?>
-<p:sld xmlns:a="http://schemas.openxmlformats.org/drawingml/2006/main" xmlns:r="http://schemas.openxmlformats.org/officeDocument/2006/relationships" xmlns:p="http://schemas.openxmlformats.org/presentationml/2006/main">
-  <p:cSld>
-    <p:spTree>
-      <p:nvGrpSpPr>
-        <p:cNvPr id="1" name=""/>
-        <p:cNvGrpSpPr/>
-        <p:nvPr/>
-      </p:nvGrpSpPr>
-      <p:grpSpPr>
-        <a:xfrm>
-          <a:off x="0" y="0"/>
-          <a:ext cx="0" cy="0"/>
-          <a:chOff x="0" y="0"/>
-          <a:chExt cx="0" cy="0"/>
-        </a:xfrm>
-      </p:grpSpPr>
-      <p:sp>
-        <p:nvSpPr>
-          <p:cNvPr id="5" name="제목 4"/>
-          <p:cNvSpPr>
-            <a:spLocks noGrp="1"/>
-          </p:cNvSpPr>
-          <p:nvPr>
-            <p:ph type="title"/>
-          </p:nvPr>
-        </p:nvSpPr>
-        <p:spPr>
-          <a:xfrm>
-            <a:off x="608016" y="551987"/>
-            <a:ext cx="10944225" cy="1140090"/>
-          </a:xfrm>
-        </p:spPr>
-        <p:txBody>
-          <a:bodyPr>
-            <a:normAutofit fontScale="90000"/>
-          </a:bodyPr>
-          <a:lstStyle/>
-          <a:p>
-            <a:pPr algn="l"/>
-            <a:r>
-              <a:rPr lang="en-US" altLang="ko-KR" sz="4400" dirty="0">
-                <a:solidFill>
-                  <a:schemeClr val="tx1">
-                    <a:lumMod val="75000"/>
-                    <a:lumOff val="25000"/>
-                  </a:schemeClr>
-                </a:solidFill>
-                <a:latin typeface="Noto Sans CJK KR Black" pitchFamily="34" charset="-127"/>
-                <a:ea typeface="Noto Sans CJK KR Black" pitchFamily="34" charset="-127"/>
-              </a:rPr>
-              <a:t>2. </a:t>
-            </a:r>
-            <a:r>
-              <a:rPr lang="ko-KR" altLang="en-US" sz="4400" dirty="0" err="1">
-                <a:solidFill>
-                  <a:schemeClr val="tx1">
-                    <a:lumMod val="75000"/>
-                    <a:lumOff val="25000"/>
-                  </a:schemeClr>
-                </a:solidFill>
-                <a:latin typeface="Noto Sans CJK KR Black" pitchFamily="34" charset="-127"/>
-                <a:ea typeface="Noto Sans CJK KR Black" pitchFamily="34" charset="-127"/>
-              </a:rPr>
-              <a:t>다변량</a:t>
-            </a:r>
-            <a:r>
-              <a:rPr lang="ko-KR" altLang="en-US" sz="4400" dirty="0">
-                <a:solidFill>
-                  <a:schemeClr val="tx1">
-                    <a:lumMod val="75000"/>
-                    <a:lumOff val="25000"/>
-                  </a:schemeClr>
-                </a:solidFill>
-                <a:latin typeface="Noto Sans CJK KR Black" pitchFamily="34" charset="-127"/>
-                <a:ea typeface="Noto Sans CJK KR Black" pitchFamily="34" charset="-127"/>
-              </a:rPr>
-              <a:t> </a:t>
-            </a:r>
-            <a:br>
-              <a:rPr lang="en-US" altLang="ko-KR" sz="4400" dirty="0">
-                <a:solidFill>
-                  <a:schemeClr val="tx1">
-                    <a:lumMod val="75000"/>
-                    <a:lumOff val="25000"/>
-                  </a:schemeClr>
-                </a:solidFill>
-                <a:latin typeface="Noto Sans CJK KR Black" pitchFamily="34" charset="-127"/>
-                <a:ea typeface="Noto Sans CJK KR Black" pitchFamily="34" charset="-127"/>
-              </a:rPr>
-            </a:br>
-            <a:r>
-              <a:rPr lang="ko-KR" altLang="en-US" sz="4400" dirty="0">
-                <a:solidFill>
-                  <a:schemeClr val="tx1">
-                    <a:lumMod val="75000"/>
-                    <a:lumOff val="25000"/>
-                  </a:schemeClr>
-                </a:solidFill>
-                <a:latin typeface="Noto Sans CJK KR Black" pitchFamily="34" charset="-127"/>
-                <a:ea typeface="Noto Sans CJK KR Black" pitchFamily="34" charset="-127"/>
-              </a:rPr>
-              <a:t>시계열 알고리즘</a:t>
-            </a:r>
-            <a:endParaRPr lang="ko-KR" altLang="en-US" sz="4400" dirty="0">
-              <a:solidFill>
-                <a:schemeClr val="tx1">
-                  <a:lumMod val="75000"/>
-                  <a:lumOff val="25000"/>
-                </a:schemeClr>
-              </a:solidFill>
-            </a:endParaRPr>
-          </a:p>
-        </p:txBody>
-      </p:sp>
-      <p:sp>
-        <p:nvSpPr>
-          <p:cNvPr id="3" name="슬라이드 번호 개체 틀 2"/>
-          <p:cNvSpPr>
-            <a:spLocks noGrp="1"/>
-          </p:cNvSpPr>
-          <p:nvPr>
-            <p:ph type="sldNum" sz="quarter" idx="12"/>
-          </p:nvPr>
-        </p:nvSpPr>
-        <p:spPr/>
-        <p:txBody>
-          <a:bodyPr/>
-          <a:lstStyle/>
-          <a:p>
-            <a:fld id="{6DDAE2C3-1A0B-474A-8CE8-AE55B8D9D4B1}" type="slidenum">
-              <a:rPr lang="ko-KR" altLang="en-US" smtClean="0"/>
-              <a:pPr/>
-              <a:t>30</a:t>
-            </a:fld>
-            <a:endParaRPr lang="ko-KR" altLang="en-US" dirty="0"/>
-          </a:p>
-        </p:txBody>
-      </p:sp>
-      <p:pic>
-        <p:nvPicPr>
-          <p:cNvPr id="2" name="그림 1">
-            <a:extLst>
-              <a:ext uri="{FF2B5EF4-FFF2-40B4-BE49-F238E27FC236}">
-                <a16:creationId xmlns:a16="http://schemas.microsoft.com/office/drawing/2014/main" id="{D2BD7914-B73F-471A-842E-CF9A98012C3C}"/>
-              </a:ext>
-            </a:extLst>
-          </p:cNvPr>
-          <p:cNvPicPr>
-            <a:picLocks noChangeAspect="1"/>
-          </p:cNvPicPr>
-          <p:nvPr/>
-        </p:nvPicPr>
-        <p:blipFill>
-          <a:blip r:embed="rId2"/>
-          <a:stretch>
-            <a:fillRect/>
-          </a:stretch>
-        </p:blipFill>
-        <p:spPr>
-          <a:xfrm>
-            <a:off x="5035164" y="0"/>
-            <a:ext cx="6504619" cy="6840538"/>
-          </a:xfrm>
-          <a:prstGeom prst="rect">
-            <a:avLst/>
-          </a:prstGeom>
-        </p:spPr>
-      </p:pic>
-    </p:spTree>
-    <p:extLst>
-      <p:ext uri="{BB962C8B-B14F-4D97-AF65-F5344CB8AC3E}">
-        <p14:creationId xmlns:p14="http://schemas.microsoft.com/office/powerpoint/2010/main" val="740384109"/>
-      </p:ext>
-    </p:extLst>
-  </p:cSld>
-  <p:clrMapOvr>
-    <a:masterClrMapping/>
-  </p:clrMapOvr>
-</p:sld>
-</file>
-
-<file path=ppt/slides/slide31.xml><?xml version="1.0" encoding="utf-8"?>
-<p:sld xmlns:a="http://schemas.openxmlformats.org/drawingml/2006/main" xmlns:r="http://schemas.openxmlformats.org/officeDocument/2006/relationships" xmlns:p="http://schemas.openxmlformats.org/presentationml/2006/main">
-  <p:cSld>
-    <p:spTree>
-      <p:nvGrpSpPr>
-        <p:cNvPr id="1" name=""/>
-        <p:cNvGrpSpPr/>
-        <p:nvPr/>
-      </p:nvGrpSpPr>
-      <p:grpSpPr>
-        <a:xfrm>
-          <a:off x="0" y="0"/>
-          <a:ext cx="0" cy="0"/>
-          <a:chOff x="0" y="0"/>
-          <a:chExt cx="0" cy="0"/>
-        </a:xfrm>
-      </p:grpSpPr>
-      <p:sp>
-        <p:nvSpPr>
-          <p:cNvPr id="5" name="제목 4"/>
-          <p:cNvSpPr>
-            <a:spLocks noGrp="1"/>
-          </p:cNvSpPr>
-          <p:nvPr>
-            <p:ph type="title"/>
-          </p:nvPr>
-        </p:nvSpPr>
-        <p:spPr>
-          <a:xfrm>
-            <a:off x="608016" y="551987"/>
-            <a:ext cx="10944225" cy="1140090"/>
-          </a:xfrm>
-        </p:spPr>
-        <p:txBody>
-          <a:bodyPr>
-            <a:normAutofit/>
-          </a:bodyPr>
-          <a:lstStyle/>
-          <a:p>
-            <a:pPr algn="l"/>
-            <a:r>
-              <a:rPr lang="en-US" altLang="ko-KR" sz="4400" dirty="0">
-                <a:solidFill>
-                  <a:schemeClr val="tx1">
-                    <a:lumMod val="75000"/>
-                    <a:lumOff val="25000"/>
-                  </a:schemeClr>
-                </a:solidFill>
-                <a:latin typeface="Noto Sans CJK KR Black" pitchFamily="34" charset="-127"/>
-                <a:ea typeface="Noto Sans CJK KR Black" pitchFamily="34" charset="-127"/>
-              </a:rPr>
-              <a:t>2. </a:t>
-            </a:r>
-            <a:r>
-              <a:rPr lang="ko-KR" altLang="en-US" sz="4400" dirty="0" err="1">
-                <a:solidFill>
-                  <a:schemeClr val="tx1">
-                    <a:lumMod val="75000"/>
-                    <a:lumOff val="25000"/>
-                  </a:schemeClr>
-                </a:solidFill>
-                <a:latin typeface="Noto Sans CJK KR Black" pitchFamily="34" charset="-127"/>
-                <a:ea typeface="Noto Sans CJK KR Black" pitchFamily="34" charset="-127"/>
-              </a:rPr>
-              <a:t>다변량</a:t>
-            </a:r>
-            <a:r>
-              <a:rPr lang="ko-KR" altLang="en-US" sz="4400" dirty="0">
-                <a:solidFill>
-                  <a:schemeClr val="tx1">
-                    <a:lumMod val="75000"/>
-                    <a:lumOff val="25000"/>
-                  </a:schemeClr>
-                </a:solidFill>
-                <a:latin typeface="Noto Sans CJK KR Black" pitchFamily="34" charset="-127"/>
-                <a:ea typeface="Noto Sans CJK KR Black" pitchFamily="34" charset="-127"/>
-              </a:rPr>
-              <a:t> 시계열 알고리즘</a:t>
-            </a:r>
-            <a:endParaRPr lang="ko-KR" altLang="en-US" sz="4400" dirty="0">
-              <a:solidFill>
-                <a:schemeClr val="tx1">
-                  <a:lumMod val="75000"/>
-                  <a:lumOff val="25000"/>
-                </a:schemeClr>
-              </a:solidFill>
-            </a:endParaRPr>
-          </a:p>
-        </p:txBody>
-      </p:sp>
-      <p:sp>
-        <p:nvSpPr>
-          <p:cNvPr id="3" name="슬라이드 번호 개체 틀 2"/>
-          <p:cNvSpPr>
-            <a:spLocks noGrp="1"/>
-          </p:cNvSpPr>
-          <p:nvPr>
-            <p:ph type="sldNum" sz="quarter" idx="12"/>
-          </p:nvPr>
-        </p:nvSpPr>
-        <p:spPr/>
-        <p:txBody>
-          <a:bodyPr/>
-          <a:lstStyle/>
-          <a:p>
-            <a:fld id="{6DDAE2C3-1A0B-474A-8CE8-AE55B8D9D4B1}" type="slidenum">
-              <a:rPr lang="ko-KR" altLang="en-US" smtClean="0"/>
-              <a:pPr/>
-              <a:t>31</a:t>
-            </a:fld>
-            <a:endParaRPr lang="ko-KR" altLang="en-US" dirty="0"/>
-          </a:p>
-        </p:txBody>
-      </p:sp>
-      <p:pic>
-        <p:nvPicPr>
-          <p:cNvPr id="2" name="그림 1">
-            <a:extLst>
-              <a:ext uri="{FF2B5EF4-FFF2-40B4-BE49-F238E27FC236}">
-                <a16:creationId xmlns:a16="http://schemas.microsoft.com/office/drawing/2014/main" id="{BE7C4D17-708F-4947-9CB7-1D2063DFB11F}"/>
-              </a:ext>
-            </a:extLst>
-          </p:cNvPr>
-          <p:cNvPicPr>
-            <a:picLocks noChangeAspect="1"/>
-          </p:cNvPicPr>
-          <p:nvPr/>
-        </p:nvPicPr>
-        <p:blipFill>
-          <a:blip r:embed="rId2"/>
-          <a:stretch>
-            <a:fillRect/>
-          </a:stretch>
-        </p:blipFill>
-        <p:spPr>
-          <a:xfrm>
-            <a:off x="1212850" y="1836093"/>
-            <a:ext cx="9734550" cy="4057650"/>
-          </a:xfrm>
-          <a:prstGeom prst="rect">
-            <a:avLst/>
-          </a:prstGeom>
-        </p:spPr>
-      </p:pic>
-    </p:spTree>
-    <p:extLst>
-      <p:ext uri="{BB962C8B-B14F-4D97-AF65-F5344CB8AC3E}">
-        <p14:creationId xmlns:p14="http://schemas.microsoft.com/office/powerpoint/2010/main" val="654827926"/>
-      </p:ext>
-    </p:extLst>
-  </p:cSld>
-  <p:clrMapOvr>
-    <a:masterClrMapping/>
-  </p:clrMapOvr>
-</p:sld>
-</file>
-
-<file path=ppt/slides/slide32.xml><?xml version="1.0" encoding="utf-8"?>
-<p:sld xmlns:a="http://schemas.openxmlformats.org/drawingml/2006/main" xmlns:r="http://schemas.openxmlformats.org/officeDocument/2006/relationships" xmlns:p="http://schemas.openxmlformats.org/presentationml/2006/main">
-  <p:cSld>
-    <p:spTree>
-      <p:nvGrpSpPr>
-        <p:cNvPr id="1" name=""/>
-        <p:cNvGrpSpPr/>
-        <p:nvPr/>
-      </p:nvGrpSpPr>
-      <p:grpSpPr>
-        <a:xfrm>
-          <a:off x="0" y="0"/>
-          <a:ext cx="0" cy="0"/>
-          <a:chOff x="0" y="0"/>
-          <a:chExt cx="0" cy="0"/>
-        </a:xfrm>
-      </p:grpSpPr>
-      <p:sp>
-        <p:nvSpPr>
-          <p:cNvPr id="5" name="제목 4"/>
-          <p:cNvSpPr>
-            <a:spLocks noGrp="1"/>
-          </p:cNvSpPr>
-          <p:nvPr>
-            <p:ph type="title"/>
-          </p:nvPr>
-        </p:nvSpPr>
-        <p:spPr>
-          <a:xfrm>
-            <a:off x="608016" y="551987"/>
-            <a:ext cx="10944225" cy="1140090"/>
-          </a:xfrm>
-        </p:spPr>
-        <p:txBody>
-          <a:bodyPr>
-            <a:normAutofit fontScale="90000"/>
-          </a:bodyPr>
-          <a:lstStyle/>
-          <a:p>
-            <a:pPr algn="l"/>
-            <a:r>
-              <a:rPr lang="en-US" altLang="ko-KR" sz="4400" dirty="0">
-                <a:solidFill>
-                  <a:schemeClr val="tx1">
-                    <a:lumMod val="75000"/>
-                    <a:lumOff val="25000"/>
-                  </a:schemeClr>
-                </a:solidFill>
-                <a:latin typeface="Noto Sans CJK KR Black" pitchFamily="34" charset="-127"/>
-                <a:ea typeface="Noto Sans CJK KR Black" pitchFamily="34" charset="-127"/>
-              </a:rPr>
-              <a:t>2. </a:t>
-            </a:r>
-            <a:r>
-              <a:rPr lang="ko-KR" altLang="en-US" sz="4400" dirty="0" err="1">
-                <a:solidFill>
-                  <a:schemeClr val="tx1">
-                    <a:lumMod val="75000"/>
-                    <a:lumOff val="25000"/>
-                  </a:schemeClr>
-                </a:solidFill>
-                <a:latin typeface="Noto Sans CJK KR Black" pitchFamily="34" charset="-127"/>
-                <a:ea typeface="Noto Sans CJK KR Black" pitchFamily="34" charset="-127"/>
-              </a:rPr>
-              <a:t>다변량</a:t>
-            </a:r>
-            <a:r>
-              <a:rPr lang="ko-KR" altLang="en-US" sz="4400" dirty="0">
-                <a:solidFill>
-                  <a:schemeClr val="tx1">
-                    <a:lumMod val="75000"/>
-                    <a:lumOff val="25000"/>
-                  </a:schemeClr>
-                </a:solidFill>
-                <a:latin typeface="Noto Sans CJK KR Black" pitchFamily="34" charset="-127"/>
-                <a:ea typeface="Noto Sans CJK KR Black" pitchFamily="34" charset="-127"/>
-              </a:rPr>
-              <a:t> </a:t>
-            </a:r>
-            <a:br>
-              <a:rPr lang="en-US" altLang="ko-KR" sz="4400" dirty="0">
-                <a:solidFill>
-                  <a:schemeClr val="tx1">
-                    <a:lumMod val="75000"/>
-                    <a:lumOff val="25000"/>
-                  </a:schemeClr>
-                </a:solidFill>
-                <a:latin typeface="Noto Sans CJK KR Black" pitchFamily="34" charset="-127"/>
-                <a:ea typeface="Noto Sans CJK KR Black" pitchFamily="34" charset="-127"/>
-              </a:rPr>
-            </a:br>
-            <a:r>
-              <a:rPr lang="ko-KR" altLang="en-US" sz="4400" dirty="0">
-                <a:solidFill>
-                  <a:schemeClr val="tx1">
-                    <a:lumMod val="75000"/>
-                    <a:lumOff val="25000"/>
-                  </a:schemeClr>
-                </a:solidFill>
-                <a:latin typeface="Noto Sans CJK KR Black" pitchFamily="34" charset="-127"/>
-                <a:ea typeface="Noto Sans CJK KR Black" pitchFamily="34" charset="-127"/>
-              </a:rPr>
-              <a:t>시계열 알고리즘</a:t>
-            </a:r>
-            <a:endParaRPr lang="ko-KR" altLang="en-US" sz="4400" dirty="0">
-              <a:solidFill>
-                <a:schemeClr val="tx1">
-                  <a:lumMod val="75000"/>
-                  <a:lumOff val="25000"/>
-                </a:schemeClr>
-              </a:solidFill>
-            </a:endParaRPr>
-          </a:p>
-        </p:txBody>
-      </p:sp>
-      <p:sp>
-        <p:nvSpPr>
-          <p:cNvPr id="3" name="슬라이드 번호 개체 틀 2"/>
-          <p:cNvSpPr>
-            <a:spLocks noGrp="1"/>
-          </p:cNvSpPr>
-          <p:nvPr>
-            <p:ph type="sldNum" sz="quarter" idx="12"/>
-          </p:nvPr>
-        </p:nvSpPr>
-        <p:spPr/>
-        <p:txBody>
-          <a:bodyPr/>
-          <a:lstStyle/>
-          <a:p>
-            <a:fld id="{6DDAE2C3-1A0B-474A-8CE8-AE55B8D9D4B1}" type="slidenum">
-              <a:rPr lang="ko-KR" altLang="en-US" smtClean="0"/>
-              <a:pPr/>
-              <a:t>32</a:t>
-            </a:fld>
-            <a:endParaRPr lang="ko-KR" altLang="en-US" dirty="0"/>
-          </a:p>
-        </p:txBody>
-      </p:sp>
-      <p:pic>
-        <p:nvPicPr>
-          <p:cNvPr id="4" name="그림 3">
-            <a:extLst>
-              <a:ext uri="{FF2B5EF4-FFF2-40B4-BE49-F238E27FC236}">
-                <a16:creationId xmlns:a16="http://schemas.microsoft.com/office/drawing/2014/main" id="{9BB48EB0-47C0-4CA2-B320-2F782C233DD8}"/>
-              </a:ext>
-            </a:extLst>
-          </p:cNvPr>
-          <p:cNvPicPr>
-            <a:picLocks noChangeAspect="1"/>
-          </p:cNvPicPr>
-          <p:nvPr/>
-        </p:nvPicPr>
-        <p:blipFill>
-          <a:blip r:embed="rId2"/>
-          <a:stretch>
-            <a:fillRect/>
-          </a:stretch>
-        </p:blipFill>
-        <p:spPr>
-          <a:xfrm>
-            <a:off x="4567957" y="595291"/>
-            <a:ext cx="7305675" cy="5724525"/>
-          </a:xfrm>
-          <a:prstGeom prst="rect">
-            <a:avLst/>
-          </a:prstGeom>
-        </p:spPr>
-      </p:pic>
-    </p:spTree>
-    <p:extLst>
-      <p:ext uri="{BB962C8B-B14F-4D97-AF65-F5344CB8AC3E}">
-        <p14:creationId xmlns:p14="http://schemas.microsoft.com/office/powerpoint/2010/main" val="358819477"/>
-      </p:ext>
-    </p:extLst>
-  </p:cSld>
-  <p:clrMapOvr>
-    <a:masterClrMapping/>
-  </p:clrMapOvr>
-</p:sld>
-</file>
-
-<file path=ppt/slides/slide33.xml><?xml version="1.0" encoding="utf-8"?>
-<p:sld xmlns:a="http://schemas.openxmlformats.org/drawingml/2006/main" xmlns:r="http://schemas.openxmlformats.org/officeDocument/2006/relationships" xmlns:p="http://schemas.openxmlformats.org/presentationml/2006/main">
-  <p:cSld>
-    <p:spTree>
-      <p:nvGrpSpPr>
-        <p:cNvPr id="1" name=""/>
-        <p:cNvGrpSpPr/>
-        <p:nvPr/>
-      </p:nvGrpSpPr>
-      <p:grpSpPr>
-        <a:xfrm>
-          <a:off x="0" y="0"/>
-          <a:ext cx="0" cy="0"/>
-          <a:chOff x="0" y="0"/>
-          <a:chExt cx="0" cy="0"/>
-        </a:xfrm>
-      </p:grpSpPr>
-      <p:sp>
-        <p:nvSpPr>
-          <p:cNvPr id="5" name="제목 4"/>
-          <p:cNvSpPr>
-            <a:spLocks noGrp="1"/>
-          </p:cNvSpPr>
-          <p:nvPr>
-            <p:ph type="title"/>
-          </p:nvPr>
-        </p:nvSpPr>
-        <p:spPr>
-          <a:xfrm>
-            <a:off x="608016" y="551987"/>
-            <a:ext cx="10944225" cy="1140090"/>
-          </a:xfrm>
-        </p:spPr>
-        <p:txBody>
-          <a:bodyPr>
-            <a:normAutofit fontScale="90000"/>
-          </a:bodyPr>
-          <a:lstStyle/>
-          <a:p>
-            <a:pPr algn="l"/>
-            <a:r>
-              <a:rPr lang="en-US" altLang="ko-KR" sz="4400" dirty="0">
-                <a:solidFill>
-                  <a:schemeClr val="tx1">
-                    <a:lumMod val="75000"/>
-                    <a:lumOff val="25000"/>
-                  </a:schemeClr>
-                </a:solidFill>
-                <a:latin typeface="Noto Sans CJK KR Black" pitchFamily="34" charset="-127"/>
-                <a:ea typeface="Noto Sans CJK KR Black" pitchFamily="34" charset="-127"/>
-              </a:rPr>
-              <a:t>2. </a:t>
-            </a:r>
-            <a:r>
-              <a:rPr lang="ko-KR" altLang="en-US" sz="4400" dirty="0" err="1">
-                <a:solidFill>
-                  <a:schemeClr val="tx1">
-                    <a:lumMod val="75000"/>
-                    <a:lumOff val="25000"/>
-                  </a:schemeClr>
-                </a:solidFill>
-                <a:latin typeface="Noto Sans CJK KR Black" pitchFamily="34" charset="-127"/>
-                <a:ea typeface="Noto Sans CJK KR Black" pitchFamily="34" charset="-127"/>
-              </a:rPr>
-              <a:t>다변량</a:t>
-            </a:r>
-            <a:r>
-              <a:rPr lang="ko-KR" altLang="en-US" sz="4400" dirty="0">
-                <a:solidFill>
-                  <a:schemeClr val="tx1">
-                    <a:lumMod val="75000"/>
-                    <a:lumOff val="25000"/>
-                  </a:schemeClr>
-                </a:solidFill>
-                <a:latin typeface="Noto Sans CJK KR Black" pitchFamily="34" charset="-127"/>
-                <a:ea typeface="Noto Sans CJK KR Black" pitchFamily="34" charset="-127"/>
-              </a:rPr>
-              <a:t> </a:t>
-            </a:r>
-            <a:br>
-              <a:rPr lang="en-US" altLang="ko-KR" sz="4400" dirty="0">
-                <a:solidFill>
-                  <a:schemeClr val="tx1">
-                    <a:lumMod val="75000"/>
-                    <a:lumOff val="25000"/>
-                  </a:schemeClr>
-                </a:solidFill>
-                <a:latin typeface="Noto Sans CJK KR Black" pitchFamily="34" charset="-127"/>
-                <a:ea typeface="Noto Sans CJK KR Black" pitchFamily="34" charset="-127"/>
-              </a:rPr>
-            </a:br>
-            <a:r>
-              <a:rPr lang="ko-KR" altLang="en-US" sz="4400" dirty="0">
-                <a:solidFill>
-                  <a:schemeClr val="tx1">
-                    <a:lumMod val="75000"/>
-                    <a:lumOff val="25000"/>
-                  </a:schemeClr>
-                </a:solidFill>
-                <a:latin typeface="Noto Sans CJK KR Black" pitchFamily="34" charset="-127"/>
-                <a:ea typeface="Noto Sans CJK KR Black" pitchFamily="34" charset="-127"/>
-              </a:rPr>
-              <a:t>시계열 알고리즘</a:t>
-            </a:r>
-            <a:endParaRPr lang="ko-KR" altLang="en-US" sz="4400" dirty="0">
-              <a:solidFill>
-                <a:schemeClr val="tx1">
-                  <a:lumMod val="75000"/>
-                  <a:lumOff val="25000"/>
-                </a:schemeClr>
-              </a:solidFill>
-            </a:endParaRPr>
-          </a:p>
-        </p:txBody>
-      </p:sp>
-      <p:sp>
-        <p:nvSpPr>
-          <p:cNvPr id="3" name="슬라이드 번호 개체 틀 2"/>
-          <p:cNvSpPr>
-            <a:spLocks noGrp="1"/>
-          </p:cNvSpPr>
-          <p:nvPr>
-            <p:ph type="sldNum" sz="quarter" idx="12"/>
-          </p:nvPr>
-        </p:nvSpPr>
-        <p:spPr/>
-        <p:txBody>
-          <a:bodyPr/>
-          <a:lstStyle/>
-          <a:p>
-            <a:fld id="{6DDAE2C3-1A0B-474A-8CE8-AE55B8D9D4B1}" type="slidenum">
-              <a:rPr lang="ko-KR" altLang="en-US" smtClean="0"/>
-              <a:pPr/>
-              <a:t>33</a:t>
-            </a:fld>
-            <a:endParaRPr lang="ko-KR" altLang="en-US" dirty="0"/>
-          </a:p>
-        </p:txBody>
-      </p:sp>
-      <p:pic>
-        <p:nvPicPr>
-          <p:cNvPr id="2" name="그림 1">
-            <a:extLst>
-              <a:ext uri="{FF2B5EF4-FFF2-40B4-BE49-F238E27FC236}">
-                <a16:creationId xmlns:a16="http://schemas.microsoft.com/office/drawing/2014/main" id="{AA50D4E4-06D7-4AE2-9698-B4D3BD8FFB34}"/>
-              </a:ext>
-            </a:extLst>
-          </p:cNvPr>
-          <p:cNvPicPr>
-            <a:picLocks noChangeAspect="1"/>
-          </p:cNvPicPr>
-          <p:nvPr/>
-        </p:nvPicPr>
-        <p:blipFill>
-          <a:blip r:embed="rId2"/>
-          <a:stretch>
-            <a:fillRect/>
-          </a:stretch>
-        </p:blipFill>
-        <p:spPr>
-          <a:xfrm>
-            <a:off x="4927997" y="457573"/>
-            <a:ext cx="6543675" cy="5915025"/>
-          </a:xfrm>
-          <a:prstGeom prst="rect">
-            <a:avLst/>
-          </a:prstGeom>
-        </p:spPr>
-      </p:pic>
-    </p:spTree>
-    <p:extLst>
-      <p:ext uri="{BB962C8B-B14F-4D97-AF65-F5344CB8AC3E}">
-        <p14:creationId xmlns:p14="http://schemas.microsoft.com/office/powerpoint/2010/main" val="2392007208"/>
-      </p:ext>
-    </p:extLst>
-  </p:cSld>
-  <p:clrMapOvr>
-    <a:masterClrMapping/>
-  </p:clrMapOvr>
-</p:sld>
-</file>
-
-<file path=ppt/slides/slide34.xml><?xml version="1.0" encoding="utf-8"?>
-<p:sld xmlns:a="http://schemas.openxmlformats.org/drawingml/2006/main" xmlns:r="http://schemas.openxmlformats.org/officeDocument/2006/relationships" xmlns:p="http://schemas.openxmlformats.org/presentationml/2006/main">
-  <p:cSld>
-    <p:spTree>
-      <p:nvGrpSpPr>
-        <p:cNvPr id="1" name=""/>
-        <p:cNvGrpSpPr/>
-        <p:nvPr/>
-      </p:nvGrpSpPr>
-      <p:grpSpPr>
-        <a:xfrm>
-          <a:off x="0" y="0"/>
-          <a:ext cx="0" cy="0"/>
-          <a:chOff x="0" y="0"/>
-          <a:chExt cx="0" cy="0"/>
-        </a:xfrm>
-      </p:grpSpPr>
-      <p:sp>
-        <p:nvSpPr>
-          <p:cNvPr id="5" name="제목 4"/>
-          <p:cNvSpPr>
-            <a:spLocks noGrp="1"/>
-          </p:cNvSpPr>
-          <p:nvPr>
-            <p:ph type="title"/>
-          </p:nvPr>
-        </p:nvSpPr>
-        <p:spPr>
-          <a:xfrm>
-            <a:off x="608016" y="551987"/>
-            <a:ext cx="10944225" cy="1140090"/>
-          </a:xfrm>
-        </p:spPr>
-        <p:txBody>
-          <a:bodyPr>
-            <a:normAutofit fontScale="90000"/>
-          </a:bodyPr>
-          <a:lstStyle/>
-          <a:p>
-            <a:pPr algn="l"/>
-            <a:r>
-              <a:rPr lang="en-US" altLang="ko-KR" sz="4400" dirty="0">
-                <a:solidFill>
-                  <a:schemeClr val="tx1">
-                    <a:lumMod val="75000"/>
-                    <a:lumOff val="25000"/>
-                  </a:schemeClr>
-                </a:solidFill>
-                <a:latin typeface="Noto Sans CJK KR Black" pitchFamily="34" charset="-127"/>
-                <a:ea typeface="Noto Sans CJK KR Black" pitchFamily="34" charset="-127"/>
-              </a:rPr>
-              <a:t>2. </a:t>
-            </a:r>
-            <a:r>
-              <a:rPr lang="ko-KR" altLang="en-US" sz="4400" dirty="0" err="1">
-                <a:solidFill>
-                  <a:schemeClr val="tx1">
-                    <a:lumMod val="75000"/>
-                    <a:lumOff val="25000"/>
-                  </a:schemeClr>
-                </a:solidFill>
-                <a:latin typeface="Noto Sans CJK KR Black" pitchFamily="34" charset="-127"/>
-                <a:ea typeface="Noto Sans CJK KR Black" pitchFamily="34" charset="-127"/>
-              </a:rPr>
-              <a:t>다변량</a:t>
-            </a:r>
-            <a:r>
-              <a:rPr lang="ko-KR" altLang="en-US" sz="4400" dirty="0">
-                <a:solidFill>
-                  <a:schemeClr val="tx1">
-                    <a:lumMod val="75000"/>
-                    <a:lumOff val="25000"/>
-                  </a:schemeClr>
-                </a:solidFill>
-                <a:latin typeface="Noto Sans CJK KR Black" pitchFamily="34" charset="-127"/>
-                <a:ea typeface="Noto Sans CJK KR Black" pitchFamily="34" charset="-127"/>
-              </a:rPr>
-              <a:t> </a:t>
-            </a:r>
-            <a:br>
-              <a:rPr lang="en-US" altLang="ko-KR" sz="4400" dirty="0">
-                <a:solidFill>
-                  <a:schemeClr val="tx1">
-                    <a:lumMod val="75000"/>
-                    <a:lumOff val="25000"/>
-                  </a:schemeClr>
-                </a:solidFill>
-                <a:latin typeface="Noto Sans CJK KR Black" pitchFamily="34" charset="-127"/>
-                <a:ea typeface="Noto Sans CJK KR Black" pitchFamily="34" charset="-127"/>
-              </a:rPr>
-            </a:br>
-            <a:r>
-              <a:rPr lang="ko-KR" altLang="en-US" sz="4400" dirty="0">
-                <a:solidFill>
-                  <a:schemeClr val="tx1">
-                    <a:lumMod val="75000"/>
-                    <a:lumOff val="25000"/>
-                  </a:schemeClr>
-                </a:solidFill>
-                <a:latin typeface="Noto Sans CJK KR Black" pitchFamily="34" charset="-127"/>
-                <a:ea typeface="Noto Sans CJK KR Black" pitchFamily="34" charset="-127"/>
-              </a:rPr>
-              <a:t>시계열 알고리즘</a:t>
-            </a:r>
-            <a:endParaRPr lang="ko-KR" altLang="en-US" sz="4400" dirty="0">
-              <a:solidFill>
-                <a:schemeClr val="tx1">
-                  <a:lumMod val="75000"/>
-                  <a:lumOff val="25000"/>
-                </a:schemeClr>
-              </a:solidFill>
-            </a:endParaRPr>
-          </a:p>
-        </p:txBody>
-      </p:sp>
-      <p:sp>
-        <p:nvSpPr>
-          <p:cNvPr id="3" name="슬라이드 번호 개체 틀 2"/>
-          <p:cNvSpPr>
-            <a:spLocks noGrp="1"/>
-          </p:cNvSpPr>
-          <p:nvPr>
-            <p:ph type="sldNum" sz="quarter" idx="12"/>
-          </p:nvPr>
-        </p:nvSpPr>
-        <p:spPr/>
-        <p:txBody>
-          <a:bodyPr/>
-          <a:lstStyle/>
-          <a:p>
-            <a:fld id="{6DDAE2C3-1A0B-474A-8CE8-AE55B8D9D4B1}" type="slidenum">
-              <a:rPr lang="ko-KR" altLang="en-US" smtClean="0"/>
-              <a:pPr/>
-              <a:t>34</a:t>
-            </a:fld>
-            <a:endParaRPr lang="ko-KR" altLang="en-US" dirty="0"/>
-          </a:p>
-        </p:txBody>
-      </p:sp>
-      <p:pic>
-        <p:nvPicPr>
-          <p:cNvPr id="2" name="그림 1">
-            <a:extLst>
-              <a:ext uri="{FF2B5EF4-FFF2-40B4-BE49-F238E27FC236}">
-                <a16:creationId xmlns:a16="http://schemas.microsoft.com/office/drawing/2014/main" id="{D4C44B78-53E1-4DCC-B530-04C578725F32}"/>
-              </a:ext>
-            </a:extLst>
-          </p:cNvPr>
-          <p:cNvPicPr>
-            <a:picLocks noChangeAspect="1"/>
-          </p:cNvPicPr>
-          <p:nvPr/>
-        </p:nvPicPr>
-        <p:blipFill>
-          <a:blip r:embed="rId2"/>
-          <a:stretch>
-            <a:fillRect/>
-          </a:stretch>
-        </p:blipFill>
-        <p:spPr>
-          <a:xfrm>
-            <a:off x="4135909" y="0"/>
-            <a:ext cx="7697885" cy="6840538"/>
-          </a:xfrm>
-          <a:prstGeom prst="rect">
-            <a:avLst/>
-          </a:prstGeom>
-        </p:spPr>
-      </p:pic>
-    </p:spTree>
-    <p:extLst>
-      <p:ext uri="{BB962C8B-B14F-4D97-AF65-F5344CB8AC3E}">
-        <p14:creationId xmlns:p14="http://schemas.microsoft.com/office/powerpoint/2010/main" val="1053481196"/>
-      </p:ext>
-    </p:extLst>
-  </p:cSld>
-  <p:clrMapOvr>
-    <a:masterClrMapping/>
-  </p:clrMapOvr>
-</p:sld>
-</file>
-
-<file path=ppt/slides/slide35.xml><?xml version="1.0" encoding="utf-8"?>
-<p:sld xmlns:a="http://schemas.openxmlformats.org/drawingml/2006/main" xmlns:r="http://schemas.openxmlformats.org/officeDocument/2006/relationships" xmlns:p="http://schemas.openxmlformats.org/presentationml/2006/main">
-  <p:cSld>
-    <p:spTree>
-      <p:nvGrpSpPr>
-        <p:cNvPr id="1" name=""/>
-        <p:cNvGrpSpPr/>
-        <p:nvPr/>
-      </p:nvGrpSpPr>
-      <p:grpSpPr>
-        <a:xfrm>
-          <a:off x="0" y="0"/>
-          <a:ext cx="0" cy="0"/>
-          <a:chOff x="0" y="0"/>
-          <a:chExt cx="0" cy="0"/>
-        </a:xfrm>
-      </p:grpSpPr>
-      <p:sp>
-        <p:nvSpPr>
-          <p:cNvPr id="5" name="제목 4"/>
-          <p:cNvSpPr>
-            <a:spLocks noGrp="1"/>
-          </p:cNvSpPr>
-          <p:nvPr>
-            <p:ph type="title"/>
-          </p:nvPr>
-        </p:nvSpPr>
-        <p:spPr>
-          <a:xfrm>
-            <a:off x="608016" y="551987"/>
-            <a:ext cx="10944225" cy="1140090"/>
-          </a:xfrm>
-        </p:spPr>
-        <p:txBody>
-          <a:bodyPr>
-            <a:normAutofit/>
-          </a:bodyPr>
-          <a:lstStyle/>
-          <a:p>
-            <a:pPr algn="l"/>
-            <a:r>
-              <a:rPr lang="en-US" altLang="ko-KR" sz="4400" dirty="0">
-                <a:solidFill>
-                  <a:schemeClr val="tx1">
-                    <a:lumMod val="75000"/>
-                    <a:lumOff val="25000"/>
-                  </a:schemeClr>
-                </a:solidFill>
-                <a:latin typeface="Noto Sans CJK KR Black" pitchFamily="34" charset="-127"/>
-                <a:ea typeface="Noto Sans CJK KR Black" pitchFamily="34" charset="-127"/>
-              </a:rPr>
-              <a:t>2. </a:t>
-            </a:r>
-            <a:r>
-              <a:rPr lang="ko-KR" altLang="en-US" sz="4400" dirty="0" err="1">
-                <a:solidFill>
-                  <a:schemeClr val="tx1">
-                    <a:lumMod val="75000"/>
-                    <a:lumOff val="25000"/>
-                  </a:schemeClr>
-                </a:solidFill>
-                <a:latin typeface="Noto Sans CJK KR Black" pitchFamily="34" charset="-127"/>
-                <a:ea typeface="Noto Sans CJK KR Black" pitchFamily="34" charset="-127"/>
-              </a:rPr>
-              <a:t>다변량</a:t>
-            </a:r>
-            <a:r>
-              <a:rPr lang="ko-KR" altLang="en-US" sz="4400" dirty="0">
-                <a:solidFill>
-                  <a:schemeClr val="tx1">
-                    <a:lumMod val="75000"/>
-                    <a:lumOff val="25000"/>
-                  </a:schemeClr>
-                </a:solidFill>
-                <a:latin typeface="Noto Sans CJK KR Black" pitchFamily="34" charset="-127"/>
-                <a:ea typeface="Noto Sans CJK KR Black" pitchFamily="34" charset="-127"/>
-              </a:rPr>
-              <a:t> 시계열 알고리즘</a:t>
-            </a:r>
-            <a:endParaRPr lang="ko-KR" altLang="en-US" sz="4400" dirty="0">
-              <a:solidFill>
-                <a:schemeClr val="tx1">
-                  <a:lumMod val="75000"/>
-                  <a:lumOff val="25000"/>
-                </a:schemeClr>
-              </a:solidFill>
-            </a:endParaRPr>
-          </a:p>
-        </p:txBody>
-      </p:sp>
-      <p:sp>
-        <p:nvSpPr>
-          <p:cNvPr id="3" name="슬라이드 번호 개체 틀 2"/>
-          <p:cNvSpPr>
-            <a:spLocks noGrp="1"/>
-          </p:cNvSpPr>
-          <p:nvPr>
-            <p:ph type="sldNum" sz="quarter" idx="12"/>
-          </p:nvPr>
-        </p:nvSpPr>
-        <p:spPr/>
-        <p:txBody>
-          <a:bodyPr/>
-          <a:lstStyle/>
-          <a:p>
-            <a:fld id="{6DDAE2C3-1A0B-474A-8CE8-AE55B8D9D4B1}" type="slidenum">
-              <a:rPr lang="ko-KR" altLang="en-US" smtClean="0"/>
-              <a:pPr/>
-              <a:t>35</a:t>
-            </a:fld>
-            <a:endParaRPr lang="ko-KR" altLang="en-US" dirty="0"/>
-          </a:p>
-        </p:txBody>
-      </p:sp>
-      <p:pic>
-        <p:nvPicPr>
-          <p:cNvPr id="2" name="그림 1">
-            <a:extLst>
-              <a:ext uri="{FF2B5EF4-FFF2-40B4-BE49-F238E27FC236}">
-                <a16:creationId xmlns:a16="http://schemas.microsoft.com/office/drawing/2014/main" id="{22AC9117-458F-4CDF-B53F-28194144D755}"/>
-              </a:ext>
-            </a:extLst>
-          </p:cNvPr>
-          <p:cNvPicPr>
-            <a:picLocks noChangeAspect="1"/>
-          </p:cNvPicPr>
-          <p:nvPr/>
-        </p:nvPicPr>
-        <p:blipFill>
-          <a:blip r:embed="rId2"/>
-          <a:stretch>
-            <a:fillRect/>
-          </a:stretch>
-        </p:blipFill>
-        <p:spPr>
-          <a:xfrm>
-            <a:off x="2451100" y="2686844"/>
-            <a:ext cx="7258050" cy="1466850"/>
-          </a:xfrm>
-          <a:prstGeom prst="rect">
-            <a:avLst/>
-          </a:prstGeom>
-        </p:spPr>
-      </p:pic>
-    </p:spTree>
-    <p:extLst>
-      <p:ext uri="{BB962C8B-B14F-4D97-AF65-F5344CB8AC3E}">
-        <p14:creationId xmlns:p14="http://schemas.microsoft.com/office/powerpoint/2010/main" val="1853282591"/>
-      </p:ext>
-    </p:extLst>
-  </p:cSld>
-  <p:clrMapOvr>
-    <a:masterClrMapping/>
-  </p:clrMapOvr>
-</p:sld>
-</file>
-
-<file path=ppt/slides/slide36.xml><?xml version="1.0" encoding="utf-8"?>
-<p:sld xmlns:a="http://schemas.openxmlformats.org/drawingml/2006/main" xmlns:r="http://schemas.openxmlformats.org/officeDocument/2006/relationships" xmlns:p="http://schemas.openxmlformats.org/presentationml/2006/main">
-  <p:cSld>
-    <p:spTree>
-      <p:nvGrpSpPr>
-        <p:cNvPr id="1" name=""/>
-        <p:cNvGrpSpPr/>
-        <p:nvPr/>
-      </p:nvGrpSpPr>
-      <p:grpSpPr>
-        <a:xfrm>
-          <a:off x="0" y="0"/>
-          <a:ext cx="0" cy="0"/>
-          <a:chOff x="0" y="0"/>
-          <a:chExt cx="0" cy="0"/>
-        </a:xfrm>
-      </p:grpSpPr>
-      <p:sp>
-        <p:nvSpPr>
-          <p:cNvPr id="5" name="제목 4"/>
-          <p:cNvSpPr>
-            <a:spLocks noGrp="1"/>
-          </p:cNvSpPr>
-          <p:nvPr>
-            <p:ph type="title"/>
-          </p:nvPr>
-        </p:nvSpPr>
-        <p:spPr>
-          <a:xfrm>
-            <a:off x="608016" y="551987"/>
-            <a:ext cx="10944225" cy="1140090"/>
-          </a:xfrm>
-        </p:spPr>
-        <p:txBody>
-          <a:bodyPr>
-            <a:normAutofit/>
-          </a:bodyPr>
-          <a:lstStyle/>
-          <a:p>
-            <a:pPr algn="l"/>
-            <a:r>
-              <a:rPr lang="en-US" altLang="ko-KR" sz="4400" dirty="0">
-                <a:solidFill>
-                  <a:schemeClr val="tx1">
-                    <a:lumMod val="75000"/>
-                    <a:lumOff val="25000"/>
-                  </a:schemeClr>
-                </a:solidFill>
-                <a:latin typeface="Noto Sans CJK KR Black" pitchFamily="34" charset="-127"/>
-                <a:ea typeface="Noto Sans CJK KR Black" pitchFamily="34" charset="-127"/>
-              </a:rPr>
-              <a:t>2. </a:t>
-            </a:r>
-            <a:r>
-              <a:rPr lang="ko-KR" altLang="en-US" sz="4400" dirty="0" err="1">
-                <a:solidFill>
-                  <a:schemeClr val="tx1">
-                    <a:lumMod val="75000"/>
-                    <a:lumOff val="25000"/>
-                  </a:schemeClr>
-                </a:solidFill>
-                <a:latin typeface="Noto Sans CJK KR Black" pitchFamily="34" charset="-127"/>
-                <a:ea typeface="Noto Sans CJK KR Black" pitchFamily="34" charset="-127"/>
-              </a:rPr>
-              <a:t>다변량</a:t>
-            </a:r>
-            <a:r>
-              <a:rPr lang="ko-KR" altLang="en-US" sz="4400" dirty="0">
-                <a:solidFill>
-                  <a:schemeClr val="tx1">
-                    <a:lumMod val="75000"/>
-                    <a:lumOff val="25000"/>
-                  </a:schemeClr>
-                </a:solidFill>
-                <a:latin typeface="Noto Sans CJK KR Black" pitchFamily="34" charset="-127"/>
-                <a:ea typeface="Noto Sans CJK KR Black" pitchFamily="34" charset="-127"/>
-              </a:rPr>
-              <a:t> 시계열 알고리즘</a:t>
-            </a:r>
-            <a:endParaRPr lang="ko-KR" altLang="en-US" sz="4400" dirty="0">
-              <a:solidFill>
-                <a:schemeClr val="tx1">
-                  <a:lumMod val="75000"/>
-                  <a:lumOff val="25000"/>
-                </a:schemeClr>
-              </a:solidFill>
-            </a:endParaRPr>
-          </a:p>
-        </p:txBody>
-      </p:sp>
-      <p:sp>
-        <p:nvSpPr>
-          <p:cNvPr id="3" name="슬라이드 번호 개체 틀 2"/>
-          <p:cNvSpPr>
-            <a:spLocks noGrp="1"/>
-          </p:cNvSpPr>
-          <p:nvPr>
-            <p:ph type="sldNum" sz="quarter" idx="12"/>
-          </p:nvPr>
-        </p:nvSpPr>
-        <p:spPr/>
-        <p:txBody>
-          <a:bodyPr/>
-          <a:lstStyle/>
-          <a:p>
-            <a:fld id="{6DDAE2C3-1A0B-474A-8CE8-AE55B8D9D4B1}" type="slidenum">
-              <a:rPr lang="ko-KR" altLang="en-US" smtClean="0"/>
-              <a:pPr/>
-              <a:t>36</a:t>
-            </a:fld>
-            <a:endParaRPr lang="ko-KR" altLang="en-US" dirty="0"/>
-          </a:p>
-        </p:txBody>
-      </p:sp>
-      <p:pic>
-        <p:nvPicPr>
-          <p:cNvPr id="2" name="그림 1">
-            <a:extLst>
-              <a:ext uri="{FF2B5EF4-FFF2-40B4-BE49-F238E27FC236}">
-                <a16:creationId xmlns:a16="http://schemas.microsoft.com/office/drawing/2014/main" id="{28562A85-5166-47CB-9A1A-EBA202036AAE}"/>
-              </a:ext>
-            </a:extLst>
-          </p:cNvPr>
-          <p:cNvPicPr>
-            <a:picLocks noChangeAspect="1"/>
-          </p:cNvPicPr>
-          <p:nvPr/>
-        </p:nvPicPr>
-        <p:blipFill>
-          <a:blip r:embed="rId2"/>
-          <a:stretch>
-            <a:fillRect/>
-          </a:stretch>
-        </p:blipFill>
-        <p:spPr>
-          <a:xfrm>
-            <a:off x="2565400" y="1980109"/>
-            <a:ext cx="7029450" cy="3543300"/>
-          </a:xfrm>
-          <a:prstGeom prst="rect">
-            <a:avLst/>
-          </a:prstGeom>
-        </p:spPr>
-      </p:pic>
-    </p:spTree>
-    <p:extLst>
-      <p:ext uri="{BB962C8B-B14F-4D97-AF65-F5344CB8AC3E}">
-        <p14:creationId xmlns:p14="http://schemas.microsoft.com/office/powerpoint/2010/main" val="1382955336"/>
-      </p:ext>
-    </p:extLst>
-  </p:cSld>
-  <p:clrMapOvr>
-    <a:masterClrMapping/>
-  </p:clrMapOvr>
-</p:sld>
-</file>
-
-<file path=ppt/slides/slide37.xml><?xml version="1.0" encoding="utf-8"?>
-<p:sld xmlns:a="http://schemas.openxmlformats.org/drawingml/2006/main" xmlns:r="http://schemas.openxmlformats.org/officeDocument/2006/relationships" xmlns:p="http://schemas.openxmlformats.org/presentationml/2006/main">
-  <p:cSld>
-    <p:spTree>
-      <p:nvGrpSpPr>
-        <p:cNvPr id="1" name=""/>
-        <p:cNvGrpSpPr/>
-        <p:nvPr/>
-      </p:nvGrpSpPr>
-      <p:grpSpPr>
-        <a:xfrm>
-          <a:off x="0" y="0"/>
-          <a:ext cx="0" cy="0"/>
-          <a:chOff x="0" y="0"/>
-          <a:chExt cx="0" cy="0"/>
-        </a:xfrm>
-      </p:grpSpPr>
-      <p:sp>
-        <p:nvSpPr>
-          <p:cNvPr id="5" name="제목 4"/>
-          <p:cNvSpPr>
-            <a:spLocks noGrp="1"/>
-          </p:cNvSpPr>
-          <p:nvPr>
-            <p:ph type="title"/>
-          </p:nvPr>
-        </p:nvSpPr>
-        <p:spPr>
-          <a:xfrm>
-            <a:off x="608016" y="551987"/>
-            <a:ext cx="10944225" cy="1140090"/>
-          </a:xfrm>
-        </p:spPr>
-        <p:txBody>
-          <a:bodyPr>
-            <a:normAutofit/>
-          </a:bodyPr>
-          <a:lstStyle/>
-          <a:p>
-            <a:pPr algn="l"/>
-            <a:r>
-              <a:rPr lang="en-US" altLang="ko-KR" sz="4400" dirty="0">
-                <a:solidFill>
-                  <a:schemeClr val="tx1">
-                    <a:lumMod val="75000"/>
-                    <a:lumOff val="25000"/>
-                  </a:schemeClr>
-                </a:solidFill>
-                <a:latin typeface="Noto Sans CJK KR Black" pitchFamily="34" charset="-127"/>
-                <a:ea typeface="Noto Sans CJK KR Black" pitchFamily="34" charset="-127"/>
-              </a:rPr>
-              <a:t>2. </a:t>
-            </a:r>
-            <a:r>
-              <a:rPr lang="ko-KR" altLang="en-US" sz="4400" dirty="0" err="1">
-                <a:solidFill>
-                  <a:schemeClr val="tx1">
-                    <a:lumMod val="75000"/>
-                    <a:lumOff val="25000"/>
-                  </a:schemeClr>
-                </a:solidFill>
-                <a:latin typeface="Noto Sans CJK KR Black" pitchFamily="34" charset="-127"/>
-                <a:ea typeface="Noto Sans CJK KR Black" pitchFamily="34" charset="-127"/>
-              </a:rPr>
-              <a:t>다변량</a:t>
-            </a:r>
-            <a:r>
-              <a:rPr lang="ko-KR" altLang="en-US" sz="4400" dirty="0">
-                <a:solidFill>
-                  <a:schemeClr val="tx1">
-                    <a:lumMod val="75000"/>
-                    <a:lumOff val="25000"/>
-                  </a:schemeClr>
-                </a:solidFill>
-                <a:latin typeface="Noto Sans CJK KR Black" pitchFamily="34" charset="-127"/>
-                <a:ea typeface="Noto Sans CJK KR Black" pitchFamily="34" charset="-127"/>
-              </a:rPr>
-              <a:t> 시계열 알고리즘</a:t>
-            </a:r>
-            <a:endParaRPr lang="ko-KR" altLang="en-US" sz="4400" dirty="0">
-              <a:solidFill>
-                <a:schemeClr val="tx1">
-                  <a:lumMod val="75000"/>
-                  <a:lumOff val="25000"/>
-                </a:schemeClr>
-              </a:solidFill>
-            </a:endParaRPr>
-          </a:p>
-        </p:txBody>
-      </p:sp>
-      <p:sp>
-        <p:nvSpPr>
-          <p:cNvPr id="3" name="슬라이드 번호 개체 틀 2"/>
-          <p:cNvSpPr>
-            <a:spLocks noGrp="1"/>
-          </p:cNvSpPr>
-          <p:nvPr>
-            <p:ph type="sldNum" sz="quarter" idx="12"/>
-          </p:nvPr>
-        </p:nvSpPr>
-        <p:spPr/>
-        <p:txBody>
-          <a:bodyPr/>
-          <a:lstStyle/>
-          <a:p>
-            <a:fld id="{6DDAE2C3-1A0B-474A-8CE8-AE55B8D9D4B1}" type="slidenum">
-              <a:rPr lang="ko-KR" altLang="en-US" smtClean="0"/>
-              <a:pPr/>
-              <a:t>37</a:t>
-            </a:fld>
-            <a:endParaRPr lang="ko-KR" altLang="en-US" dirty="0"/>
-          </a:p>
-        </p:txBody>
-      </p:sp>
-      <p:pic>
-        <p:nvPicPr>
-          <p:cNvPr id="2" name="그림 1">
-            <a:extLst>
-              <a:ext uri="{FF2B5EF4-FFF2-40B4-BE49-F238E27FC236}">
-                <a16:creationId xmlns:a16="http://schemas.microsoft.com/office/drawing/2014/main" id="{D72FA8AA-8FE8-41E4-95F4-404E0F15A76D}"/>
-              </a:ext>
-            </a:extLst>
-          </p:cNvPr>
-          <p:cNvPicPr>
-            <a:picLocks noChangeAspect="1"/>
-          </p:cNvPicPr>
-          <p:nvPr/>
-        </p:nvPicPr>
-        <p:blipFill>
-          <a:blip r:embed="rId2"/>
-          <a:stretch>
-            <a:fillRect/>
-          </a:stretch>
-        </p:blipFill>
-        <p:spPr>
-          <a:xfrm>
-            <a:off x="1436687" y="1620745"/>
-            <a:ext cx="9286875" cy="4933950"/>
-          </a:xfrm>
-          <a:prstGeom prst="rect">
-            <a:avLst/>
-          </a:prstGeom>
-        </p:spPr>
-      </p:pic>
-    </p:spTree>
-    <p:extLst>
-      <p:ext uri="{BB962C8B-B14F-4D97-AF65-F5344CB8AC3E}">
-        <p14:creationId xmlns:p14="http://schemas.microsoft.com/office/powerpoint/2010/main" val="1888673470"/>
-      </p:ext>
-    </p:extLst>
-  </p:cSld>
-  <p:clrMapOvr>
-    <a:masterClrMapping/>
-  </p:clrMapOvr>
-</p:sld>
-</file>
-
-<file path=ppt/slides/slide38.xml><?xml version="1.0" encoding="utf-8"?>
-<p:sld xmlns:a="http://schemas.openxmlformats.org/drawingml/2006/main" xmlns:r="http://schemas.openxmlformats.org/officeDocument/2006/relationships" xmlns:p="http://schemas.openxmlformats.org/presentationml/2006/main">
-  <p:cSld>
-    <p:spTree>
-      <p:nvGrpSpPr>
-        <p:cNvPr id="1" name=""/>
-        <p:cNvGrpSpPr/>
-        <p:nvPr/>
-      </p:nvGrpSpPr>
-      <p:grpSpPr>
-        <a:xfrm>
-          <a:off x="0" y="0"/>
-          <a:ext cx="0" cy="0"/>
-          <a:chOff x="0" y="0"/>
-          <a:chExt cx="0" cy="0"/>
-        </a:xfrm>
-      </p:grpSpPr>
-      <p:sp>
-        <p:nvSpPr>
-          <p:cNvPr id="5" name="제목 4"/>
-          <p:cNvSpPr>
-            <a:spLocks noGrp="1"/>
-          </p:cNvSpPr>
-          <p:nvPr>
-            <p:ph type="title"/>
-          </p:nvPr>
-        </p:nvSpPr>
-        <p:spPr>
-          <a:xfrm>
-            <a:off x="608012" y="971997"/>
-            <a:ext cx="10944225" cy="1140090"/>
-          </a:xfrm>
-        </p:spPr>
-        <p:txBody>
-          <a:bodyPr>
-            <a:normAutofit fontScale="90000"/>
-          </a:bodyPr>
-          <a:lstStyle/>
-          <a:p>
-            <a:pPr algn="l"/>
-            <a:r>
-              <a:rPr lang="en-US" altLang="ko-KR" sz="4400" dirty="0">
-                <a:solidFill>
-                  <a:schemeClr val="tx1">
-                    <a:lumMod val="75000"/>
-                    <a:lumOff val="25000"/>
-                  </a:schemeClr>
-                </a:solidFill>
-                <a:latin typeface="Noto Sans CJK KR Black" pitchFamily="34" charset="-127"/>
-                <a:ea typeface="Noto Sans CJK KR Black" pitchFamily="34" charset="-127"/>
-              </a:rPr>
-              <a:t>2. </a:t>
-            </a:r>
-            <a:r>
-              <a:rPr lang="ko-KR" altLang="en-US" sz="4400" dirty="0" err="1">
-                <a:solidFill>
-                  <a:schemeClr val="tx1">
-                    <a:lumMod val="75000"/>
-                    <a:lumOff val="25000"/>
-                  </a:schemeClr>
-                </a:solidFill>
-                <a:latin typeface="Noto Sans CJK KR Black" pitchFamily="34" charset="-127"/>
-                <a:ea typeface="Noto Sans CJK KR Black" pitchFamily="34" charset="-127"/>
-              </a:rPr>
-              <a:t>다변량</a:t>
-            </a:r>
-            <a:br>
-              <a:rPr lang="en-US" altLang="ko-KR" sz="4400" dirty="0">
-                <a:solidFill>
-                  <a:schemeClr val="tx1">
-                    <a:lumMod val="75000"/>
-                    <a:lumOff val="25000"/>
-                  </a:schemeClr>
-                </a:solidFill>
-                <a:latin typeface="Noto Sans CJK KR Black" pitchFamily="34" charset="-127"/>
-                <a:ea typeface="Noto Sans CJK KR Black" pitchFamily="34" charset="-127"/>
-              </a:rPr>
-            </a:br>
-            <a:r>
-              <a:rPr lang="ko-KR" altLang="en-US" sz="4400" dirty="0">
-                <a:solidFill>
-                  <a:schemeClr val="tx1">
-                    <a:lumMod val="75000"/>
-                    <a:lumOff val="25000"/>
-                  </a:schemeClr>
-                </a:solidFill>
-                <a:latin typeface="Noto Sans CJK KR Black" pitchFamily="34" charset="-127"/>
-                <a:ea typeface="Noto Sans CJK KR Black" pitchFamily="34" charset="-127"/>
-              </a:rPr>
-              <a:t> 시계열 </a:t>
-            </a:r>
-            <a:br>
-              <a:rPr lang="en-US" altLang="ko-KR" sz="4400" dirty="0">
-                <a:solidFill>
-                  <a:schemeClr val="tx1">
-                    <a:lumMod val="75000"/>
-                    <a:lumOff val="25000"/>
-                  </a:schemeClr>
-                </a:solidFill>
-                <a:latin typeface="Noto Sans CJK KR Black" pitchFamily="34" charset="-127"/>
-                <a:ea typeface="Noto Sans CJK KR Black" pitchFamily="34" charset="-127"/>
-              </a:rPr>
-            </a:br>
-            <a:r>
-              <a:rPr lang="ko-KR" altLang="en-US" sz="4400" dirty="0">
-                <a:solidFill>
-                  <a:schemeClr val="tx1">
-                    <a:lumMod val="75000"/>
-                    <a:lumOff val="25000"/>
-                  </a:schemeClr>
-                </a:solidFill>
-                <a:latin typeface="Noto Sans CJK KR Black" pitchFamily="34" charset="-127"/>
-                <a:ea typeface="Noto Sans CJK KR Black" pitchFamily="34" charset="-127"/>
-              </a:rPr>
-              <a:t>알고리즘</a:t>
-            </a:r>
-            <a:endParaRPr lang="ko-KR" altLang="en-US" sz="4400" dirty="0">
-              <a:solidFill>
-                <a:schemeClr val="tx1">
-                  <a:lumMod val="75000"/>
-                  <a:lumOff val="25000"/>
-                </a:schemeClr>
-              </a:solidFill>
-            </a:endParaRPr>
-          </a:p>
-        </p:txBody>
-      </p:sp>
-      <p:sp>
-        <p:nvSpPr>
-          <p:cNvPr id="3" name="슬라이드 번호 개체 틀 2"/>
-          <p:cNvSpPr>
-            <a:spLocks noGrp="1"/>
-          </p:cNvSpPr>
-          <p:nvPr>
-            <p:ph type="sldNum" sz="quarter" idx="12"/>
-          </p:nvPr>
-        </p:nvSpPr>
-        <p:spPr/>
-        <p:txBody>
-          <a:bodyPr/>
-          <a:lstStyle/>
-          <a:p>
-            <a:fld id="{6DDAE2C3-1A0B-474A-8CE8-AE55B8D9D4B1}" type="slidenum">
-              <a:rPr lang="ko-KR" altLang="en-US" smtClean="0"/>
-              <a:pPr/>
-              <a:t>38</a:t>
-            </a:fld>
-            <a:endParaRPr lang="ko-KR" altLang="en-US" dirty="0"/>
-          </a:p>
-        </p:txBody>
-      </p:sp>
-      <p:pic>
-        <p:nvPicPr>
-          <p:cNvPr id="2" name="그림 1">
-            <a:extLst>
-              <a:ext uri="{FF2B5EF4-FFF2-40B4-BE49-F238E27FC236}">
-                <a16:creationId xmlns:a16="http://schemas.microsoft.com/office/drawing/2014/main" id="{FED80CE0-B681-46B3-8C9A-F3DC74F22BF9}"/>
-              </a:ext>
-            </a:extLst>
-          </p:cNvPr>
-          <p:cNvPicPr>
-            <a:picLocks noChangeAspect="1"/>
-          </p:cNvPicPr>
-          <p:nvPr/>
-        </p:nvPicPr>
-        <p:blipFill>
-          <a:blip r:embed="rId2"/>
-          <a:stretch>
-            <a:fillRect/>
-          </a:stretch>
-        </p:blipFill>
-        <p:spPr>
-          <a:xfrm>
-            <a:off x="3077929" y="0"/>
-            <a:ext cx="9082321" cy="6840538"/>
-          </a:xfrm>
-          <a:prstGeom prst="rect">
-            <a:avLst/>
-          </a:prstGeom>
-        </p:spPr>
-      </p:pic>
-    </p:spTree>
-    <p:extLst>
-      <p:ext uri="{BB962C8B-B14F-4D97-AF65-F5344CB8AC3E}">
-        <p14:creationId xmlns:p14="http://schemas.microsoft.com/office/powerpoint/2010/main" val="330801271"/>
-      </p:ext>
-    </p:extLst>
-  </p:cSld>
-  <p:clrMapOvr>
-    <a:masterClrMapping/>
-  </p:clrMapOvr>
-</p:sld>
-</file>
-
-<file path=ppt/slides/slide39.xml><?xml version="1.0" encoding="utf-8"?>
-<p:sld xmlns:a="http://schemas.openxmlformats.org/drawingml/2006/main" xmlns:r="http://schemas.openxmlformats.org/officeDocument/2006/relationships" xmlns:p="http://schemas.openxmlformats.org/presentationml/2006/main">
-  <p:cSld>
-    <p:spTree>
-      <p:nvGrpSpPr>
-        <p:cNvPr id="1" name=""/>
-        <p:cNvGrpSpPr/>
-        <p:nvPr/>
-      </p:nvGrpSpPr>
-      <p:grpSpPr>
-        <a:xfrm>
-          <a:off x="0" y="0"/>
-          <a:ext cx="0" cy="0"/>
-          <a:chOff x="0" y="0"/>
-          <a:chExt cx="0" cy="0"/>
-        </a:xfrm>
-      </p:grpSpPr>
-      <p:sp>
-        <p:nvSpPr>
-          <p:cNvPr id="5" name="제목 4"/>
-          <p:cNvSpPr>
-            <a:spLocks noGrp="1"/>
-          </p:cNvSpPr>
-          <p:nvPr>
-            <p:ph type="title"/>
-          </p:nvPr>
-        </p:nvSpPr>
-        <p:spPr>
-          <a:xfrm>
-            <a:off x="608016" y="551987"/>
-            <a:ext cx="10944225" cy="1140090"/>
-          </a:xfrm>
-        </p:spPr>
-        <p:txBody>
-          <a:bodyPr>
-            <a:normAutofit/>
-          </a:bodyPr>
-          <a:lstStyle/>
-          <a:p>
-            <a:pPr algn="l"/>
-            <a:r>
-              <a:rPr lang="en-US" altLang="ko-KR" sz="4400" dirty="0">
-                <a:solidFill>
-                  <a:schemeClr val="tx1">
-                    <a:lumMod val="75000"/>
-                    <a:lumOff val="25000"/>
-                  </a:schemeClr>
-                </a:solidFill>
-                <a:latin typeface="Noto Sans CJK KR Black" pitchFamily="34" charset="-127"/>
-                <a:ea typeface="Noto Sans CJK KR Black" pitchFamily="34" charset="-127"/>
-              </a:rPr>
-              <a:t>2. </a:t>
-            </a:r>
-            <a:r>
-              <a:rPr lang="ko-KR" altLang="en-US" sz="4400" dirty="0" err="1">
-                <a:solidFill>
-                  <a:schemeClr val="tx1">
-                    <a:lumMod val="75000"/>
-                    <a:lumOff val="25000"/>
-                  </a:schemeClr>
-                </a:solidFill>
-                <a:latin typeface="Noto Sans CJK KR Black" pitchFamily="34" charset="-127"/>
-                <a:ea typeface="Noto Sans CJK KR Black" pitchFamily="34" charset="-127"/>
-              </a:rPr>
-              <a:t>다변량</a:t>
-            </a:r>
-            <a:r>
-              <a:rPr lang="ko-KR" altLang="en-US" sz="4400" dirty="0">
-                <a:solidFill>
-                  <a:schemeClr val="tx1">
-                    <a:lumMod val="75000"/>
-                    <a:lumOff val="25000"/>
-                  </a:schemeClr>
-                </a:solidFill>
-                <a:latin typeface="Noto Sans CJK KR Black" pitchFamily="34" charset="-127"/>
-                <a:ea typeface="Noto Sans CJK KR Black" pitchFamily="34" charset="-127"/>
-              </a:rPr>
-              <a:t> 시계열 알고리즘</a:t>
-            </a:r>
-            <a:endParaRPr lang="ko-KR" altLang="en-US" sz="4400" dirty="0">
-              <a:solidFill>
-                <a:schemeClr val="tx1">
-                  <a:lumMod val="75000"/>
-                  <a:lumOff val="25000"/>
-                </a:schemeClr>
-              </a:solidFill>
-            </a:endParaRPr>
-          </a:p>
-        </p:txBody>
-      </p:sp>
-      <p:sp>
-        <p:nvSpPr>
-          <p:cNvPr id="3" name="슬라이드 번호 개체 틀 2"/>
-          <p:cNvSpPr>
-            <a:spLocks noGrp="1"/>
-          </p:cNvSpPr>
-          <p:nvPr>
-            <p:ph type="sldNum" sz="quarter" idx="12"/>
-          </p:nvPr>
-        </p:nvSpPr>
-        <p:spPr/>
-        <p:txBody>
-          <a:bodyPr/>
-          <a:lstStyle/>
-          <a:p>
-            <a:fld id="{6DDAE2C3-1A0B-474A-8CE8-AE55B8D9D4B1}" type="slidenum">
-              <a:rPr lang="ko-KR" altLang="en-US" smtClean="0"/>
-              <a:pPr/>
-              <a:t>39</a:t>
-            </a:fld>
-            <a:endParaRPr lang="ko-KR" altLang="en-US" dirty="0"/>
-          </a:p>
-        </p:txBody>
-      </p:sp>
-      <p:pic>
-        <p:nvPicPr>
-          <p:cNvPr id="2" name="그림 1">
-            <a:extLst>
-              <a:ext uri="{FF2B5EF4-FFF2-40B4-BE49-F238E27FC236}">
-                <a16:creationId xmlns:a16="http://schemas.microsoft.com/office/drawing/2014/main" id="{7D76C1BD-C787-4503-8BA4-3F5987C11AF4}"/>
-              </a:ext>
-            </a:extLst>
-          </p:cNvPr>
-          <p:cNvPicPr>
-            <a:picLocks noChangeAspect="1"/>
-          </p:cNvPicPr>
-          <p:nvPr/>
-        </p:nvPicPr>
-        <p:blipFill>
-          <a:blip r:embed="rId2"/>
-          <a:stretch>
-            <a:fillRect/>
-          </a:stretch>
-        </p:blipFill>
-        <p:spPr>
-          <a:xfrm>
-            <a:off x="1022350" y="1499731"/>
-            <a:ext cx="10115550" cy="5238750"/>
-          </a:xfrm>
-          <a:prstGeom prst="rect">
-            <a:avLst/>
-          </a:prstGeom>
-        </p:spPr>
-      </p:pic>
-    </p:spTree>
-    <p:extLst>
-      <p:ext uri="{BB962C8B-B14F-4D97-AF65-F5344CB8AC3E}">
-        <p14:creationId xmlns:p14="http://schemas.microsoft.com/office/powerpoint/2010/main" val="3867141425"/>
-      </p:ext>
-    </p:extLst>
-  </p:cSld>
-  <p:clrMapOvr>
-    <a:masterClrMapping/>
-  </p:clrMapOvr>
-</p:sld>
-</file>
-
-<file path=ppt/slides/slide4.xml><?xml version="1.0" encoding="utf-8"?>
-<p:sld xmlns:a="http://schemas.openxmlformats.org/drawingml/2006/main" xmlns:r="http://schemas.openxmlformats.org/officeDocument/2006/relationships" xmlns:p="http://schemas.openxmlformats.org/presentationml/2006/main">
-  <p:cSld>
-    <p:spTree>
-      <p:nvGrpSpPr>
-        <p:cNvPr id="1" name=""/>
-        <p:cNvGrpSpPr/>
-        <p:nvPr/>
-      </p:nvGrpSpPr>
-      <p:grpSpPr>
-        <a:xfrm>
-          <a:off x="0" y="0"/>
-          <a:ext cx="0" cy="0"/>
-          <a:chOff x="0" y="0"/>
-          <a:chExt cx="0" cy="0"/>
-        </a:xfrm>
-      </p:grpSpPr>
-      <p:sp>
-        <p:nvSpPr>
-          <p:cNvPr id="5" name="제목 4"/>
-          <p:cNvSpPr>
-            <a:spLocks noGrp="1"/>
-          </p:cNvSpPr>
-          <p:nvPr>
-            <p:ph type="title"/>
-          </p:nvPr>
-        </p:nvSpPr>
-        <p:spPr>
-          <a:xfrm>
-            <a:off x="608016" y="551987"/>
-            <a:ext cx="10944225" cy="1140090"/>
-          </a:xfrm>
-        </p:spPr>
-        <p:txBody>
-          <a:bodyPr>
-            <a:normAutofit/>
-          </a:bodyPr>
-          <a:lstStyle/>
-          <a:p>
-            <a:pPr algn="l"/>
-            <a:r>
-              <a:rPr lang="en-US" altLang="ko-KR" sz="4400" dirty="0">
-                <a:solidFill>
-                  <a:schemeClr val="tx1">
-                    <a:lumMod val="75000"/>
-                    <a:lumOff val="25000"/>
-                  </a:schemeClr>
-                </a:solidFill>
-                <a:latin typeface="Noto Sans CJK KR Black" pitchFamily="34" charset="-127"/>
-                <a:ea typeface="Noto Sans CJK KR Black" pitchFamily="34" charset="-127"/>
-              </a:rPr>
-              <a:t>1. </a:t>
-            </a:r>
-            <a:r>
-              <a:rPr lang="ko-KR" altLang="en-US" sz="4400" dirty="0">
-                <a:solidFill>
-                  <a:schemeClr val="tx1">
-                    <a:lumMod val="75000"/>
-                    <a:lumOff val="25000"/>
-                  </a:schemeClr>
-                </a:solidFill>
-                <a:latin typeface="Noto Sans CJK KR Black" pitchFamily="34" charset="-127"/>
-                <a:ea typeface="Noto Sans CJK KR Black" pitchFamily="34" charset="-127"/>
-              </a:rPr>
-              <a:t>비선형 시계열 알고리즘</a:t>
-            </a:r>
-            <a:endParaRPr lang="ko-KR" altLang="en-US" sz="4400" dirty="0">
-              <a:solidFill>
-                <a:schemeClr val="tx1">
-                  <a:lumMod val="75000"/>
-                  <a:lumOff val="25000"/>
-                </a:schemeClr>
-              </a:solidFill>
-            </a:endParaRPr>
-          </a:p>
-        </p:txBody>
-      </p:sp>
-      <p:sp>
-        <p:nvSpPr>
-          <p:cNvPr id="3" name="슬라이드 번호 개체 틀 2"/>
-          <p:cNvSpPr>
-            <a:spLocks noGrp="1"/>
-          </p:cNvSpPr>
-          <p:nvPr>
-            <p:ph type="sldNum" sz="quarter" idx="12"/>
-          </p:nvPr>
-        </p:nvSpPr>
-        <p:spPr/>
-        <p:txBody>
-          <a:bodyPr/>
-          <a:lstStyle/>
-          <a:p>
-            <a:fld id="{6DDAE2C3-1A0B-474A-8CE8-AE55B8D9D4B1}" type="slidenum">
-              <a:rPr lang="ko-KR" altLang="en-US" smtClean="0"/>
-              <a:pPr/>
-              <a:t>4</a:t>
-            </a:fld>
-            <a:endParaRPr lang="ko-KR" altLang="en-US" dirty="0"/>
-          </a:p>
-        </p:txBody>
-      </p:sp>
-      <p:pic>
-        <p:nvPicPr>
-          <p:cNvPr id="2" name="그림 1">
-            <a:extLst>
-              <a:ext uri="{FF2B5EF4-FFF2-40B4-BE49-F238E27FC236}">
-                <a16:creationId xmlns:a16="http://schemas.microsoft.com/office/drawing/2014/main" id="{130A6EF7-58C5-4D7F-A65B-D28696937D5B}"/>
-              </a:ext>
-            </a:extLst>
-          </p:cNvPr>
-          <p:cNvPicPr>
-            <a:picLocks noChangeAspect="1"/>
-          </p:cNvPicPr>
-          <p:nvPr/>
-        </p:nvPicPr>
-        <p:blipFill>
-          <a:blip r:embed="rId2"/>
-          <a:stretch>
-            <a:fillRect/>
-          </a:stretch>
-        </p:blipFill>
-        <p:spPr>
-          <a:xfrm>
-            <a:off x="2646362" y="1626387"/>
-            <a:ext cx="6867525" cy="4800600"/>
-          </a:xfrm>
-          <a:prstGeom prst="rect">
-            <a:avLst/>
-          </a:prstGeom>
-        </p:spPr>
-      </p:pic>
-    </p:spTree>
-    <p:extLst>
-      <p:ext uri="{BB962C8B-B14F-4D97-AF65-F5344CB8AC3E}">
-        <p14:creationId xmlns:p14="http://schemas.microsoft.com/office/powerpoint/2010/main" val="2181878113"/>
-      </p:ext>
-    </p:extLst>
-  </p:cSld>
-  <p:clrMapOvr>
-    <a:masterClrMapping/>
-  </p:clrMapOvr>
-</p:sld>
-</file>
-
-<file path=ppt/slides/slide40.xml><?xml version="1.0" encoding="utf-8"?>
-<p:sld xmlns:a="http://schemas.openxmlformats.org/drawingml/2006/main" xmlns:r="http://schemas.openxmlformats.org/officeDocument/2006/relationships" xmlns:p="http://schemas.openxmlformats.org/presentationml/2006/main">
-  <p:cSld>
-    <p:spTree>
-      <p:nvGrpSpPr>
-        <p:cNvPr id="1" name=""/>
-        <p:cNvGrpSpPr/>
-        <p:nvPr/>
-      </p:nvGrpSpPr>
-      <p:grpSpPr>
-        <a:xfrm>
-          <a:off x="0" y="0"/>
-          <a:ext cx="0" cy="0"/>
-          <a:chOff x="0" y="0"/>
-          <a:chExt cx="0" cy="0"/>
-        </a:xfrm>
-      </p:grpSpPr>
-      <p:sp>
-        <p:nvSpPr>
-          <p:cNvPr id="5" name="제목 4"/>
-          <p:cNvSpPr>
-            <a:spLocks noGrp="1"/>
-          </p:cNvSpPr>
-          <p:nvPr>
-            <p:ph type="title"/>
-          </p:nvPr>
-        </p:nvSpPr>
-        <p:spPr>
-          <a:xfrm>
             <a:off x="608012" y="2700189"/>
             <a:ext cx="10944225" cy="1140090"/>
           </a:xfrm>
@@ -9994,7 +7075,7 @@
           <a:lstStyle/>
           <a:p>
             <a:pPr algn="l"/>
-            <a:r>
+            <a:br>
               <a:rPr lang="en-US" altLang="ko-KR" sz="4000" b="1" dirty="0">
                 <a:solidFill>
                   <a:schemeClr val="tx1">
@@ -10005,6 +7086,18 @@
                 <a:latin typeface="Noto Sans CJK KR Black" pitchFamily="34" charset="-127"/>
                 <a:ea typeface="Noto Sans CJK KR Black" pitchFamily="34" charset="-127"/>
               </a:rPr>
+            </a:br>
+            <a:r>
+              <a:rPr lang="en-US" altLang="ko-KR" sz="4000" b="1" dirty="0">
+                <a:solidFill>
+                  <a:schemeClr val="tx1">
+                    <a:lumMod val="75000"/>
+                    <a:lumOff val="25000"/>
+                  </a:schemeClr>
+                </a:solidFill>
+                <a:latin typeface="Noto Sans CJK KR Black" pitchFamily="34" charset="-127"/>
+                <a:ea typeface="Noto Sans CJK KR Black" pitchFamily="34" charset="-127"/>
+              </a:rPr>
               <a:t>&lt;Quiz&gt;</a:t>
             </a:r>
             <a:br>
@@ -10019,8 +7112,8 @@
                 <a:ea typeface="Noto Sans CJK KR Black" pitchFamily="34" charset="-127"/>
               </a:rPr>
             </a:br>
-            <a:br>
-              <a:rPr lang="en-US" altLang="ko-KR" sz="3200" dirty="0">
+            <a:r>
+              <a:rPr lang="en-US" altLang="ko-KR" sz="2400" dirty="0">
                 <a:solidFill>
                   <a:schemeClr val="tx1">
                     <a:lumMod val="75000"/>
@@ -10030,9 +7123,10 @@
                 <a:latin typeface="Noto Sans CJK KR Black" pitchFamily="34" charset="-127"/>
                 <a:ea typeface="Noto Sans CJK KR Black" pitchFamily="34" charset="-127"/>
               </a:rPr>
-            </a:br>
-            <a:r>
-              <a:rPr lang="en-US" altLang="ko-KR" sz="2400" dirty="0">
+              <a:t>1. </a:t>
+            </a:r>
+            <a:r>
+              <a:rPr lang="ko-KR" altLang="en-US" sz="2400" dirty="0">
                 <a:solidFill>
                   <a:schemeClr val="tx1">
                     <a:lumMod val="75000"/>
@@ -10042,10 +7136,10 @@
                 <a:latin typeface="Noto Sans CJK KR Black" pitchFamily="34" charset="-127"/>
                 <a:ea typeface="Noto Sans CJK KR Black" pitchFamily="34" charset="-127"/>
               </a:rPr>
-              <a:t>1. </a:t>
-            </a:r>
-            <a:r>
-              <a:rPr lang="ko-KR" altLang="en-US" sz="2400" dirty="0">
+              <a:t>추세의 차수는 </a:t>
+            </a:r>
+            <a:r>
+              <a:rPr lang="en-US" altLang="ko-KR" sz="2400" dirty="0">
                 <a:solidFill>
                   <a:schemeClr val="tx1">
                     <a:lumMod val="75000"/>
@@ -10055,7 +7149,85 @@
                 <a:latin typeface="Noto Sans CJK KR Black" pitchFamily="34" charset="-127"/>
                 <a:ea typeface="Noto Sans CJK KR Black" pitchFamily="34" charset="-127"/>
               </a:rPr>
-              <a:t>선형 시계열 알고리즘과 상태공간모형의 차이점은 무엇인지 설명하라</a:t>
+              <a:t>(1,1,1) </a:t>
+            </a:r>
+            <a:r>
+              <a:rPr lang="ko-KR" altLang="en-US" sz="2400" dirty="0">
+                <a:solidFill>
+                  <a:schemeClr val="tx1">
+                    <a:lumMod val="75000"/>
+                    <a:lumOff val="25000"/>
+                  </a:schemeClr>
+                </a:solidFill>
+                <a:latin typeface="Noto Sans CJK KR Black" pitchFamily="34" charset="-127"/>
+                <a:ea typeface="Noto Sans CJK KR Black" pitchFamily="34" charset="-127"/>
+              </a:rPr>
+              <a:t>그리고 계절성 차수는 </a:t>
+            </a:r>
+            <a:r>
+              <a:rPr lang="en-US" altLang="ko-KR" sz="2400" dirty="0">
+                <a:solidFill>
+                  <a:schemeClr val="tx1">
+                    <a:lumMod val="75000"/>
+                    <a:lumOff val="25000"/>
+                  </a:schemeClr>
+                </a:solidFill>
+                <a:latin typeface="Noto Sans CJK KR Black" pitchFamily="34" charset="-127"/>
+                <a:ea typeface="Noto Sans CJK KR Black" pitchFamily="34" charset="-127"/>
+              </a:rPr>
+              <a:t>(2,2,2) </a:t>
+            </a:r>
+            <a:r>
+              <a:rPr lang="ko-KR" altLang="en-US" sz="2400" dirty="0" err="1">
+                <a:solidFill>
+                  <a:schemeClr val="tx1">
+                    <a:lumMod val="75000"/>
+                    <a:lumOff val="25000"/>
+                  </a:schemeClr>
+                </a:solidFill>
+                <a:latin typeface="Noto Sans CJK KR Black" pitchFamily="34" charset="-127"/>
+                <a:ea typeface="Noto Sans CJK KR Black" pitchFamily="34" charset="-127"/>
+              </a:rPr>
+              <a:t>일때의</a:t>
+            </a:r>
+            <a:r>
+              <a:rPr lang="ko-KR" altLang="en-US" sz="2400" dirty="0">
+                <a:solidFill>
+                  <a:schemeClr val="tx1">
+                    <a:lumMod val="75000"/>
+                    <a:lumOff val="25000"/>
+                  </a:schemeClr>
+                </a:solidFill>
+                <a:latin typeface="Noto Sans CJK KR Black" pitchFamily="34" charset="-127"/>
+                <a:ea typeface="Noto Sans CJK KR Black" pitchFamily="34" charset="-127"/>
+              </a:rPr>
+              <a:t> </a:t>
+            </a:r>
+            <a:r>
+              <a:rPr lang="en-US" altLang="ko-KR" sz="2400" dirty="0">
+                <a:solidFill>
+                  <a:schemeClr val="tx1">
+                    <a:lumMod val="75000"/>
+                    <a:lumOff val="25000"/>
+                  </a:schemeClr>
+                </a:solidFill>
+                <a:latin typeface="Noto Sans CJK KR Black" pitchFamily="34" charset="-127"/>
+                <a:ea typeface="Noto Sans CJK KR Black" pitchFamily="34" charset="-127"/>
+              </a:rPr>
+              <a:t>SARIMA </a:t>
+            </a:r>
+            <a:r>
+              <a:rPr lang="ko-KR" altLang="en-US" sz="2400" dirty="0">
+                <a:solidFill>
+                  <a:schemeClr val="tx1">
+                    <a:lumMod val="75000"/>
+                    <a:lumOff val="25000"/>
+                  </a:schemeClr>
+                </a:solidFill>
+                <a:latin typeface="Noto Sans CJK KR Black" pitchFamily="34" charset="-127"/>
+                <a:ea typeface="Noto Sans CJK KR Black" pitchFamily="34" charset="-127"/>
+              </a:rPr>
+              <a:t>수학식을 표현하라</a:t>
             </a:r>
             <a:r>
               <a:rPr lang="en-US" altLang="ko-KR" sz="2400" dirty="0">
@@ -10117,7 +7289,7 @@
                 <a:latin typeface="Noto Sans CJK KR Black" pitchFamily="34" charset="-127"/>
                 <a:ea typeface="Noto Sans CJK KR Black" pitchFamily="34" charset="-127"/>
               </a:rPr>
-              <a:t>2. </a:t>
+              <a:t>2. MA -&gt; AR -&gt; ARMA -&gt; ARIMA -&gt; SARIMA </a:t>
             </a:r>
             <a:r>
               <a:rPr lang="ko-KR" altLang="en-US" sz="2400" dirty="0">
@@ -10130,7 +7302,7 @@
                 <a:latin typeface="Noto Sans CJK KR Black" pitchFamily="34" charset="-127"/>
                 <a:ea typeface="Noto Sans CJK KR Black" pitchFamily="34" charset="-127"/>
               </a:rPr>
-              <a:t>인과관계와 상관관계의 차이점을 설명하라</a:t>
+              <a:t>알고리즘의 차이를 설명하라</a:t>
             </a:r>
             <a:r>
               <a:rPr lang="en-US" altLang="ko-KR" sz="2400" dirty="0">
@@ -10192,7 +7364,7 @@
                 <a:latin typeface="Noto Sans CJK KR Black" pitchFamily="34" charset="-127"/>
                 <a:ea typeface="Noto Sans CJK KR Black" pitchFamily="34" charset="-127"/>
               </a:rPr>
-              <a:t>3. Cointegration</a:t>
+              <a:t>3. Auto-ARIMA </a:t>
             </a:r>
             <a:r>
               <a:rPr lang="ko-KR" altLang="en-US" sz="2400" dirty="0">
@@ -10205,10 +7377,10 @@
                 <a:latin typeface="Noto Sans CJK KR Black" pitchFamily="34" charset="-127"/>
                 <a:ea typeface="Noto Sans CJK KR Black" pitchFamily="34" charset="-127"/>
               </a:rPr>
-              <a:t>의 개념을 설명하라</a:t>
-            </a:r>
-            <a:r>
-              <a:rPr lang="en-US" altLang="ko-KR" sz="2400">
+              <a:t>모형이나 </a:t>
+            </a:r>
+            <a:r>
+              <a:rPr lang="en-US" altLang="ko-KR" sz="2400" dirty="0">
                 <a:solidFill>
                   <a:schemeClr val="tx1">
                     <a:lumMod val="75000"/>
@@ -10218,10 +7390,10 @@
                 <a:latin typeface="Noto Sans CJK KR Black" pitchFamily="34" charset="-127"/>
                 <a:ea typeface="Noto Sans CJK KR Black" pitchFamily="34" charset="-127"/>
               </a:rPr>
-              <a:t>.</a:t>
-            </a:r>
-            <a:br>
-              <a:rPr lang="en-US" altLang="ko-KR" sz="2400" dirty="0">
+              <a:t>for</a:t>
+            </a:r>
+            <a:r>
+              <a:rPr lang="ko-KR" altLang="en-US" sz="2400" dirty="0">
                 <a:solidFill>
                   <a:schemeClr val="tx1">
                     <a:lumMod val="75000"/>
@@ -10231,7 +7403,47 @@
                 <a:latin typeface="Noto Sans CJK KR Black" pitchFamily="34" charset="-127"/>
                 <a:ea typeface="Noto Sans CJK KR Black" pitchFamily="34" charset="-127"/>
               </a:rPr>
-            </a:br>
+              <a:t>문을 사용한 파라미터 추정을 한 결과를 신뢰할 수 있는가</a:t>
+            </a:r>
+            <a:r>
+              <a:rPr lang="en-US" altLang="ko-KR" sz="2400" dirty="0">
+                <a:solidFill>
+                  <a:schemeClr val="tx1">
+                    <a:lumMod val="75000"/>
+                    <a:lumOff val="25000"/>
+                  </a:schemeClr>
+                </a:solidFill>
+                <a:latin typeface="Noto Sans CJK KR Black" pitchFamily="34" charset="-127"/>
+                <a:ea typeface="Noto Sans CJK KR Black" pitchFamily="34" charset="-127"/>
+              </a:rPr>
+              <a:t>? </a:t>
+            </a:r>
+            <a:r>
+              <a:rPr lang="ko-KR" altLang="en-US" sz="2400" dirty="0">
+                <a:solidFill>
+                  <a:schemeClr val="tx1">
+                    <a:lumMod val="75000"/>
+                    <a:lumOff val="25000"/>
+                  </a:schemeClr>
+                </a:solidFill>
+                <a:latin typeface="Noto Sans CJK KR Black" pitchFamily="34" charset="-127"/>
+                <a:ea typeface="Noto Sans CJK KR Black" pitchFamily="34" charset="-127"/>
+              </a:rPr>
+              <a:t>없다면 신뢰할 수 있는 방법은 무엇인가</a:t>
+            </a:r>
+            <a:r>
+              <a:rPr lang="en-US" altLang="ko-KR" sz="2400" dirty="0">
+                <a:solidFill>
+                  <a:schemeClr val="tx1">
+                    <a:lumMod val="75000"/>
+                    <a:lumOff val="25000"/>
+                  </a:schemeClr>
+                </a:solidFill>
+                <a:latin typeface="Noto Sans CJK KR Black" pitchFamily="34" charset="-127"/>
+                <a:ea typeface="Noto Sans CJK KR Black" pitchFamily="34" charset="-127"/>
+              </a:rPr>
+              <a:t>?</a:t>
+            </a:r>
             <a:endParaRPr lang="ko-KR" altLang="en-US" sz="3200" dirty="0">
               <a:solidFill>
                 <a:schemeClr val="tx1">
@@ -10261,7 +7473,7 @@
             <a:fld id="{6DDAE2C3-1A0B-474A-8CE8-AE55B8D9D4B1}" type="slidenum">
               <a:rPr lang="ko-KR" altLang="en-US" smtClean="0"/>
               <a:pPr/>
-              <a:t>40</a:t>
+              <a:t>26</a:t>
             </a:fld>
             <a:endParaRPr lang="ko-KR" altLang="en-US" dirty="0"/>
           </a:p>
@@ -10280,7 +7492,7 @@
 </p:sld>
 </file>
 
-<file path=ppt/slides/slide41.xml><?xml version="1.0" encoding="utf-8"?>
+<file path=ppt/slides/slide27.xml><?xml version="1.0" encoding="utf-8"?>
 <p:sld xmlns:a="http://schemas.openxmlformats.org/drawingml/2006/main" xmlns:r="http://schemas.openxmlformats.org/officeDocument/2006/relationships" xmlns:p="http://schemas.openxmlformats.org/presentationml/2006/main">
   <p:cSld>
     <p:spTree>
@@ -10466,6 +7678,259 @@
 </p:sld>
 </file>
 
+<file path=ppt/slides/slide3.xml><?xml version="1.0" encoding="utf-8"?>
+<p:sld xmlns:a="http://schemas.openxmlformats.org/drawingml/2006/main" xmlns:r="http://schemas.openxmlformats.org/officeDocument/2006/relationships" xmlns:p="http://schemas.openxmlformats.org/presentationml/2006/main">
+  <p:cSld>
+    <p:spTree>
+      <p:nvGrpSpPr>
+        <p:cNvPr id="1" name=""/>
+        <p:cNvGrpSpPr/>
+        <p:nvPr/>
+      </p:nvGrpSpPr>
+      <p:grpSpPr>
+        <a:xfrm>
+          <a:off x="0" y="0"/>
+          <a:ext cx="0" cy="0"/>
+          <a:chOff x="0" y="0"/>
+          <a:chExt cx="0" cy="0"/>
+        </a:xfrm>
+      </p:grpSpPr>
+      <p:sp>
+        <p:nvSpPr>
+          <p:cNvPr id="15" name="슬라이드 번호 개체 틀 14"/>
+          <p:cNvSpPr>
+            <a:spLocks noGrp="1"/>
+          </p:cNvSpPr>
+          <p:nvPr>
+            <p:ph type="sldNum" sz="quarter" idx="12"/>
+          </p:nvPr>
+        </p:nvSpPr>
+        <p:spPr/>
+        <p:txBody>
+          <a:bodyPr/>
+          <a:lstStyle/>
+          <a:p>
+            <a:fld id="{6DDAE2C3-1A0B-474A-8CE8-AE55B8D9D4B1}" type="slidenum">
+              <a:rPr lang="ko-KR" altLang="en-US" smtClean="0"/>
+              <a:pPr/>
+              <a:t>3</a:t>
+            </a:fld>
+            <a:endParaRPr lang="ko-KR" altLang="en-US" dirty="0"/>
+          </a:p>
+        </p:txBody>
+      </p:sp>
+      <p:pic>
+        <p:nvPicPr>
+          <p:cNvPr id="2" name="그림 1">
+            <a:extLst>
+              <a:ext uri="{FF2B5EF4-FFF2-40B4-BE49-F238E27FC236}">
+                <a16:creationId xmlns:a16="http://schemas.microsoft.com/office/drawing/2014/main" id="{C7329C81-790F-47DE-B5F0-B99A07DF38D1}"/>
+              </a:ext>
+            </a:extLst>
+          </p:cNvPr>
+          <p:cNvPicPr>
+            <a:picLocks noChangeAspect="1"/>
+          </p:cNvPicPr>
+          <p:nvPr/>
+        </p:nvPicPr>
+        <p:blipFill>
+          <a:blip r:embed="rId2"/>
+          <a:stretch>
+            <a:fillRect/>
+          </a:stretch>
+        </p:blipFill>
+        <p:spPr>
+          <a:xfrm>
+            <a:off x="3779837" y="1634331"/>
+            <a:ext cx="4600575" cy="3571875"/>
+          </a:xfrm>
+          <a:prstGeom prst="rect">
+            <a:avLst/>
+          </a:prstGeom>
+        </p:spPr>
+      </p:pic>
+    </p:spTree>
+    <p:extLst>
+      <p:ext uri="{BB962C8B-B14F-4D97-AF65-F5344CB8AC3E}">
+        <p14:creationId xmlns:p14="http://schemas.microsoft.com/office/powerpoint/2010/main" val="3539992725"/>
+      </p:ext>
+    </p:extLst>
+  </p:cSld>
+  <p:clrMapOvr>
+    <a:masterClrMapping/>
+  </p:clrMapOvr>
+</p:sld>
+</file>
+
+<file path=ppt/slides/slide4.xml><?xml version="1.0" encoding="utf-8"?>
+<p:sld xmlns:a="http://schemas.openxmlformats.org/drawingml/2006/main" xmlns:r="http://schemas.openxmlformats.org/officeDocument/2006/relationships" xmlns:p="http://schemas.openxmlformats.org/presentationml/2006/main">
+  <p:cSld>
+    <p:spTree>
+      <p:nvGrpSpPr>
+        <p:cNvPr id="1" name=""/>
+        <p:cNvGrpSpPr/>
+        <p:nvPr/>
+      </p:nvGrpSpPr>
+      <p:grpSpPr>
+        <a:xfrm>
+          <a:off x="0" y="0"/>
+          <a:ext cx="0" cy="0"/>
+          <a:chOff x="0" y="0"/>
+          <a:chExt cx="0" cy="0"/>
+        </a:xfrm>
+      </p:grpSpPr>
+      <p:sp>
+        <p:nvSpPr>
+          <p:cNvPr id="5" name="제목 4"/>
+          <p:cNvSpPr>
+            <a:spLocks noGrp="1"/>
+          </p:cNvSpPr>
+          <p:nvPr>
+            <p:ph type="title"/>
+          </p:nvPr>
+        </p:nvSpPr>
+        <p:spPr>
+          <a:xfrm>
+            <a:off x="608016" y="551987"/>
+            <a:ext cx="10944225" cy="1140090"/>
+          </a:xfrm>
+        </p:spPr>
+        <p:txBody>
+          <a:bodyPr>
+            <a:normAutofit fontScale="90000"/>
+          </a:bodyPr>
+          <a:lstStyle/>
+          <a:p>
+            <a:pPr algn="l"/>
+            <a:r>
+              <a:rPr lang="en-US" altLang="ko-KR" sz="4400" dirty="0">
+                <a:solidFill>
+                  <a:schemeClr val="tx1">
+                    <a:lumMod val="75000"/>
+                    <a:lumOff val="25000"/>
+                  </a:schemeClr>
+                </a:solidFill>
+                <a:latin typeface="Noto Sans CJK KR Black" pitchFamily="34" charset="-127"/>
+                <a:ea typeface="Noto Sans CJK KR Black" pitchFamily="34" charset="-127"/>
+              </a:rPr>
+              <a:t>2. </a:t>
+            </a:r>
+            <a:r>
+              <a:rPr lang="ko-KR" altLang="en-US" sz="4400" dirty="0">
+                <a:solidFill>
+                  <a:schemeClr val="tx1">
+                    <a:lumMod val="75000"/>
+                    <a:lumOff val="25000"/>
+                  </a:schemeClr>
+                </a:solidFill>
+                <a:latin typeface="Noto Sans CJK KR Black" pitchFamily="34" charset="-127"/>
+                <a:ea typeface="Noto Sans CJK KR Black" pitchFamily="34" charset="-127"/>
+              </a:rPr>
+              <a:t>시계열</a:t>
+            </a:r>
+            <a:br>
+              <a:rPr lang="en-US" altLang="ko-KR" sz="4400" dirty="0">
+                <a:solidFill>
+                  <a:schemeClr val="tx1">
+                    <a:lumMod val="75000"/>
+                    <a:lumOff val="25000"/>
+                  </a:schemeClr>
+                </a:solidFill>
+                <a:latin typeface="Noto Sans CJK KR Black" pitchFamily="34" charset="-127"/>
+                <a:ea typeface="Noto Sans CJK KR Black" pitchFamily="34" charset="-127"/>
+              </a:rPr>
+            </a:br>
+            <a:r>
+              <a:rPr lang="ko-KR" altLang="en-US" sz="4400" dirty="0">
+                <a:solidFill>
+                  <a:schemeClr val="tx1">
+                    <a:lumMod val="75000"/>
+                    <a:lumOff val="25000"/>
+                  </a:schemeClr>
+                </a:solidFill>
+                <a:latin typeface="Noto Sans CJK KR Black" pitchFamily="34" charset="-127"/>
+                <a:ea typeface="Noto Sans CJK KR Black" pitchFamily="34" charset="-127"/>
+              </a:rPr>
+              <a:t> 알고리즘</a:t>
+            </a:r>
+            <a:endParaRPr lang="ko-KR" altLang="en-US" sz="4400" dirty="0">
+              <a:solidFill>
+                <a:schemeClr val="tx1">
+                  <a:lumMod val="75000"/>
+                  <a:lumOff val="25000"/>
+                </a:schemeClr>
+              </a:solidFill>
+            </a:endParaRPr>
+          </a:p>
+        </p:txBody>
+      </p:sp>
+      <p:sp>
+        <p:nvSpPr>
+          <p:cNvPr id="3" name="슬라이드 번호 개체 틀 2"/>
+          <p:cNvSpPr>
+            <a:spLocks noGrp="1"/>
+          </p:cNvSpPr>
+          <p:nvPr>
+            <p:ph type="sldNum" sz="quarter" idx="12"/>
+          </p:nvPr>
+        </p:nvSpPr>
+        <p:spPr/>
+        <p:txBody>
+          <a:bodyPr/>
+          <a:lstStyle/>
+          <a:p>
+            <a:fld id="{6DDAE2C3-1A0B-474A-8CE8-AE55B8D9D4B1}" type="slidenum">
+              <a:rPr lang="ko-KR" altLang="en-US" smtClean="0"/>
+              <a:pPr/>
+              <a:t>4</a:t>
+            </a:fld>
+            <a:endParaRPr lang="ko-KR" altLang="en-US" dirty="0"/>
+          </a:p>
+        </p:txBody>
+      </p:sp>
+      <p:pic>
+        <p:nvPicPr>
+          <p:cNvPr id="4" name="그림 3">
+            <a:extLst>
+              <a:ext uri="{FF2B5EF4-FFF2-40B4-BE49-F238E27FC236}">
+                <a16:creationId xmlns:a16="http://schemas.microsoft.com/office/drawing/2014/main" id="{7B9FF46D-0DA2-4637-99A1-1229223CEFC6}"/>
+              </a:ext>
+            </a:extLst>
+          </p:cNvPr>
+          <p:cNvPicPr>
+            <a:picLocks noChangeAspect="1"/>
+          </p:cNvPicPr>
+          <p:nvPr/>
+        </p:nvPicPr>
+        <p:blipFill>
+          <a:blip r:embed="rId2"/>
+          <a:stretch>
+            <a:fillRect/>
+          </a:stretch>
+        </p:blipFill>
+        <p:spPr>
+          <a:xfrm>
+            <a:off x="3082671" y="172244"/>
+            <a:ext cx="8915400" cy="6496050"/>
+          </a:xfrm>
+          <a:prstGeom prst="rect">
+            <a:avLst/>
+          </a:prstGeom>
+        </p:spPr>
+      </p:pic>
+    </p:spTree>
+    <p:extLst>
+      <p:ext uri="{BB962C8B-B14F-4D97-AF65-F5344CB8AC3E}">
+        <p14:creationId xmlns:p14="http://schemas.microsoft.com/office/powerpoint/2010/main" val="1657276715"/>
+      </p:ext>
+    </p:extLst>
+  </p:cSld>
+  <p:clrMapOvr>
+    <a:masterClrMapping/>
+  </p:clrMapOvr>
+</p:sld>
+</file>
+
 <file path=ppt/slides/slide5.xml><?xml version="1.0" encoding="utf-8"?>
 <p:sld xmlns:a="http://schemas.openxmlformats.org/drawingml/2006/main" xmlns:r="http://schemas.openxmlformats.org/officeDocument/2006/relationships" xmlns:p="http://schemas.openxmlformats.org/presentationml/2006/main">
   <p:cSld>
@@ -10501,7 +7966,7 @@
         </p:spPr>
         <p:txBody>
           <a:bodyPr>
-            <a:normAutofit/>
+            <a:normAutofit fontScale="90000"/>
           </a:bodyPr>
           <a:lstStyle/>
           <a:p>
@@ -10517,7 +7982,7 @@
                 <a:latin typeface="Noto Sans CJK KR Black" pitchFamily="34" charset="-127"/>
                 <a:ea typeface="Noto Sans CJK KR Black" pitchFamily="34" charset="-127"/>
               </a:rPr>
-              <a:t>1. </a:t>
+              <a:t>2. </a:t>
             </a:r>
             <a:r>
               <a:rPr lang="ko-KR" altLang="en-US" sz="4400" dirty="0">
@@ -10530,7 +7995,32 @@
                 <a:latin typeface="Noto Sans CJK KR Black" pitchFamily="34" charset="-127"/>
                 <a:ea typeface="Noto Sans CJK KR Black" pitchFamily="34" charset="-127"/>
               </a:rPr>
-              <a:t>비선형 시계열 알고리즘</a:t>
+              <a:t>시계열</a:t>
+            </a:r>
+            <a:br>
+              <a:rPr lang="en-US" altLang="ko-KR" sz="4400" dirty="0">
+                <a:solidFill>
+                  <a:schemeClr val="tx1">
+                    <a:lumMod val="75000"/>
+                    <a:lumOff val="25000"/>
+                  </a:schemeClr>
+                </a:solidFill>
+                <a:latin typeface="Noto Sans CJK KR Black" pitchFamily="34" charset="-127"/>
+                <a:ea typeface="Noto Sans CJK KR Black" pitchFamily="34" charset="-127"/>
+              </a:rPr>
+            </a:br>
+            <a:r>
+              <a:rPr lang="ko-KR" altLang="en-US" sz="4400" dirty="0">
+                <a:solidFill>
+                  <a:schemeClr val="tx1">
+                    <a:lumMod val="75000"/>
+                    <a:lumOff val="25000"/>
+                  </a:schemeClr>
+                </a:solidFill>
+                <a:latin typeface="Noto Sans CJK KR Black" pitchFamily="34" charset="-127"/>
+                <a:ea typeface="Noto Sans CJK KR Black" pitchFamily="34" charset="-127"/>
+              </a:rPr>
+              <a:t> 알고리즘</a:t>
             </a:r>
             <a:endParaRPr lang="ko-KR" altLang="en-US" sz="4400" dirty="0">
               <a:solidFill>
@@ -10572,7 +8062,7 @@
           <p:cNvPr id="4" name="그림 3">
             <a:extLst>
               <a:ext uri="{FF2B5EF4-FFF2-40B4-BE49-F238E27FC236}">
-                <a16:creationId xmlns:a16="http://schemas.microsoft.com/office/drawing/2014/main" id="{F0CDFEFD-51E2-4FE8-80B2-36EE1ABF0D69}"/>
+                <a16:creationId xmlns:a16="http://schemas.microsoft.com/office/drawing/2014/main" id="{8A01ABCF-F93E-4D40-9FA0-0DB895310B1E}"/>
               </a:ext>
             </a:extLst>
           </p:cNvPr>
@@ -10589,8 +8079,8 @@
         </p:blipFill>
         <p:spPr>
           <a:xfrm>
-            <a:off x="3351212" y="1879687"/>
-            <a:ext cx="5457825" cy="4305300"/>
+            <a:off x="3631853" y="305797"/>
+            <a:ext cx="7734300" cy="6257925"/>
           </a:xfrm>
           <a:prstGeom prst="rect">
             <a:avLst/>
@@ -10600,7 +8090,7 @@
     </p:spTree>
     <p:extLst>
       <p:ext uri="{BB962C8B-B14F-4D97-AF65-F5344CB8AC3E}">
-        <p14:creationId xmlns:p14="http://schemas.microsoft.com/office/powerpoint/2010/main" val="139457658"/>
+        <p14:creationId xmlns:p14="http://schemas.microsoft.com/office/powerpoint/2010/main" val="1166224282"/>
       </p:ext>
     </p:extLst>
   </p:cSld>
@@ -10645,7 +8135,7 @@
         </p:spPr>
         <p:txBody>
           <a:bodyPr>
-            <a:normAutofit/>
+            <a:normAutofit fontScale="90000"/>
           </a:bodyPr>
           <a:lstStyle/>
           <a:p>
@@ -10661,7 +8151,7 @@
                 <a:latin typeface="Noto Sans CJK KR Black" pitchFamily="34" charset="-127"/>
                 <a:ea typeface="Noto Sans CJK KR Black" pitchFamily="34" charset="-127"/>
               </a:rPr>
-              <a:t>1. </a:t>
+              <a:t>2. </a:t>
             </a:r>
             <a:r>
               <a:rPr lang="ko-KR" altLang="en-US" sz="4400" dirty="0">
@@ -10674,7 +8164,32 @@
                 <a:latin typeface="Noto Sans CJK KR Black" pitchFamily="34" charset="-127"/>
                 <a:ea typeface="Noto Sans CJK KR Black" pitchFamily="34" charset="-127"/>
               </a:rPr>
-              <a:t>비선형 시계열 알고리즘</a:t>
+              <a:t>시계열</a:t>
+            </a:r>
+            <a:br>
+              <a:rPr lang="en-US" altLang="ko-KR" sz="4400" dirty="0">
+                <a:solidFill>
+                  <a:schemeClr val="tx1">
+                    <a:lumMod val="75000"/>
+                    <a:lumOff val="25000"/>
+                  </a:schemeClr>
+                </a:solidFill>
+                <a:latin typeface="Noto Sans CJK KR Black" pitchFamily="34" charset="-127"/>
+                <a:ea typeface="Noto Sans CJK KR Black" pitchFamily="34" charset="-127"/>
+              </a:rPr>
+            </a:br>
+            <a:r>
+              <a:rPr lang="ko-KR" altLang="en-US" sz="4400" dirty="0">
+                <a:solidFill>
+                  <a:schemeClr val="tx1">
+                    <a:lumMod val="75000"/>
+                    <a:lumOff val="25000"/>
+                  </a:schemeClr>
+                </a:solidFill>
+                <a:latin typeface="Noto Sans CJK KR Black" pitchFamily="34" charset="-127"/>
+                <a:ea typeface="Noto Sans CJK KR Black" pitchFamily="34" charset="-127"/>
+              </a:rPr>
+              <a:t> 알고리즘</a:t>
             </a:r>
             <a:endParaRPr lang="ko-KR" altLang="en-US" sz="4400" dirty="0">
               <a:solidFill>
@@ -10716,7 +8231,7 @@
           <p:cNvPr id="4" name="그림 3">
             <a:extLst>
               <a:ext uri="{FF2B5EF4-FFF2-40B4-BE49-F238E27FC236}">
-                <a16:creationId xmlns:a16="http://schemas.microsoft.com/office/drawing/2014/main" id="{94F342A0-24A8-4717-98C4-31796BF01CF9}"/>
+                <a16:creationId xmlns:a16="http://schemas.microsoft.com/office/drawing/2014/main" id="{828D62DA-4B6B-4483-906A-4E886DF86727}"/>
               </a:ext>
             </a:extLst>
           </p:cNvPr>
@@ -10733,8 +8248,8 @@
         </p:blipFill>
         <p:spPr>
           <a:xfrm>
-            <a:off x="2603500" y="2158206"/>
-            <a:ext cx="6953250" cy="2524125"/>
+            <a:off x="3847877" y="886619"/>
+            <a:ext cx="7505700" cy="5067300"/>
           </a:xfrm>
           <a:prstGeom prst="rect">
             <a:avLst/>
@@ -10744,7 +8259,7 @@
     </p:spTree>
     <p:extLst>
       <p:ext uri="{BB962C8B-B14F-4D97-AF65-F5344CB8AC3E}">
-        <p14:creationId xmlns:p14="http://schemas.microsoft.com/office/powerpoint/2010/main" val="2519678446"/>
+        <p14:creationId xmlns:p14="http://schemas.microsoft.com/office/powerpoint/2010/main" val="1104594349"/>
       </p:ext>
     </p:extLst>
   </p:cSld>
@@ -10805,7 +8320,7 @@
                 <a:latin typeface="Noto Sans CJK KR Black" pitchFamily="34" charset="-127"/>
                 <a:ea typeface="Noto Sans CJK KR Black" pitchFamily="34" charset="-127"/>
               </a:rPr>
-              <a:t>1. </a:t>
+              <a:t>2. </a:t>
             </a:r>
             <a:r>
               <a:rPr lang="ko-KR" altLang="en-US" sz="4400" dirty="0">
@@ -10818,7 +8333,7 @@
                 <a:latin typeface="Noto Sans CJK KR Black" pitchFamily="34" charset="-127"/>
                 <a:ea typeface="Noto Sans CJK KR Black" pitchFamily="34" charset="-127"/>
               </a:rPr>
-              <a:t>비선형 시계열 알고리즘</a:t>
+              <a:t>시계열 알고리즘</a:t>
             </a:r>
             <a:endParaRPr lang="ko-KR" altLang="en-US" sz="4400" dirty="0">
               <a:solidFill>
@@ -10860,7 +8375,7 @@
           <p:cNvPr id="2" name="그림 1">
             <a:extLst>
               <a:ext uri="{FF2B5EF4-FFF2-40B4-BE49-F238E27FC236}">
-                <a16:creationId xmlns:a16="http://schemas.microsoft.com/office/drawing/2014/main" id="{1F6B64E0-368A-4627-BBA6-363168172599}"/>
+                <a16:creationId xmlns:a16="http://schemas.microsoft.com/office/drawing/2014/main" id="{5CA73266-A29F-4AF1-8637-0543EECC73DA}"/>
               </a:ext>
             </a:extLst>
           </p:cNvPr>
@@ -10877,8 +8392,8 @@
         </p:blipFill>
         <p:spPr>
           <a:xfrm>
-            <a:off x="3232150" y="1980109"/>
-            <a:ext cx="5695950" cy="3571875"/>
+            <a:off x="3022600" y="2917912"/>
+            <a:ext cx="6115050" cy="2228850"/>
           </a:xfrm>
           <a:prstGeom prst="rect">
             <a:avLst/>
@@ -10888,7 +8403,7 @@
     </p:spTree>
     <p:extLst>
       <p:ext uri="{BB962C8B-B14F-4D97-AF65-F5344CB8AC3E}">
-        <p14:creationId xmlns:p14="http://schemas.microsoft.com/office/powerpoint/2010/main" val="3439244080"/>
+        <p14:creationId xmlns:p14="http://schemas.microsoft.com/office/powerpoint/2010/main" val="4026991928"/>
       </p:ext>
     </p:extLst>
   </p:cSld>
@@ -10933,7 +8448,7 @@
         </p:spPr>
         <p:txBody>
           <a:bodyPr>
-            <a:normAutofit fontScale="90000"/>
+            <a:normAutofit/>
           </a:bodyPr>
           <a:lstStyle/>
           <a:p>
@@ -10949,33 +8464,8 @@
                 <a:latin typeface="Noto Sans CJK KR Black" pitchFamily="34" charset="-127"/>
                 <a:ea typeface="Noto Sans CJK KR Black" pitchFamily="34" charset="-127"/>
               </a:rPr>
-              <a:t>1. </a:t>
-            </a:r>
-            <a:r>
-              <a:rPr lang="ko-KR" altLang="en-US" sz="4400" dirty="0">
-                <a:solidFill>
-                  <a:schemeClr val="tx1">
-                    <a:lumMod val="75000"/>
-                    <a:lumOff val="25000"/>
-                  </a:schemeClr>
-                </a:solidFill>
-                <a:latin typeface="Noto Sans CJK KR Black" pitchFamily="34" charset="-127"/>
-                <a:ea typeface="Noto Sans CJK KR Black" pitchFamily="34" charset="-127"/>
-              </a:rPr>
-              <a:t>비선형 </a:t>
-            </a:r>
-            <a:br>
-              <a:rPr lang="en-US" altLang="ko-KR" sz="4400" dirty="0">
-                <a:solidFill>
-                  <a:schemeClr val="tx1">
-                    <a:lumMod val="75000"/>
-                    <a:lumOff val="25000"/>
-                  </a:schemeClr>
-                </a:solidFill>
-                <a:latin typeface="Noto Sans CJK KR Black" pitchFamily="34" charset="-127"/>
-                <a:ea typeface="Noto Sans CJK KR Black" pitchFamily="34" charset="-127"/>
-              </a:rPr>
-            </a:br>
+              <a:t>2. </a:t>
+            </a:r>
             <a:r>
               <a:rPr lang="ko-KR" altLang="en-US" sz="4400" dirty="0">
                 <a:solidFill>
@@ -11029,7 +8519,7 @@
           <p:cNvPr id="2" name="그림 1">
             <a:extLst>
               <a:ext uri="{FF2B5EF4-FFF2-40B4-BE49-F238E27FC236}">
-                <a16:creationId xmlns:a16="http://schemas.microsoft.com/office/drawing/2014/main" id="{B58FEBEB-79BC-40DC-B99B-C7637E7F2083}"/>
+                <a16:creationId xmlns:a16="http://schemas.microsoft.com/office/drawing/2014/main" id="{67A6B2D2-68A2-42B2-866E-D57F05A895B6}"/>
               </a:ext>
             </a:extLst>
           </p:cNvPr>
@@ -11046,8 +8536,8 @@
         </p:blipFill>
         <p:spPr>
           <a:xfrm>
-            <a:off x="4207917" y="240743"/>
-            <a:ext cx="7543800" cy="6496050"/>
+            <a:off x="1889125" y="1860637"/>
+            <a:ext cx="8382000" cy="4343400"/>
           </a:xfrm>
           <a:prstGeom prst="rect">
             <a:avLst/>
@@ -11057,7 +8547,7 @@
     </p:spTree>
     <p:extLst>
       <p:ext uri="{BB962C8B-B14F-4D97-AF65-F5344CB8AC3E}">
-        <p14:creationId xmlns:p14="http://schemas.microsoft.com/office/powerpoint/2010/main" val="1068458907"/>
+        <p14:creationId xmlns:p14="http://schemas.microsoft.com/office/powerpoint/2010/main" val="397703192"/>
       </p:ext>
     </p:extLst>
   </p:cSld>
@@ -11118,7 +8608,7 @@
                 <a:latin typeface="Noto Sans CJK KR Black" pitchFamily="34" charset="-127"/>
                 <a:ea typeface="Noto Sans CJK KR Black" pitchFamily="34" charset="-127"/>
               </a:rPr>
-              <a:t>1. </a:t>
+              <a:t>2. </a:t>
             </a:r>
             <a:r>
               <a:rPr lang="ko-KR" altLang="en-US" sz="4400" dirty="0">
@@ -11131,7 +8621,7 @@
                 <a:latin typeface="Noto Sans CJK KR Black" pitchFamily="34" charset="-127"/>
                 <a:ea typeface="Noto Sans CJK KR Black" pitchFamily="34" charset="-127"/>
               </a:rPr>
-              <a:t>비선형 시계열 알고리즘</a:t>
+              <a:t>시계열 알고리즘</a:t>
             </a:r>
             <a:endParaRPr lang="ko-KR" altLang="en-US" sz="4400" dirty="0">
               <a:solidFill>
@@ -11173,7 +8663,7 @@
           <p:cNvPr id="2" name="그림 1">
             <a:extLst>
               <a:ext uri="{FF2B5EF4-FFF2-40B4-BE49-F238E27FC236}">
-                <a16:creationId xmlns:a16="http://schemas.microsoft.com/office/drawing/2014/main" id="{154BA5C1-E156-45DA-A5CB-F79F3462BC8D}"/>
+                <a16:creationId xmlns:a16="http://schemas.microsoft.com/office/drawing/2014/main" id="{08676314-CC49-448D-A2FD-030F814F0DC8}"/>
               </a:ext>
             </a:extLst>
           </p:cNvPr>
@@ -11190,8 +8680,8 @@
         </p:blipFill>
         <p:spPr>
           <a:xfrm>
-            <a:off x="3079750" y="1702616"/>
-            <a:ext cx="6000750" cy="4810125"/>
+            <a:off x="1474787" y="1975496"/>
+            <a:ext cx="9210675" cy="4324350"/>
           </a:xfrm>
           <a:prstGeom prst="rect">
             <a:avLst/>
@@ -11201,7 +8691,7 @@
     </p:spTree>
     <p:extLst>
       <p:ext uri="{BB962C8B-B14F-4D97-AF65-F5344CB8AC3E}">
-        <p14:creationId xmlns:p14="http://schemas.microsoft.com/office/powerpoint/2010/main" val="1345698655"/>
+        <p14:creationId xmlns:p14="http://schemas.microsoft.com/office/powerpoint/2010/main" val="1574801903"/>
       </p:ext>
     </p:extLst>
   </p:cSld>
